--- a/assignments/Presentation2/TopicPageRankSlides.pptx
+++ b/assignments/Presentation2/TopicPageRankSlides.pptx
@@ -5,22 +5,24 @@
     <p:sldMasterId id="2147483762" r:id="rId1"/>
   </p:sldMasterIdLst>
   <p:notesMasterIdLst>
-    <p:notesMasterId r:id="rId15"/>
+    <p:notesMasterId r:id="rId17"/>
   </p:notesMasterIdLst>
   <p:sldIdLst>
     <p:sldId id="259" r:id="rId2"/>
-    <p:sldId id="260" r:id="rId3"/>
-    <p:sldId id="263" r:id="rId4"/>
-    <p:sldId id="264" r:id="rId5"/>
-    <p:sldId id="268" r:id="rId6"/>
-    <p:sldId id="265" r:id="rId7"/>
-    <p:sldId id="266" r:id="rId8"/>
-    <p:sldId id="269" r:id="rId9"/>
-    <p:sldId id="267" r:id="rId10"/>
-    <p:sldId id="270" r:id="rId11"/>
-    <p:sldId id="271" r:id="rId12"/>
-    <p:sldId id="261" r:id="rId13"/>
-    <p:sldId id="262" r:id="rId14"/>
+    <p:sldId id="263" r:id="rId3"/>
+    <p:sldId id="268" r:id="rId4"/>
+    <p:sldId id="265" r:id="rId5"/>
+    <p:sldId id="277" r:id="rId6"/>
+    <p:sldId id="267" r:id="rId7"/>
+    <p:sldId id="270" r:id="rId8"/>
+    <p:sldId id="271" r:id="rId9"/>
+    <p:sldId id="261" r:id="rId10"/>
+    <p:sldId id="272" r:id="rId11"/>
+    <p:sldId id="273" r:id="rId12"/>
+    <p:sldId id="274" r:id="rId13"/>
+    <p:sldId id="275" r:id="rId14"/>
+    <p:sldId id="276" r:id="rId15"/>
+    <p:sldId id="262" r:id="rId16"/>
   </p:sldIdLst>
   <p:sldSz cx="12192000" cy="6858000"/>
   <p:notesSz cx="6858000" cy="9144000"/>
@@ -119,7 +121,16 @@
       </a:defRPr>
     </a:lvl9pPr>
   </p:defaultTextStyle>
+  <p:extLst>
+    <p:ext uri="{EFAFB233-063F-42B5-8137-9DF3F51BA10A}">
+      <p15:sldGuideLst xmlns:p15="http://schemas.microsoft.com/office/powerpoint/2012/main"/>
+    </p:ext>
+  </p:extLst>
 </p:presentation>
+</file>
+
+<file path=ppt/revisionInfo.xml><?xml version="1.0" encoding="utf-8"?>
+<p1510:revInfo xmlns:a="http://schemas.openxmlformats.org/drawingml/2006/main" xmlns:r="http://schemas.openxmlformats.org/officeDocument/2006/relationships" xmlns:p1510="http://schemas.microsoft.com/office/powerpoint/2015/10/main"/>
 </file>
 
 <file path=ppt/notesMasters/notesMaster1.xml><?xml version="1.0" encoding="utf-8"?>
@@ -268,38 +279,37 @@
           <a:p>
             <a:pPr lvl="0"/>
             <a:r>
-              <a:rPr lang="en-US" smtClean="0"/>
+              <a:rPr lang="en-US"/>
               <a:t>Click to edit Master text styles</a:t>
             </a:r>
           </a:p>
           <a:p>
             <a:pPr lvl="1"/>
             <a:r>
-              <a:rPr lang="en-US" smtClean="0"/>
+              <a:rPr lang="en-US"/>
               <a:t>Second level</a:t>
             </a:r>
           </a:p>
           <a:p>
             <a:pPr lvl="2"/>
             <a:r>
-              <a:rPr lang="en-US" smtClean="0"/>
+              <a:rPr lang="en-US"/>
               <a:t>Third level</a:t>
             </a:r>
           </a:p>
           <a:p>
             <a:pPr lvl="3"/>
             <a:r>
-              <a:rPr lang="en-US" smtClean="0"/>
+              <a:rPr lang="en-US"/>
               <a:t>Fourth level</a:t>
             </a:r>
           </a:p>
           <a:p>
             <a:pPr lvl="4"/>
             <a:r>
-              <a:rPr lang="en-US" smtClean="0"/>
+              <a:rPr lang="en-US"/>
               <a:t>Fifth level</a:t>
             </a:r>
-            <a:endParaRPr lang="en-US"/>
           </a:p>
         </p:txBody>
       </p:sp>
@@ -621,7 +631,7 @@
           <a:p>
             <a:fld id="{49255773-FCBA-4359-B6B9-460E9E3CAF18}" type="slidenum">
               <a:rPr lang="en-US" smtClean="0"/>
-              <a:t>3</a:t>
+              <a:t>2</a:t>
             </a:fld>
             <a:endParaRPr lang="en-US"/>
           </a:p>
@@ -631,90 +641,6 @@
     <p:extLst>
       <p:ext uri="{BB962C8B-B14F-4D97-AF65-F5344CB8AC3E}">
         <p14:creationId xmlns:p14="http://schemas.microsoft.com/office/powerpoint/2010/main" val="1929566982"/>
-      </p:ext>
-    </p:extLst>
-  </p:cSld>
-  <p:clrMapOvr>
-    <a:masterClrMapping/>
-  </p:clrMapOvr>
-</p:notes>
-</file>
-
-<file path=ppt/notesSlides/notesSlide3.xml><?xml version="1.0" encoding="utf-8"?>
-<p:notes xmlns:a="http://schemas.openxmlformats.org/drawingml/2006/main" xmlns:r="http://schemas.openxmlformats.org/officeDocument/2006/relationships" xmlns:p="http://schemas.openxmlformats.org/presentationml/2006/main">
-  <p:cSld>
-    <p:spTree>
-      <p:nvGrpSpPr>
-        <p:cNvPr id="1" name=""/>
-        <p:cNvGrpSpPr/>
-        <p:nvPr/>
-      </p:nvGrpSpPr>
-      <p:grpSpPr>
-        <a:xfrm>
-          <a:off x="0" y="0"/>
-          <a:ext cx="0" cy="0"/>
-          <a:chOff x="0" y="0"/>
-          <a:chExt cx="0" cy="0"/>
-        </a:xfrm>
-      </p:grpSpPr>
-      <p:sp>
-        <p:nvSpPr>
-          <p:cNvPr id="2" name="Slide Image Placeholder 1"/>
-          <p:cNvSpPr>
-            <a:spLocks noGrp="1" noRot="1" noChangeAspect="1"/>
-          </p:cNvSpPr>
-          <p:nvPr>
-            <p:ph type="sldImg"/>
-          </p:nvPr>
-        </p:nvSpPr>
-        <p:spPr/>
-      </p:sp>
-      <p:sp>
-        <p:nvSpPr>
-          <p:cNvPr id="3" name="Notes Placeholder 2"/>
-          <p:cNvSpPr>
-            <a:spLocks noGrp="1"/>
-          </p:cNvSpPr>
-          <p:nvPr>
-            <p:ph type="body" idx="1"/>
-          </p:nvPr>
-        </p:nvSpPr>
-        <p:spPr/>
-        <p:txBody>
-          <a:bodyPr/>
-          <a:lstStyle/>
-          <a:p>
-            <a:endParaRPr lang="en-US"/>
-          </a:p>
-        </p:txBody>
-      </p:sp>
-      <p:sp>
-        <p:nvSpPr>
-          <p:cNvPr id="4" name="Slide Number Placeholder 3"/>
-          <p:cNvSpPr>
-            <a:spLocks noGrp="1"/>
-          </p:cNvSpPr>
-          <p:nvPr>
-            <p:ph type="sldNum" sz="quarter" idx="10"/>
-          </p:nvPr>
-        </p:nvSpPr>
-        <p:spPr/>
-        <p:txBody>
-          <a:bodyPr/>
-          <a:lstStyle/>
-          <a:p>
-            <a:fld id="{49255773-FCBA-4359-B6B9-460E9E3CAF18}" type="slidenum">
-              <a:rPr lang="en-US" smtClean="0"/>
-              <a:t>4</a:t>
-            </a:fld>
-            <a:endParaRPr lang="en-US"/>
-          </a:p>
-        </p:txBody>
-      </p:sp>
-    </p:spTree>
-    <p:extLst>
-      <p:ext uri="{BB962C8B-B14F-4D97-AF65-F5344CB8AC3E}">
-        <p14:creationId xmlns:p14="http://schemas.microsoft.com/office/powerpoint/2010/main" val="1954249856"/>
       </p:ext>
     </p:extLst>
   </p:cSld>
@@ -766,10 +692,9 @@
           </a:lstStyle>
           <a:p>
             <a:r>
-              <a:rPr lang="en-US" smtClean="0"/>
+              <a:rPr lang="en-US"/>
               <a:t>Click to edit Master title style</a:t>
             </a:r>
-            <a:endParaRPr lang="en-US"/>
           </a:p>
         </p:txBody>
       </p:sp>
@@ -831,10 +756,9 @@
           </a:lstStyle>
           <a:p>
             <a:r>
-              <a:rPr lang="en-US" smtClean="0"/>
+              <a:rPr lang="en-US"/>
               <a:t>Click to edit Master subtitle style</a:t>
             </a:r>
-            <a:endParaRPr lang="en-US"/>
           </a:p>
         </p:txBody>
       </p:sp>
@@ -954,10 +878,9 @@
           <a:lstStyle/>
           <a:p>
             <a:r>
-              <a:rPr lang="en-US" smtClean="0"/>
+              <a:rPr lang="en-US"/>
               <a:t>Click to edit Master title style</a:t>
             </a:r>
-            <a:endParaRPr lang="en-US"/>
           </a:p>
         </p:txBody>
       </p:sp>
@@ -978,38 +901,37 @@
           <a:p>
             <a:pPr lvl="0"/>
             <a:r>
-              <a:rPr lang="en-US" smtClean="0"/>
+              <a:rPr lang="en-US"/>
               <a:t>Click to edit Master text styles</a:t>
             </a:r>
           </a:p>
           <a:p>
             <a:pPr lvl="1"/>
             <a:r>
-              <a:rPr lang="en-US" smtClean="0"/>
+              <a:rPr lang="en-US"/>
               <a:t>Second level</a:t>
             </a:r>
           </a:p>
           <a:p>
             <a:pPr lvl="2"/>
             <a:r>
-              <a:rPr lang="en-US" smtClean="0"/>
+              <a:rPr lang="en-US"/>
               <a:t>Third level</a:t>
             </a:r>
           </a:p>
           <a:p>
             <a:pPr lvl="3"/>
             <a:r>
-              <a:rPr lang="en-US" smtClean="0"/>
+              <a:rPr lang="en-US"/>
               <a:t>Fourth level</a:t>
             </a:r>
           </a:p>
           <a:p>
             <a:pPr lvl="4"/>
             <a:r>
-              <a:rPr lang="en-US" smtClean="0"/>
+              <a:rPr lang="en-US"/>
               <a:t>Fifth level</a:t>
             </a:r>
-            <a:endParaRPr lang="en-US"/>
           </a:p>
         </p:txBody>
       </p:sp>
@@ -1129,10 +1051,9 @@
           <a:lstStyle/>
           <a:p>
             <a:r>
-              <a:rPr lang="en-US" smtClean="0"/>
+              <a:rPr lang="en-US"/>
               <a:t>Click to edit Master title style</a:t>
             </a:r>
-            <a:endParaRPr lang="en-US"/>
           </a:p>
         </p:txBody>
       </p:sp>
@@ -1158,38 +1079,37 @@
           <a:p>
             <a:pPr lvl="0"/>
             <a:r>
-              <a:rPr lang="en-US" smtClean="0"/>
+              <a:rPr lang="en-US"/>
               <a:t>Click to edit Master text styles</a:t>
             </a:r>
           </a:p>
           <a:p>
             <a:pPr lvl="1"/>
             <a:r>
-              <a:rPr lang="en-US" smtClean="0"/>
+              <a:rPr lang="en-US"/>
               <a:t>Second level</a:t>
             </a:r>
           </a:p>
           <a:p>
             <a:pPr lvl="2"/>
             <a:r>
-              <a:rPr lang="en-US" smtClean="0"/>
+              <a:rPr lang="en-US"/>
               <a:t>Third level</a:t>
             </a:r>
           </a:p>
           <a:p>
             <a:pPr lvl="3"/>
             <a:r>
-              <a:rPr lang="en-US" smtClean="0"/>
+              <a:rPr lang="en-US"/>
               <a:t>Fourth level</a:t>
             </a:r>
           </a:p>
           <a:p>
             <a:pPr lvl="4"/>
             <a:r>
-              <a:rPr lang="en-US" smtClean="0"/>
+              <a:rPr lang="en-US"/>
               <a:t>Fifth level</a:t>
             </a:r>
-            <a:endParaRPr lang="en-US"/>
           </a:p>
         </p:txBody>
       </p:sp>
@@ -1309,10 +1229,9 @@
           <a:lstStyle/>
           <a:p>
             <a:r>
-              <a:rPr lang="en-US" smtClean="0"/>
+              <a:rPr lang="en-US"/>
               <a:t>Click to edit Master title style</a:t>
             </a:r>
-            <a:endParaRPr lang="en-US"/>
           </a:p>
         </p:txBody>
       </p:sp>
@@ -1333,38 +1252,37 @@
           <a:p>
             <a:pPr lvl="0"/>
             <a:r>
-              <a:rPr lang="en-US" smtClean="0"/>
+              <a:rPr lang="en-US"/>
               <a:t>Click to edit Master text styles</a:t>
             </a:r>
           </a:p>
           <a:p>
             <a:pPr lvl="1"/>
             <a:r>
-              <a:rPr lang="en-US" smtClean="0"/>
+              <a:rPr lang="en-US"/>
               <a:t>Second level</a:t>
             </a:r>
           </a:p>
           <a:p>
             <a:pPr lvl="2"/>
             <a:r>
-              <a:rPr lang="en-US" smtClean="0"/>
+              <a:rPr lang="en-US"/>
               <a:t>Third level</a:t>
             </a:r>
           </a:p>
           <a:p>
             <a:pPr lvl="3"/>
             <a:r>
-              <a:rPr lang="en-US" smtClean="0"/>
+              <a:rPr lang="en-US"/>
               <a:t>Fourth level</a:t>
             </a:r>
           </a:p>
           <a:p>
             <a:pPr lvl="4"/>
             <a:r>
-              <a:rPr lang="en-US" smtClean="0"/>
+              <a:rPr lang="en-US"/>
               <a:t>Fifth level</a:t>
             </a:r>
-            <a:endParaRPr lang="en-US"/>
           </a:p>
         </p:txBody>
       </p:sp>
@@ -1488,10 +1406,9 @@
           </a:lstStyle>
           <a:p>
             <a:r>
-              <a:rPr lang="en-US" smtClean="0"/>
+              <a:rPr lang="en-US"/>
               <a:t>Click to edit Master title style</a:t>
             </a:r>
-            <a:endParaRPr lang="en-US"/>
           </a:p>
         </p:txBody>
       </p:sp>
@@ -1608,7 +1525,7 @@
           <a:p>
             <a:pPr lvl="0"/>
             <a:r>
-              <a:rPr lang="en-US" smtClean="0"/>
+              <a:rPr lang="en-US"/>
               <a:t>Click to edit Master text styles</a:t>
             </a:r>
           </a:p>
@@ -1730,10 +1647,9 @@
           <a:lstStyle/>
           <a:p>
             <a:r>
-              <a:rPr lang="en-US" smtClean="0"/>
+              <a:rPr lang="en-US"/>
               <a:t>Click to edit Master title style</a:t>
             </a:r>
-            <a:endParaRPr lang="en-US"/>
           </a:p>
         </p:txBody>
       </p:sp>
@@ -1759,38 +1675,37 @@
           <a:p>
             <a:pPr lvl="0"/>
             <a:r>
-              <a:rPr lang="en-US" smtClean="0"/>
+              <a:rPr lang="en-US"/>
               <a:t>Click to edit Master text styles</a:t>
             </a:r>
           </a:p>
           <a:p>
             <a:pPr lvl="1"/>
             <a:r>
-              <a:rPr lang="en-US" smtClean="0"/>
+              <a:rPr lang="en-US"/>
               <a:t>Second level</a:t>
             </a:r>
           </a:p>
           <a:p>
             <a:pPr lvl="2"/>
             <a:r>
-              <a:rPr lang="en-US" smtClean="0"/>
+              <a:rPr lang="en-US"/>
               <a:t>Third level</a:t>
             </a:r>
           </a:p>
           <a:p>
             <a:pPr lvl="3"/>
             <a:r>
-              <a:rPr lang="en-US" smtClean="0"/>
+              <a:rPr lang="en-US"/>
               <a:t>Fourth level</a:t>
             </a:r>
           </a:p>
           <a:p>
             <a:pPr lvl="4"/>
             <a:r>
-              <a:rPr lang="en-US" smtClean="0"/>
+              <a:rPr lang="en-US"/>
               <a:t>Fifth level</a:t>
             </a:r>
-            <a:endParaRPr lang="en-US"/>
           </a:p>
         </p:txBody>
       </p:sp>
@@ -1816,38 +1731,37 @@
           <a:p>
             <a:pPr lvl="0"/>
             <a:r>
-              <a:rPr lang="en-US" smtClean="0"/>
+              <a:rPr lang="en-US"/>
               <a:t>Click to edit Master text styles</a:t>
             </a:r>
           </a:p>
           <a:p>
             <a:pPr lvl="1"/>
             <a:r>
-              <a:rPr lang="en-US" smtClean="0"/>
+              <a:rPr lang="en-US"/>
               <a:t>Second level</a:t>
             </a:r>
           </a:p>
           <a:p>
             <a:pPr lvl="2"/>
             <a:r>
-              <a:rPr lang="en-US" smtClean="0"/>
+              <a:rPr lang="en-US"/>
               <a:t>Third level</a:t>
             </a:r>
           </a:p>
           <a:p>
             <a:pPr lvl="3"/>
             <a:r>
-              <a:rPr lang="en-US" smtClean="0"/>
+              <a:rPr lang="en-US"/>
               <a:t>Fourth level</a:t>
             </a:r>
           </a:p>
           <a:p>
             <a:pPr lvl="4"/>
             <a:r>
-              <a:rPr lang="en-US" smtClean="0"/>
+              <a:rPr lang="en-US"/>
               <a:t>Fifth level</a:t>
             </a:r>
-            <a:endParaRPr lang="en-US"/>
           </a:p>
         </p:txBody>
       </p:sp>
@@ -1967,10 +1881,9 @@
           <a:lstStyle/>
           <a:p>
             <a:r>
-              <a:rPr lang="en-US" smtClean="0"/>
+              <a:rPr lang="en-US"/>
               <a:t>Click to edit Master title style</a:t>
             </a:r>
-            <a:endParaRPr lang="en-US"/>
           </a:p>
         </p:txBody>
       </p:sp>
@@ -2033,7 +1946,7 @@
           <a:p>
             <a:pPr lvl="0"/>
             <a:r>
-              <a:rPr lang="en-US" smtClean="0"/>
+              <a:rPr lang="en-US"/>
               <a:t>Click to edit Master text styles</a:t>
             </a:r>
           </a:p>
@@ -2061,38 +1974,37 @@
           <a:p>
             <a:pPr lvl="0"/>
             <a:r>
-              <a:rPr lang="en-US" smtClean="0"/>
+              <a:rPr lang="en-US"/>
               <a:t>Click to edit Master text styles</a:t>
             </a:r>
           </a:p>
           <a:p>
             <a:pPr lvl="1"/>
             <a:r>
-              <a:rPr lang="en-US" smtClean="0"/>
+              <a:rPr lang="en-US"/>
               <a:t>Second level</a:t>
             </a:r>
           </a:p>
           <a:p>
             <a:pPr lvl="2"/>
             <a:r>
-              <a:rPr lang="en-US" smtClean="0"/>
+              <a:rPr lang="en-US"/>
               <a:t>Third level</a:t>
             </a:r>
           </a:p>
           <a:p>
             <a:pPr lvl="3"/>
             <a:r>
-              <a:rPr lang="en-US" smtClean="0"/>
+              <a:rPr lang="en-US"/>
               <a:t>Fourth level</a:t>
             </a:r>
           </a:p>
           <a:p>
             <a:pPr lvl="4"/>
             <a:r>
-              <a:rPr lang="en-US" smtClean="0"/>
+              <a:rPr lang="en-US"/>
               <a:t>Fifth level</a:t>
             </a:r>
-            <a:endParaRPr lang="en-US"/>
           </a:p>
         </p:txBody>
       </p:sp>
@@ -2155,7 +2067,7 @@
           <a:p>
             <a:pPr lvl="0"/>
             <a:r>
-              <a:rPr lang="en-US" smtClean="0"/>
+              <a:rPr lang="en-US"/>
               <a:t>Click to edit Master text styles</a:t>
             </a:r>
           </a:p>
@@ -2183,38 +2095,37 @@
           <a:p>
             <a:pPr lvl="0"/>
             <a:r>
-              <a:rPr lang="en-US" smtClean="0"/>
+              <a:rPr lang="en-US"/>
               <a:t>Click to edit Master text styles</a:t>
             </a:r>
           </a:p>
           <a:p>
             <a:pPr lvl="1"/>
             <a:r>
-              <a:rPr lang="en-US" smtClean="0"/>
+              <a:rPr lang="en-US"/>
               <a:t>Second level</a:t>
             </a:r>
           </a:p>
           <a:p>
             <a:pPr lvl="2"/>
             <a:r>
-              <a:rPr lang="en-US" smtClean="0"/>
+              <a:rPr lang="en-US"/>
               <a:t>Third level</a:t>
             </a:r>
           </a:p>
           <a:p>
             <a:pPr lvl="3"/>
             <a:r>
-              <a:rPr lang="en-US" smtClean="0"/>
+              <a:rPr lang="en-US"/>
               <a:t>Fourth level</a:t>
             </a:r>
           </a:p>
           <a:p>
             <a:pPr lvl="4"/>
             <a:r>
-              <a:rPr lang="en-US" smtClean="0"/>
+              <a:rPr lang="en-US"/>
               <a:t>Fifth level</a:t>
             </a:r>
-            <a:endParaRPr lang="en-US"/>
           </a:p>
         </p:txBody>
       </p:sp>
@@ -2329,10 +2240,9 @@
           <a:lstStyle/>
           <a:p>
             <a:r>
-              <a:rPr lang="en-US" smtClean="0"/>
+              <a:rPr lang="en-US"/>
               <a:t>Click to edit Master title style</a:t>
             </a:r>
-            <a:endParaRPr lang="en-US"/>
           </a:p>
         </p:txBody>
       </p:sp>
@@ -2551,10 +2461,9 @@
           </a:lstStyle>
           <a:p>
             <a:r>
-              <a:rPr lang="en-US" smtClean="0"/>
+              <a:rPr lang="en-US"/>
               <a:t>Click to edit Master title style</a:t>
             </a:r>
-            <a:endParaRPr lang="en-US"/>
           </a:p>
         </p:txBody>
       </p:sp>
@@ -2608,38 +2517,37 @@
           <a:p>
             <a:pPr lvl="0"/>
             <a:r>
-              <a:rPr lang="en-US" smtClean="0"/>
+              <a:rPr lang="en-US"/>
               <a:t>Click to edit Master text styles</a:t>
             </a:r>
           </a:p>
           <a:p>
             <a:pPr lvl="1"/>
             <a:r>
-              <a:rPr lang="en-US" smtClean="0"/>
+              <a:rPr lang="en-US"/>
               <a:t>Second level</a:t>
             </a:r>
           </a:p>
           <a:p>
             <a:pPr lvl="2"/>
             <a:r>
-              <a:rPr lang="en-US" smtClean="0"/>
+              <a:rPr lang="en-US"/>
               <a:t>Third level</a:t>
             </a:r>
           </a:p>
           <a:p>
             <a:pPr lvl="3"/>
             <a:r>
-              <a:rPr lang="en-US" smtClean="0"/>
+              <a:rPr lang="en-US"/>
               <a:t>Fourth level</a:t>
             </a:r>
           </a:p>
           <a:p>
             <a:pPr lvl="4"/>
             <a:r>
-              <a:rPr lang="en-US" smtClean="0"/>
+              <a:rPr lang="en-US"/>
               <a:t>Fifth level</a:t>
             </a:r>
-            <a:endParaRPr lang="en-US"/>
           </a:p>
         </p:txBody>
       </p:sp>
@@ -2702,7 +2610,7 @@
           <a:p>
             <a:pPr lvl="0"/>
             <a:r>
-              <a:rPr lang="en-US" smtClean="0"/>
+              <a:rPr lang="en-US"/>
               <a:t>Click to edit Master text styles</a:t>
             </a:r>
           </a:p>
@@ -2828,10 +2736,9 @@
           </a:lstStyle>
           <a:p>
             <a:r>
-              <a:rPr lang="en-US" smtClean="0"/>
+              <a:rPr lang="en-US"/>
               <a:t>Click to edit Master title style</a:t>
             </a:r>
-            <a:endParaRPr lang="en-US"/>
           </a:p>
         </p:txBody>
       </p:sp>
@@ -2955,7 +2862,7 @@
           <a:p>
             <a:pPr lvl="0"/>
             <a:r>
-              <a:rPr lang="en-US" smtClean="0"/>
+              <a:rPr lang="en-US"/>
               <a:t>Click to edit Master text styles</a:t>
             </a:r>
           </a:p>
@@ -3087,10 +2994,9 @@
           <a:lstStyle/>
           <a:p>
             <a:r>
-              <a:rPr lang="en-US" smtClean="0"/>
+              <a:rPr lang="en-US"/>
               <a:t>Click to edit Master title style</a:t>
             </a:r>
-            <a:endParaRPr lang="en-US"/>
           </a:p>
         </p:txBody>
       </p:sp>
@@ -3121,38 +3027,37 @@
           <a:p>
             <a:pPr lvl="0"/>
             <a:r>
-              <a:rPr lang="en-US" smtClean="0"/>
+              <a:rPr lang="en-US"/>
               <a:t>Click to edit Master text styles</a:t>
             </a:r>
           </a:p>
           <a:p>
             <a:pPr lvl="1"/>
             <a:r>
-              <a:rPr lang="en-US" smtClean="0"/>
+              <a:rPr lang="en-US"/>
               <a:t>Second level</a:t>
             </a:r>
           </a:p>
           <a:p>
             <a:pPr lvl="2"/>
             <a:r>
-              <a:rPr lang="en-US" smtClean="0"/>
+              <a:rPr lang="en-US"/>
               <a:t>Third level</a:t>
             </a:r>
           </a:p>
           <a:p>
             <a:pPr lvl="3"/>
             <a:r>
-              <a:rPr lang="en-US" smtClean="0"/>
+              <a:rPr lang="en-US"/>
               <a:t>Fourth level</a:t>
             </a:r>
           </a:p>
           <a:p>
             <a:pPr lvl="4"/>
             <a:r>
-              <a:rPr lang="en-US" smtClean="0"/>
+              <a:rPr lang="en-US"/>
               <a:t>Fifth level</a:t>
             </a:r>
-            <a:endParaRPr lang="en-US"/>
           </a:p>
         </p:txBody>
       </p:sp>
@@ -3625,17 +3530,16 @@
           <a:lstStyle/>
           <a:p>
             <a:r>
-              <a:rPr lang="en-US" dirty="0" smtClean="0"/>
+              <a:rPr lang="en-US" dirty="0"/>
               <a:t>Presented by: Miranda Smith</a:t>
             </a:r>
             <a:br>
-              <a:rPr lang="en-US" dirty="0" smtClean="0"/>
+              <a:rPr lang="en-US" dirty="0"/>
             </a:br>
             <a:r>
-              <a:rPr lang="en-US" dirty="0" smtClean="0"/>
+              <a:rPr lang="en-US" dirty="0"/>
               <a:t>CS 834 Info Retrieval</a:t>
             </a:r>
-            <a:endParaRPr lang="en-US" dirty="0"/>
           </a:p>
         </p:txBody>
       </p:sp>
@@ -3665,16 +3569,8 @@
               <a:buNone/>
             </a:pPr>
             <a:r>
-              <a:rPr lang="en-US" sz="5700" dirty="0" smtClean="0"/>
-              <a:t>Topic-Sensitive </a:t>
-            </a:r>
-            <a:r>
               <a:rPr lang="en-US" sz="5700" dirty="0"/>
-              <a:t>PageRank</a:t>
-            </a:r>
-            <a:r>
-              <a:rPr lang="en-US" sz="5700" dirty="0" smtClean="0"/>
-              <a:t>.</a:t>
+              <a:t>Topic-Sensitive PageRank.</a:t>
             </a:r>
           </a:p>
           <a:p>
@@ -3773,20 +3669,8 @@
               <a:buNone/>
             </a:pPr>
             <a:r>
-              <a:rPr lang="en-US" sz="4700" dirty="0" err="1"/>
-              <a:t>TwitterRank</a:t>
-            </a:r>
-            <a:r>
               <a:rPr lang="en-US" sz="4700" dirty="0"/>
-              <a:t>: Finding Topic-sensitive Influential </a:t>
-            </a:r>
-            <a:r>
-              <a:rPr lang="en-US" sz="4700" dirty="0" err="1"/>
-              <a:t>Twitterers</a:t>
-            </a:r>
-            <a:r>
-              <a:rPr lang="en-US" sz="4700" dirty="0"/>
-              <a:t>. </a:t>
+              <a:t>TwitterRank: Finding Topic-sensitive Influential Twitterers. </a:t>
             </a:r>
           </a:p>
           <a:p>
@@ -3950,10 +3834,2923 @@
           <a:lstStyle/>
           <a:p>
             <a:r>
-              <a:rPr lang="en-US" dirty="0" smtClean="0"/>
+              <a:rPr lang="en-US" dirty="0"/>
+              <a:t>Homophily</a:t>
+            </a:r>
+          </a:p>
+        </p:txBody>
+      </p:sp>
+      <p:sp>
+        <p:nvSpPr>
+          <p:cNvPr id="3" name="Content Placeholder 2"/>
+          <p:cNvSpPr>
+            <a:spLocks noGrp="1"/>
+          </p:cNvSpPr>
+          <p:nvPr>
+            <p:ph idx="1"/>
+          </p:nvPr>
+        </p:nvSpPr>
+        <p:spPr/>
+        <p:txBody>
+          <a:bodyPr>
+            <a:noAutofit/>
+          </a:bodyPr>
+          <a:lstStyle/>
+          <a:p>
+            <a:r>
+              <a:rPr lang="en-US" sz="3000" dirty="0"/>
+              <a:t>Prove Homophily Exists in Twitter</a:t>
+            </a:r>
+          </a:p>
+          <a:p>
+            <a:r>
+              <a:rPr lang="en-US" sz="3000" dirty="0"/>
+              <a:t>Homophily- people follow other people that have similar interests</a:t>
+            </a:r>
+          </a:p>
+          <a:p>
+            <a:r>
+              <a:rPr lang="en-US" sz="3000" dirty="0"/>
+              <a:t>Collected all tweets from a user and used a machine learning technique to determine topics</a:t>
+            </a:r>
+          </a:p>
+          <a:p>
+            <a:pPr lvl="1"/>
+            <a:r>
+              <a:rPr lang="en-US" sz="2800" dirty="0"/>
+              <a:t>Latent </a:t>
+            </a:r>
+            <a:r>
+              <a:rPr lang="en-US" sz="2800" dirty="0" err="1"/>
+              <a:t>Dirichlet</a:t>
+            </a:r>
+            <a:r>
+              <a:rPr lang="en-US" sz="2800" dirty="0"/>
+              <a:t> Allocation</a:t>
+            </a:r>
+          </a:p>
+          <a:p>
+            <a:pPr lvl="1"/>
+            <a:r>
+              <a:rPr lang="en-US" sz="2800" dirty="0"/>
+              <a:t>Compares words against each other, not against some pre-defined topics</a:t>
+            </a:r>
+          </a:p>
+          <a:p>
+            <a:r>
+              <a:rPr lang="en-US" sz="3000" b="1" dirty="0"/>
+              <a:t>People with following relationships are more similar than those without</a:t>
+            </a:r>
+          </a:p>
+        </p:txBody>
+      </p:sp>
+      <p:sp>
+        <p:nvSpPr>
+          <p:cNvPr id="5" name="Slide Number Placeholder 4"/>
+          <p:cNvSpPr>
+            <a:spLocks noGrp="1"/>
+          </p:cNvSpPr>
+          <p:nvPr>
+            <p:ph type="sldNum" sz="quarter" idx="12"/>
+          </p:nvPr>
+        </p:nvSpPr>
+        <p:spPr/>
+        <p:txBody>
+          <a:bodyPr/>
+          <a:lstStyle/>
+          <a:p>
+            <a:fld id="{38A27C39-69BC-486E-A789-EB1E62B74FE5}" type="slidenum">
+              <a:rPr lang="en-US" smtClean="0"/>
+              <a:t>10</a:t>
+            </a:fld>
+            <a:endParaRPr lang="en-US"/>
+          </a:p>
+        </p:txBody>
+      </p:sp>
+    </p:spTree>
+    <p:extLst>
+      <p:ext uri="{BB962C8B-B14F-4D97-AF65-F5344CB8AC3E}">
+        <p14:creationId xmlns:p14="http://schemas.microsoft.com/office/powerpoint/2010/main" val="424170315"/>
+      </p:ext>
+    </p:extLst>
+  </p:cSld>
+  <p:clrMapOvr>
+    <a:masterClrMapping/>
+  </p:clrMapOvr>
+</p:sld>
+</file>
+
+<file path=ppt/slides/slide11.xml><?xml version="1.0" encoding="utf-8"?>
+<p:sld xmlns:a="http://schemas.openxmlformats.org/drawingml/2006/main" xmlns:r="http://schemas.openxmlformats.org/officeDocument/2006/relationships" xmlns:p="http://schemas.openxmlformats.org/presentationml/2006/main">
+  <p:cSld>
+    <p:spTree>
+      <p:nvGrpSpPr>
+        <p:cNvPr id="1" name=""/>
+        <p:cNvGrpSpPr/>
+        <p:nvPr/>
+      </p:nvGrpSpPr>
+      <p:grpSpPr>
+        <a:xfrm>
+          <a:off x="0" y="0"/>
+          <a:ext cx="0" cy="0"/>
+          <a:chOff x="0" y="0"/>
+          <a:chExt cx="0" cy="0"/>
+        </a:xfrm>
+      </p:grpSpPr>
+      <p:sp>
+        <p:nvSpPr>
+          <p:cNvPr id="2" name="Title 1">
+            <a:extLst>
+              <a:ext uri="{FF2B5EF4-FFF2-40B4-BE49-F238E27FC236}">
+                <a16:creationId xmlns:a16="http://schemas.microsoft.com/office/drawing/2014/main" id="{F1B1F477-343C-4E85-8B76-9FC5C846F6EA}"/>
+              </a:ext>
+            </a:extLst>
+          </p:cNvPr>
+          <p:cNvSpPr>
+            <a:spLocks noGrp="1"/>
+          </p:cNvSpPr>
+          <p:nvPr>
+            <p:ph type="title"/>
+          </p:nvPr>
+        </p:nvSpPr>
+        <p:spPr/>
+        <p:txBody>
+          <a:bodyPr/>
+          <a:lstStyle/>
+          <a:p>
+            <a:r>
+              <a:rPr lang="en-US" dirty="0"/>
+              <a:t>TwitterRank</a:t>
+            </a:r>
+          </a:p>
+        </p:txBody>
+      </p:sp>
+      <p:sp>
+        <p:nvSpPr>
+          <p:cNvPr id="3" name="Content Placeholder 2">
+            <a:extLst>
+              <a:ext uri="{FF2B5EF4-FFF2-40B4-BE49-F238E27FC236}">
+                <a16:creationId xmlns:a16="http://schemas.microsoft.com/office/drawing/2014/main" id="{18CB5EA4-23FA-47E1-9687-9FB1A175CFA2}"/>
+              </a:ext>
+            </a:extLst>
+          </p:cNvPr>
+          <p:cNvSpPr>
+            <a:spLocks noGrp="1"/>
+          </p:cNvSpPr>
+          <p:nvPr>
+            <p:ph idx="1"/>
+          </p:nvPr>
+        </p:nvSpPr>
+        <p:spPr/>
+        <p:txBody>
+          <a:bodyPr/>
+          <a:lstStyle/>
+          <a:p>
+            <a:r>
+              <a:rPr lang="en-US" sz="3600" dirty="0"/>
+              <a:t>Find influential twitterers</a:t>
+            </a:r>
+          </a:p>
+          <a:p>
+            <a:r>
+              <a:rPr lang="en-US" sz="3600" dirty="0"/>
+              <a:t>Influential</a:t>
+            </a:r>
+          </a:p>
+          <a:p>
+            <a:pPr lvl="1"/>
+            <a:r>
+              <a:rPr lang="en-US" sz="3200" dirty="0"/>
+              <a:t>Number of followers</a:t>
+            </a:r>
+          </a:p>
+          <a:p>
+            <a:pPr lvl="1"/>
+            <a:r>
+              <a:rPr lang="en-US" sz="3200" dirty="0"/>
+              <a:t>Ratio between followers and friends</a:t>
+            </a:r>
+          </a:p>
+          <a:p>
+            <a:pPr lvl="1"/>
+            <a:r>
+              <a:rPr lang="en-US" sz="3200" dirty="0"/>
+              <a:t>Interaction</a:t>
+            </a:r>
+          </a:p>
+          <a:p>
+            <a:pPr lvl="1"/>
+            <a:endParaRPr lang="en-US" dirty="0"/>
+          </a:p>
+          <a:p>
+            <a:endParaRPr lang="en-US" dirty="0"/>
+          </a:p>
+          <a:p>
+            <a:endParaRPr lang="en-US" dirty="0"/>
+          </a:p>
+        </p:txBody>
+      </p:sp>
+      <p:sp>
+        <p:nvSpPr>
+          <p:cNvPr id="4" name="Slide Number Placeholder 3">
+            <a:extLst>
+              <a:ext uri="{FF2B5EF4-FFF2-40B4-BE49-F238E27FC236}">
+                <a16:creationId xmlns:a16="http://schemas.microsoft.com/office/drawing/2014/main" id="{B42D16AD-543B-407E-8FB4-517ADD0AE1BE}"/>
+              </a:ext>
+            </a:extLst>
+          </p:cNvPr>
+          <p:cNvSpPr>
+            <a:spLocks noGrp="1"/>
+          </p:cNvSpPr>
+          <p:nvPr>
+            <p:ph type="sldNum" sz="quarter" idx="12"/>
+          </p:nvPr>
+        </p:nvSpPr>
+        <p:spPr/>
+        <p:txBody>
+          <a:bodyPr/>
+          <a:lstStyle/>
+          <a:p>
+            <a:fld id="{38A27C39-69BC-486E-A789-EB1E62B74FE5}" type="slidenum">
+              <a:rPr lang="en-US" smtClean="0"/>
+              <a:t>11</a:t>
+            </a:fld>
+            <a:endParaRPr lang="en-US"/>
+          </a:p>
+        </p:txBody>
+      </p:sp>
+    </p:spTree>
+    <p:extLst>
+      <p:ext uri="{BB962C8B-B14F-4D97-AF65-F5344CB8AC3E}">
+        <p14:creationId xmlns:p14="http://schemas.microsoft.com/office/powerpoint/2010/main" val="4273181508"/>
+      </p:ext>
+    </p:extLst>
+  </p:cSld>
+  <p:clrMapOvr>
+    <a:masterClrMapping/>
+  </p:clrMapOvr>
+</p:sld>
+</file>
+
+<file path=ppt/slides/slide12.xml><?xml version="1.0" encoding="utf-8"?>
+<p:sld xmlns:a="http://schemas.openxmlformats.org/drawingml/2006/main" xmlns:r="http://schemas.openxmlformats.org/officeDocument/2006/relationships" xmlns:p="http://schemas.openxmlformats.org/presentationml/2006/main">
+  <p:cSld>
+    <p:spTree>
+      <p:nvGrpSpPr>
+        <p:cNvPr id="1" name=""/>
+        <p:cNvGrpSpPr/>
+        <p:nvPr/>
+      </p:nvGrpSpPr>
+      <p:grpSpPr>
+        <a:xfrm>
+          <a:off x="0" y="0"/>
+          <a:ext cx="0" cy="0"/>
+          <a:chOff x="0" y="0"/>
+          <a:chExt cx="0" cy="0"/>
+        </a:xfrm>
+      </p:grpSpPr>
+      <p:sp>
+        <p:nvSpPr>
+          <p:cNvPr id="2" name="Title 1">
+            <a:extLst>
+              <a:ext uri="{FF2B5EF4-FFF2-40B4-BE49-F238E27FC236}">
+                <a16:creationId xmlns:a16="http://schemas.microsoft.com/office/drawing/2014/main" id="{39EBBA96-A570-418B-B64B-B3321F0D5F27}"/>
+              </a:ext>
+            </a:extLst>
+          </p:cNvPr>
+          <p:cNvSpPr>
+            <a:spLocks noGrp="1"/>
+          </p:cNvSpPr>
+          <p:nvPr>
+            <p:ph type="title"/>
+          </p:nvPr>
+        </p:nvSpPr>
+        <p:spPr/>
+        <p:txBody>
+          <a:bodyPr/>
+          <a:lstStyle/>
+          <a:p>
+            <a:r>
+              <a:rPr lang="en-US" dirty="0"/>
+              <a:t>How TwitterRank Works</a:t>
+            </a:r>
+          </a:p>
+        </p:txBody>
+      </p:sp>
+      <p:sp>
+        <p:nvSpPr>
+          <p:cNvPr id="3" name="Content Placeholder 2">
+            <a:extLst>
+              <a:ext uri="{FF2B5EF4-FFF2-40B4-BE49-F238E27FC236}">
+                <a16:creationId xmlns:a16="http://schemas.microsoft.com/office/drawing/2014/main" id="{C50E29D0-858A-4862-9CA7-5F2E26A655D2}"/>
+              </a:ext>
+            </a:extLst>
+          </p:cNvPr>
+          <p:cNvSpPr>
+            <a:spLocks noGrp="1"/>
+          </p:cNvSpPr>
+          <p:nvPr>
+            <p:ph idx="1"/>
+          </p:nvPr>
+        </p:nvSpPr>
+        <p:spPr/>
+        <p:txBody>
+          <a:bodyPr>
+            <a:normAutofit/>
+          </a:bodyPr>
+          <a:lstStyle/>
+          <a:p>
+            <a:r>
+              <a:rPr lang="en-US" sz="3600" dirty="0"/>
+              <a:t>Same as Topic Sensitive Page Rank</a:t>
+            </a:r>
+          </a:p>
+          <a:p>
+            <a:r>
+              <a:rPr lang="en-US" sz="3600" dirty="0"/>
+              <a:t>Random Surfer</a:t>
+            </a:r>
+          </a:p>
+          <a:p>
+            <a:pPr lvl="1"/>
+            <a:r>
+              <a:rPr lang="en-US" sz="3200" dirty="0"/>
+              <a:t>Start at random page </a:t>
+            </a:r>
+          </a:p>
+          <a:p>
+            <a:pPr lvl="1"/>
+            <a:r>
+              <a:rPr lang="en-US" sz="3200" dirty="0"/>
+              <a:t>Select link to follow</a:t>
+            </a:r>
+          </a:p>
+          <a:p>
+            <a:pPr lvl="1"/>
+            <a:r>
+              <a:rPr lang="en-US" sz="3200" dirty="0"/>
+              <a:t>Or jump to total new page</a:t>
+            </a:r>
+          </a:p>
+          <a:p>
+            <a:pPr lvl="1"/>
+            <a:r>
+              <a:rPr lang="en-US" sz="3200" dirty="0"/>
+              <a:t>PageRank= probability that surfer lands on page</a:t>
+            </a:r>
+            <a:endParaRPr lang="en-US" sz="3600" dirty="0"/>
+          </a:p>
+          <a:p>
+            <a:r>
+              <a:rPr lang="en-US" sz="3600" dirty="0"/>
+              <a:t>Except the more similar two twitterers are, the higher the transition probability</a:t>
+            </a:r>
+          </a:p>
+        </p:txBody>
+      </p:sp>
+      <p:sp>
+        <p:nvSpPr>
+          <p:cNvPr id="4" name="Slide Number Placeholder 3">
+            <a:extLst>
+              <a:ext uri="{FF2B5EF4-FFF2-40B4-BE49-F238E27FC236}">
+                <a16:creationId xmlns:a16="http://schemas.microsoft.com/office/drawing/2014/main" id="{9A86AAA0-C09D-4CF7-AB49-71C3C1D9FD1A}"/>
+              </a:ext>
+            </a:extLst>
+          </p:cNvPr>
+          <p:cNvSpPr>
+            <a:spLocks noGrp="1"/>
+          </p:cNvSpPr>
+          <p:nvPr>
+            <p:ph type="sldNum" sz="quarter" idx="12"/>
+          </p:nvPr>
+        </p:nvSpPr>
+        <p:spPr/>
+        <p:txBody>
+          <a:bodyPr/>
+          <a:lstStyle/>
+          <a:p>
+            <a:fld id="{38A27C39-69BC-486E-A789-EB1E62B74FE5}" type="slidenum">
+              <a:rPr lang="en-US" smtClean="0"/>
+              <a:t>12</a:t>
+            </a:fld>
+            <a:endParaRPr lang="en-US"/>
+          </a:p>
+        </p:txBody>
+      </p:sp>
+    </p:spTree>
+    <p:extLst>
+      <p:ext uri="{BB962C8B-B14F-4D97-AF65-F5344CB8AC3E}">
+        <p14:creationId xmlns:p14="http://schemas.microsoft.com/office/powerpoint/2010/main" val="130664460"/>
+      </p:ext>
+    </p:extLst>
+  </p:cSld>
+  <p:clrMapOvr>
+    <a:masterClrMapping/>
+  </p:clrMapOvr>
+</p:sld>
+</file>
+
+<file path=ppt/slides/slide13.xml><?xml version="1.0" encoding="utf-8"?>
+<p:sld xmlns:a="http://schemas.openxmlformats.org/drawingml/2006/main" xmlns:r="http://schemas.openxmlformats.org/officeDocument/2006/relationships" xmlns:p="http://schemas.openxmlformats.org/presentationml/2006/main">
+  <p:cSld>
+    <p:spTree>
+      <p:nvGrpSpPr>
+        <p:cNvPr id="1" name=""/>
+        <p:cNvGrpSpPr/>
+        <p:nvPr/>
+      </p:nvGrpSpPr>
+      <p:grpSpPr>
+        <a:xfrm>
+          <a:off x="0" y="0"/>
+          <a:ext cx="0" cy="0"/>
+          <a:chOff x="0" y="0"/>
+          <a:chExt cx="0" cy="0"/>
+        </a:xfrm>
+      </p:grpSpPr>
+      <p:sp>
+        <p:nvSpPr>
+          <p:cNvPr id="2" name="Title 1">
+            <a:extLst>
+              <a:ext uri="{FF2B5EF4-FFF2-40B4-BE49-F238E27FC236}">
+                <a16:creationId xmlns:a16="http://schemas.microsoft.com/office/drawing/2014/main" id="{39EBBA96-A570-418B-B64B-B3321F0D5F27}"/>
+              </a:ext>
+            </a:extLst>
+          </p:cNvPr>
+          <p:cNvSpPr>
+            <a:spLocks noGrp="1"/>
+          </p:cNvSpPr>
+          <p:nvPr>
+            <p:ph type="title"/>
+          </p:nvPr>
+        </p:nvSpPr>
+        <p:spPr/>
+        <p:txBody>
+          <a:bodyPr/>
+          <a:lstStyle/>
+          <a:p>
+            <a:r>
+              <a:rPr lang="en-US" dirty="0"/>
+              <a:t>Results</a:t>
+            </a:r>
+          </a:p>
+        </p:txBody>
+      </p:sp>
+      <p:sp>
+        <p:nvSpPr>
+          <p:cNvPr id="3" name="Content Placeholder 2">
+            <a:extLst>
+              <a:ext uri="{FF2B5EF4-FFF2-40B4-BE49-F238E27FC236}">
+                <a16:creationId xmlns:a16="http://schemas.microsoft.com/office/drawing/2014/main" id="{C50E29D0-858A-4862-9CA7-5F2E26A655D2}"/>
+              </a:ext>
+            </a:extLst>
+          </p:cNvPr>
+          <p:cNvSpPr>
+            <a:spLocks noGrp="1"/>
+          </p:cNvSpPr>
+          <p:nvPr>
+            <p:ph idx="1"/>
+          </p:nvPr>
+        </p:nvSpPr>
+        <p:spPr/>
+        <p:txBody>
+          <a:bodyPr>
+            <a:normAutofit/>
+          </a:bodyPr>
+          <a:lstStyle/>
+          <a:p>
+            <a:r>
+              <a:rPr lang="en-US" sz="3600" dirty="0"/>
+              <a:t>Evaluate </a:t>
+            </a:r>
+            <a:r>
+              <a:rPr lang="en-US" sz="3600" dirty="0" err="1"/>
+              <a:t>TwitterRank’s</a:t>
+            </a:r>
+            <a:r>
+              <a:rPr lang="en-US" sz="3600" dirty="0"/>
+              <a:t> ‘recommended to follow’ suggestions against actual following relationships</a:t>
+            </a:r>
+          </a:p>
+        </p:txBody>
+      </p:sp>
+      <p:sp>
+        <p:nvSpPr>
+          <p:cNvPr id="4" name="Slide Number Placeholder 3">
+            <a:extLst>
+              <a:ext uri="{FF2B5EF4-FFF2-40B4-BE49-F238E27FC236}">
+                <a16:creationId xmlns:a16="http://schemas.microsoft.com/office/drawing/2014/main" id="{9A86AAA0-C09D-4CF7-AB49-71C3C1D9FD1A}"/>
+              </a:ext>
+            </a:extLst>
+          </p:cNvPr>
+          <p:cNvSpPr>
+            <a:spLocks noGrp="1"/>
+          </p:cNvSpPr>
+          <p:nvPr>
+            <p:ph type="sldNum" sz="quarter" idx="12"/>
+          </p:nvPr>
+        </p:nvSpPr>
+        <p:spPr/>
+        <p:txBody>
+          <a:bodyPr/>
+          <a:lstStyle/>
+          <a:p>
+            <a:fld id="{38A27C39-69BC-486E-A789-EB1E62B74FE5}" type="slidenum">
+              <a:rPr lang="en-US" smtClean="0"/>
+              <a:t>13</a:t>
+            </a:fld>
+            <a:endParaRPr lang="en-US"/>
+          </a:p>
+        </p:txBody>
+      </p:sp>
+    </p:spTree>
+    <p:extLst>
+      <p:ext uri="{BB962C8B-B14F-4D97-AF65-F5344CB8AC3E}">
+        <p14:creationId xmlns:p14="http://schemas.microsoft.com/office/powerpoint/2010/main" val="676416662"/>
+      </p:ext>
+    </p:extLst>
+  </p:cSld>
+  <p:clrMapOvr>
+    <a:masterClrMapping/>
+  </p:clrMapOvr>
+</p:sld>
+</file>
+
+<file path=ppt/slides/slide14.xml><?xml version="1.0" encoding="utf-8"?>
+<p:sld xmlns:a="http://schemas.openxmlformats.org/drawingml/2006/main" xmlns:r="http://schemas.openxmlformats.org/officeDocument/2006/relationships" xmlns:p="http://schemas.openxmlformats.org/presentationml/2006/main">
+  <p:cSld>
+    <p:spTree>
+      <p:nvGrpSpPr>
+        <p:cNvPr id="1" name=""/>
+        <p:cNvGrpSpPr/>
+        <p:nvPr/>
+      </p:nvGrpSpPr>
+      <p:grpSpPr>
+        <a:xfrm>
+          <a:off x="0" y="0"/>
+          <a:ext cx="0" cy="0"/>
+          <a:chOff x="0" y="0"/>
+          <a:chExt cx="0" cy="0"/>
+        </a:xfrm>
+      </p:grpSpPr>
+      <p:sp>
+        <p:nvSpPr>
+          <p:cNvPr id="2" name="Title 1">
+            <a:extLst>
+              <a:ext uri="{FF2B5EF4-FFF2-40B4-BE49-F238E27FC236}">
+                <a16:creationId xmlns:a16="http://schemas.microsoft.com/office/drawing/2014/main" id="{39EBBA96-A570-418B-B64B-B3321F0D5F27}"/>
+              </a:ext>
+            </a:extLst>
+          </p:cNvPr>
+          <p:cNvSpPr>
+            <a:spLocks noGrp="1"/>
+          </p:cNvSpPr>
+          <p:nvPr>
+            <p:ph type="title"/>
+          </p:nvPr>
+        </p:nvSpPr>
+        <p:spPr/>
+        <p:txBody>
+          <a:bodyPr/>
+          <a:lstStyle/>
+          <a:p>
+            <a:r>
+              <a:rPr lang="en-US" dirty="0"/>
+              <a:t>Results</a:t>
+            </a:r>
+          </a:p>
+        </p:txBody>
+      </p:sp>
+      <p:sp>
+        <p:nvSpPr>
+          <p:cNvPr id="4" name="Slide Number Placeholder 3">
+            <a:extLst>
+              <a:ext uri="{FF2B5EF4-FFF2-40B4-BE49-F238E27FC236}">
+                <a16:creationId xmlns:a16="http://schemas.microsoft.com/office/drawing/2014/main" id="{9A86AAA0-C09D-4CF7-AB49-71C3C1D9FD1A}"/>
+              </a:ext>
+            </a:extLst>
+          </p:cNvPr>
+          <p:cNvSpPr>
+            <a:spLocks noGrp="1"/>
+          </p:cNvSpPr>
+          <p:nvPr>
+            <p:ph type="sldNum" sz="quarter" idx="12"/>
+          </p:nvPr>
+        </p:nvSpPr>
+        <p:spPr/>
+        <p:txBody>
+          <a:bodyPr/>
+          <a:lstStyle/>
+          <a:p>
+            <a:fld id="{38A27C39-69BC-486E-A789-EB1E62B74FE5}" type="slidenum">
+              <a:rPr lang="en-US" smtClean="0"/>
+              <a:t>14</a:t>
+            </a:fld>
+            <a:endParaRPr lang="en-US"/>
+          </a:p>
+        </p:txBody>
+      </p:sp>
+      <p:pic>
+        <p:nvPicPr>
+          <p:cNvPr id="5" name="Content Placeholder 4">
+            <a:extLst>
+              <a:ext uri="{FF2B5EF4-FFF2-40B4-BE49-F238E27FC236}">
+                <a16:creationId xmlns:a16="http://schemas.microsoft.com/office/drawing/2014/main" id="{35FC9526-45EC-41CE-A7E0-E8E7D126F39A}"/>
+              </a:ext>
+            </a:extLst>
+          </p:cNvPr>
+          <p:cNvPicPr>
+            <a:picLocks noGrp="1" noChangeAspect="1"/>
+          </p:cNvPicPr>
+          <p:nvPr>
+            <p:ph idx="1"/>
+          </p:nvPr>
+        </p:nvPicPr>
+        <p:blipFill>
+          <a:blip r:embed="rId2"/>
+          <a:stretch>
+            <a:fillRect/>
+          </a:stretch>
+        </p:blipFill>
+        <p:spPr>
+          <a:xfrm>
+            <a:off x="3484972" y="1690688"/>
+            <a:ext cx="8319195" cy="4665662"/>
+          </a:xfrm>
+          <a:prstGeom prst="rect">
+            <a:avLst/>
+          </a:prstGeom>
+        </p:spPr>
+      </p:pic>
+      <p:sp>
+        <p:nvSpPr>
+          <p:cNvPr id="6" name="TextBox 5">
+            <a:extLst>
+              <a:ext uri="{FF2B5EF4-FFF2-40B4-BE49-F238E27FC236}">
+                <a16:creationId xmlns:a16="http://schemas.microsoft.com/office/drawing/2014/main" id="{E53571FC-619F-48B6-BD75-54CEEEA41112}"/>
+              </a:ext>
+            </a:extLst>
+          </p:cNvPr>
+          <p:cNvSpPr txBox="1"/>
+          <p:nvPr/>
+        </p:nvSpPr>
+        <p:spPr>
+          <a:xfrm>
+            <a:off x="369651" y="1690688"/>
+            <a:ext cx="3115321" cy="4401205"/>
+          </a:xfrm>
+          <a:prstGeom prst="rect">
+            <a:avLst/>
+          </a:prstGeom>
+          <a:noFill/>
+        </p:spPr>
+        <p:txBody>
+          <a:bodyPr wrap="square" rtlCol="0">
+            <a:spAutoFit/>
+          </a:bodyPr>
+          <a:lstStyle/>
+          <a:p>
+            <a:pPr marL="285750" indent="-285750">
+              <a:buFont typeface="Arial" panose="020B0604020202020204" pitchFamily="34" charset="0"/>
+              <a:buChar char="•"/>
+            </a:pPr>
+            <a:r>
+              <a:rPr lang="en-US" sz="2000" dirty="0"/>
+              <a:t>Lower the value, the higher quality</a:t>
+            </a:r>
+          </a:p>
+          <a:p>
+            <a:pPr marL="285750" indent="-285750">
+              <a:buFont typeface="Arial" panose="020B0604020202020204" pitchFamily="34" charset="0"/>
+              <a:buChar char="•"/>
+            </a:pPr>
+            <a:endParaRPr lang="en-US" sz="2000" dirty="0"/>
+          </a:p>
+          <a:p>
+            <a:pPr marL="285750" indent="-285750">
+              <a:buFont typeface="Arial" panose="020B0604020202020204" pitchFamily="34" charset="0"/>
+              <a:buChar char="•"/>
+            </a:pPr>
+            <a:r>
+              <a:rPr lang="en-US" sz="2000" dirty="0"/>
+              <a:t>TR- Twitter Rank</a:t>
+            </a:r>
+          </a:p>
+          <a:p>
+            <a:pPr marL="285750" indent="-285750">
+              <a:buFont typeface="Arial" panose="020B0604020202020204" pitchFamily="34" charset="0"/>
+              <a:buChar char="•"/>
+            </a:pPr>
+            <a:r>
+              <a:rPr lang="en-US" sz="2000" dirty="0" err="1"/>
+              <a:t>InD</a:t>
+            </a:r>
+            <a:r>
+              <a:rPr lang="en-US" sz="2000" dirty="0"/>
+              <a:t> – in degree</a:t>
+            </a:r>
+          </a:p>
+          <a:p>
+            <a:pPr marL="285750" indent="-285750">
+              <a:buFont typeface="Arial" panose="020B0604020202020204" pitchFamily="34" charset="0"/>
+              <a:buChar char="•"/>
+            </a:pPr>
+            <a:r>
+              <a:rPr lang="en-US" sz="2000" dirty="0"/>
+              <a:t>PR- PageRank</a:t>
+            </a:r>
+          </a:p>
+          <a:p>
+            <a:pPr marL="285750" indent="-285750">
+              <a:buFont typeface="Arial" panose="020B0604020202020204" pitchFamily="34" charset="0"/>
+              <a:buChar char="•"/>
+            </a:pPr>
+            <a:r>
+              <a:rPr lang="en-US" sz="2000" dirty="0"/>
+              <a:t>TSPR- Topic sensitive Page Rank</a:t>
+            </a:r>
+          </a:p>
+          <a:p>
+            <a:pPr marL="285750" indent="-285750">
+              <a:buFont typeface="Arial" panose="020B0604020202020204" pitchFamily="34" charset="0"/>
+              <a:buChar char="•"/>
+            </a:pPr>
+            <a:endParaRPr lang="en-US" sz="2000" dirty="0"/>
+          </a:p>
+          <a:p>
+            <a:pPr marL="285750" indent="-285750">
+              <a:buFont typeface="Arial" panose="020B0604020202020204" pitchFamily="34" charset="0"/>
+              <a:buChar char="•"/>
+            </a:pPr>
+            <a:r>
+              <a:rPr lang="en-US" sz="2000" dirty="0"/>
+              <a:t>Columns are different collections of users</a:t>
+            </a:r>
+          </a:p>
+          <a:p>
+            <a:pPr marL="285750" indent="-285750">
+              <a:buFont typeface="Arial" panose="020B0604020202020204" pitchFamily="34" charset="0"/>
+              <a:buChar char="•"/>
+            </a:pPr>
+            <a:endParaRPr lang="en-US" sz="2000" dirty="0"/>
+          </a:p>
+          <a:p>
+            <a:pPr marL="285750" indent="-285750">
+              <a:buFont typeface="Arial" panose="020B0604020202020204" pitchFamily="34" charset="0"/>
+              <a:buChar char="•"/>
+            </a:pPr>
+            <a:r>
+              <a:rPr lang="en-US" sz="2000" dirty="0"/>
+              <a:t>Only significantly better for </a:t>
+            </a:r>
+            <a:r>
+              <a:rPr lang="en-US" sz="2000" dirty="0" err="1"/>
+              <a:t>Lfl</a:t>
+            </a:r>
+            <a:r>
+              <a:rPr lang="en-US" sz="2000" dirty="0"/>
+              <a:t> (followers low)</a:t>
+            </a:r>
+          </a:p>
+        </p:txBody>
+      </p:sp>
+      <p:sp>
+        <p:nvSpPr>
+          <p:cNvPr id="14" name="Rectangle 13">
+            <a:extLst>
+              <a:ext uri="{FF2B5EF4-FFF2-40B4-BE49-F238E27FC236}">
+                <a16:creationId xmlns:a16="http://schemas.microsoft.com/office/drawing/2014/main" id="{5E4EFEB3-6D16-4B78-858F-34A291175372}"/>
+              </a:ext>
+            </a:extLst>
+          </p:cNvPr>
+          <p:cNvSpPr/>
+          <p:nvPr/>
+        </p:nvSpPr>
+        <p:spPr>
+          <a:xfrm>
+            <a:off x="5411972" y="5762847"/>
+            <a:ext cx="318722" cy="297711"/>
+          </a:xfrm>
+          <a:prstGeom prst="rect">
+            <a:avLst/>
+          </a:prstGeom>
+          <a:noFill/>
+          <a:ln w="19050" cap="flat" cmpd="sng" algn="ctr">
+            <a:solidFill>
+              <a:schemeClr val="accent2"/>
+            </a:solidFill>
+            <a:prstDash val="solid"/>
+            <a:round/>
+            <a:headEnd type="none" w="med" len="med"/>
+            <a:tailEnd type="none" w="med" len="med"/>
+          </a:ln>
+        </p:spPr>
+        <p:style>
+          <a:lnRef idx="0">
+            <a:scrgbClr r="0" g="0" b="0"/>
+          </a:lnRef>
+          <a:fillRef idx="0">
+            <a:scrgbClr r="0" g="0" b="0"/>
+          </a:fillRef>
+          <a:effectRef idx="0">
+            <a:scrgbClr r="0" g="0" b="0"/>
+          </a:effectRef>
+          <a:fontRef idx="minor">
+            <a:schemeClr val="accent2"/>
+          </a:fontRef>
+        </p:style>
+        <p:txBody>
+          <a:bodyPr rtlCol="0" anchor="ctr"/>
+          <a:lstStyle/>
+          <a:p>
+            <a:pPr algn="ctr"/>
+            <a:endParaRPr lang="en-US"/>
+          </a:p>
+        </p:txBody>
+      </p:sp>
+      <p:sp>
+        <p:nvSpPr>
+          <p:cNvPr id="15" name="Rectangle 14">
+            <a:extLst>
+              <a:ext uri="{FF2B5EF4-FFF2-40B4-BE49-F238E27FC236}">
+                <a16:creationId xmlns:a16="http://schemas.microsoft.com/office/drawing/2014/main" id="{75B1794B-6A38-4345-95C9-C09F43C40BE8}"/>
+              </a:ext>
+            </a:extLst>
+          </p:cNvPr>
+          <p:cNvSpPr/>
+          <p:nvPr/>
+        </p:nvSpPr>
+        <p:spPr>
+          <a:xfrm>
+            <a:off x="6316246" y="5773479"/>
+            <a:ext cx="318722" cy="297711"/>
+          </a:xfrm>
+          <a:prstGeom prst="rect">
+            <a:avLst/>
+          </a:prstGeom>
+          <a:noFill/>
+          <a:ln w="19050" cap="flat" cmpd="sng" algn="ctr">
+            <a:solidFill>
+              <a:schemeClr val="accent2"/>
+            </a:solidFill>
+            <a:prstDash val="solid"/>
+            <a:round/>
+            <a:headEnd type="none" w="med" len="med"/>
+            <a:tailEnd type="none" w="med" len="med"/>
+          </a:ln>
+        </p:spPr>
+        <p:style>
+          <a:lnRef idx="0">
+            <a:scrgbClr r="0" g="0" b="0"/>
+          </a:lnRef>
+          <a:fillRef idx="0">
+            <a:scrgbClr r="0" g="0" b="0"/>
+          </a:fillRef>
+          <a:effectRef idx="0">
+            <a:scrgbClr r="0" g="0" b="0"/>
+          </a:effectRef>
+          <a:fontRef idx="minor">
+            <a:schemeClr val="accent2"/>
+          </a:fontRef>
+        </p:style>
+        <p:txBody>
+          <a:bodyPr rtlCol="0" anchor="ctr"/>
+          <a:lstStyle/>
+          <a:p>
+            <a:pPr algn="ctr"/>
+            <a:endParaRPr lang="en-US"/>
+          </a:p>
+        </p:txBody>
+      </p:sp>
+      <p:sp>
+        <p:nvSpPr>
+          <p:cNvPr id="16" name="Rectangle 15">
+            <a:extLst>
+              <a:ext uri="{FF2B5EF4-FFF2-40B4-BE49-F238E27FC236}">
+                <a16:creationId xmlns:a16="http://schemas.microsoft.com/office/drawing/2014/main" id="{4FF80436-221B-4D00-BF4E-FBDE973921FA}"/>
+              </a:ext>
+            </a:extLst>
+          </p:cNvPr>
+          <p:cNvSpPr/>
+          <p:nvPr/>
+        </p:nvSpPr>
+        <p:spPr>
+          <a:xfrm>
+            <a:off x="8155932" y="5762847"/>
+            <a:ext cx="318722" cy="297711"/>
+          </a:xfrm>
+          <a:prstGeom prst="rect">
+            <a:avLst/>
+          </a:prstGeom>
+          <a:noFill/>
+          <a:ln w="19050" cap="flat" cmpd="sng" algn="ctr">
+            <a:solidFill>
+              <a:schemeClr val="accent2"/>
+            </a:solidFill>
+            <a:prstDash val="solid"/>
+            <a:round/>
+            <a:headEnd type="none" w="med" len="med"/>
+            <a:tailEnd type="none" w="med" len="med"/>
+          </a:ln>
+        </p:spPr>
+        <p:style>
+          <a:lnRef idx="0">
+            <a:scrgbClr r="0" g="0" b="0"/>
+          </a:lnRef>
+          <a:fillRef idx="0">
+            <a:scrgbClr r="0" g="0" b="0"/>
+          </a:fillRef>
+          <a:effectRef idx="0">
+            <a:scrgbClr r="0" g="0" b="0"/>
+          </a:effectRef>
+          <a:fontRef idx="minor">
+            <a:schemeClr val="accent2"/>
+          </a:fontRef>
+        </p:style>
+        <p:txBody>
+          <a:bodyPr rtlCol="0" anchor="ctr"/>
+          <a:lstStyle/>
+          <a:p>
+            <a:pPr algn="ctr"/>
+            <a:endParaRPr lang="en-US"/>
+          </a:p>
+        </p:txBody>
+      </p:sp>
+      <p:sp>
+        <p:nvSpPr>
+          <p:cNvPr id="17" name="Rectangle 16">
+            <a:extLst>
+              <a:ext uri="{FF2B5EF4-FFF2-40B4-BE49-F238E27FC236}">
+                <a16:creationId xmlns:a16="http://schemas.microsoft.com/office/drawing/2014/main" id="{A7761C89-4825-4EC4-9747-CC16F6A67972}"/>
+              </a:ext>
+            </a:extLst>
+          </p:cNvPr>
+          <p:cNvSpPr/>
+          <p:nvPr/>
+        </p:nvSpPr>
+        <p:spPr>
+          <a:xfrm>
+            <a:off x="9980049" y="5773479"/>
+            <a:ext cx="318722" cy="297711"/>
+          </a:xfrm>
+          <a:prstGeom prst="rect">
+            <a:avLst/>
+          </a:prstGeom>
+          <a:noFill/>
+          <a:ln w="19050" cap="flat" cmpd="sng" algn="ctr">
+            <a:solidFill>
+              <a:schemeClr val="accent2"/>
+            </a:solidFill>
+            <a:prstDash val="solid"/>
+            <a:round/>
+            <a:headEnd type="none" w="med" len="med"/>
+            <a:tailEnd type="none" w="med" len="med"/>
+          </a:ln>
+        </p:spPr>
+        <p:style>
+          <a:lnRef idx="0">
+            <a:scrgbClr r="0" g="0" b="0"/>
+          </a:lnRef>
+          <a:fillRef idx="0">
+            <a:scrgbClr r="0" g="0" b="0"/>
+          </a:fillRef>
+          <a:effectRef idx="0">
+            <a:scrgbClr r="0" g="0" b="0"/>
+          </a:effectRef>
+          <a:fontRef idx="minor">
+            <a:schemeClr val="accent2"/>
+          </a:fontRef>
+        </p:style>
+        <p:txBody>
+          <a:bodyPr rtlCol="0" anchor="ctr"/>
+          <a:lstStyle/>
+          <a:p>
+            <a:pPr algn="ctr"/>
+            <a:endParaRPr lang="en-US"/>
+          </a:p>
+        </p:txBody>
+      </p:sp>
+      <p:sp>
+        <p:nvSpPr>
+          <p:cNvPr id="18" name="Rectangle 17">
+            <a:extLst>
+              <a:ext uri="{FF2B5EF4-FFF2-40B4-BE49-F238E27FC236}">
+                <a16:creationId xmlns:a16="http://schemas.microsoft.com/office/drawing/2014/main" id="{A98A6FDA-0F2F-4BCA-849E-B4F336B26846}"/>
+              </a:ext>
+            </a:extLst>
+          </p:cNvPr>
+          <p:cNvSpPr/>
+          <p:nvPr/>
+        </p:nvSpPr>
+        <p:spPr>
+          <a:xfrm>
+            <a:off x="10823944" y="5773479"/>
+            <a:ext cx="386886" cy="297711"/>
+          </a:xfrm>
+          <a:prstGeom prst="rect">
+            <a:avLst/>
+          </a:prstGeom>
+          <a:noFill/>
+          <a:ln w="19050" cap="flat" cmpd="sng" algn="ctr">
+            <a:solidFill>
+              <a:schemeClr val="accent2"/>
+            </a:solidFill>
+            <a:prstDash val="solid"/>
+            <a:round/>
+            <a:headEnd type="none" w="med" len="med"/>
+            <a:tailEnd type="none" w="med" len="med"/>
+          </a:ln>
+        </p:spPr>
+        <p:style>
+          <a:lnRef idx="0">
+            <a:scrgbClr r="0" g="0" b="0"/>
+          </a:lnRef>
+          <a:fillRef idx="0">
+            <a:scrgbClr r="0" g="0" b="0"/>
+          </a:fillRef>
+          <a:effectRef idx="0">
+            <a:scrgbClr r="0" g="0" b="0"/>
+          </a:effectRef>
+          <a:fontRef idx="minor">
+            <a:schemeClr val="accent2"/>
+          </a:fontRef>
+        </p:style>
+        <p:txBody>
+          <a:bodyPr rtlCol="0" anchor="ctr"/>
+          <a:lstStyle/>
+          <a:p>
+            <a:pPr algn="ctr"/>
+            <a:endParaRPr lang="en-US"/>
+          </a:p>
+        </p:txBody>
+      </p:sp>
+    </p:spTree>
+    <p:extLst>
+      <p:ext uri="{BB962C8B-B14F-4D97-AF65-F5344CB8AC3E}">
+        <p14:creationId xmlns:p14="http://schemas.microsoft.com/office/powerpoint/2010/main" val="1145200981"/>
+      </p:ext>
+    </p:extLst>
+  </p:cSld>
+  <p:clrMapOvr>
+    <a:masterClrMapping/>
+  </p:clrMapOvr>
+</p:sld>
+</file>
+
+<file path=ppt/slides/slide15.xml><?xml version="1.0" encoding="utf-8"?>
+<p:sld xmlns:a="http://schemas.openxmlformats.org/drawingml/2006/main" xmlns:r="http://schemas.openxmlformats.org/officeDocument/2006/relationships" xmlns:p="http://schemas.openxmlformats.org/presentationml/2006/main">
+  <p:cSld>
+    <p:spTree>
+      <p:nvGrpSpPr>
+        <p:cNvPr id="1" name=""/>
+        <p:cNvGrpSpPr/>
+        <p:nvPr/>
+      </p:nvGrpSpPr>
+      <p:grpSpPr>
+        <a:xfrm>
+          <a:off x="0" y="0"/>
+          <a:ext cx="0" cy="0"/>
+          <a:chOff x="0" y="0"/>
+          <a:chExt cx="0" cy="0"/>
+        </a:xfrm>
+      </p:grpSpPr>
+      <p:sp>
+        <p:nvSpPr>
+          <p:cNvPr id="2" name="Title 1"/>
+          <p:cNvSpPr>
+            <a:spLocks noGrp="1"/>
+          </p:cNvSpPr>
+          <p:nvPr>
+            <p:ph type="title"/>
+          </p:nvPr>
+        </p:nvSpPr>
+        <p:spPr/>
+        <p:txBody>
+          <a:bodyPr/>
+          <a:lstStyle/>
+          <a:p>
+            <a:r>
+              <a:rPr lang="en-US" dirty="0"/>
+              <a:t>Take Away</a:t>
+            </a:r>
+          </a:p>
+        </p:txBody>
+      </p:sp>
+      <p:sp>
+        <p:nvSpPr>
+          <p:cNvPr id="4" name="Text Placeholder 3">
+            <a:extLst>
+              <a:ext uri="{FF2B5EF4-FFF2-40B4-BE49-F238E27FC236}">
+                <a16:creationId xmlns:a16="http://schemas.microsoft.com/office/drawing/2014/main" id="{32716A52-31C2-4024-848E-898F44652C5C}"/>
+              </a:ext>
+            </a:extLst>
+          </p:cNvPr>
+          <p:cNvSpPr>
+            <a:spLocks noGrp="1"/>
+          </p:cNvSpPr>
+          <p:nvPr>
+            <p:ph type="body" idx="1"/>
+          </p:nvPr>
+        </p:nvSpPr>
+        <p:spPr/>
+        <p:txBody>
+          <a:bodyPr/>
+          <a:lstStyle/>
+          <a:p>
+            <a:r>
+              <a:rPr lang="en-US" dirty="0"/>
+              <a:t>TSPR</a:t>
+            </a:r>
+          </a:p>
+        </p:txBody>
+      </p:sp>
+      <p:sp>
+        <p:nvSpPr>
+          <p:cNvPr id="3" name="Content Placeholder 2"/>
+          <p:cNvSpPr>
+            <a:spLocks noGrp="1"/>
+          </p:cNvSpPr>
+          <p:nvPr>
+            <p:ph sz="half" idx="2"/>
+          </p:nvPr>
+        </p:nvSpPr>
+        <p:spPr/>
+        <p:txBody>
+          <a:bodyPr/>
+          <a:lstStyle/>
+          <a:p>
+            <a:r>
+              <a:rPr lang="en-US" dirty="0"/>
+              <a:t>Topics have influence over PageRank</a:t>
+            </a:r>
+          </a:p>
+          <a:p>
+            <a:r>
+              <a:rPr lang="en-US" dirty="0"/>
+              <a:t>Set of rankings for each web page</a:t>
+            </a:r>
+          </a:p>
+        </p:txBody>
+      </p:sp>
+      <p:sp>
+        <p:nvSpPr>
+          <p:cNvPr id="6" name="Text Placeholder 5">
+            <a:extLst>
+              <a:ext uri="{FF2B5EF4-FFF2-40B4-BE49-F238E27FC236}">
+                <a16:creationId xmlns:a16="http://schemas.microsoft.com/office/drawing/2014/main" id="{AE149466-6F34-4143-B24A-A0BB261D3916}"/>
+              </a:ext>
+            </a:extLst>
+          </p:cNvPr>
+          <p:cNvSpPr>
+            <a:spLocks noGrp="1"/>
+          </p:cNvSpPr>
+          <p:nvPr>
+            <p:ph type="body" sz="quarter" idx="3"/>
+          </p:nvPr>
+        </p:nvSpPr>
+        <p:spPr/>
+        <p:txBody>
+          <a:bodyPr/>
+          <a:lstStyle/>
+          <a:p>
+            <a:r>
+              <a:rPr lang="en-US" dirty="0"/>
+              <a:t>TwitterRank</a:t>
+            </a:r>
+          </a:p>
+        </p:txBody>
+      </p:sp>
+      <p:sp>
+        <p:nvSpPr>
+          <p:cNvPr id="7" name="Content Placeholder 6">
+            <a:extLst>
+              <a:ext uri="{FF2B5EF4-FFF2-40B4-BE49-F238E27FC236}">
+                <a16:creationId xmlns:a16="http://schemas.microsoft.com/office/drawing/2014/main" id="{E356D12D-ADF1-4DCF-A556-8E59D95F6996}"/>
+              </a:ext>
+            </a:extLst>
+          </p:cNvPr>
+          <p:cNvSpPr>
+            <a:spLocks noGrp="1"/>
+          </p:cNvSpPr>
+          <p:nvPr>
+            <p:ph sz="quarter" idx="4"/>
+          </p:nvPr>
+        </p:nvSpPr>
+        <p:spPr/>
+        <p:txBody>
+          <a:bodyPr/>
+          <a:lstStyle/>
+          <a:p>
+            <a:r>
+              <a:rPr lang="en-US" dirty="0"/>
+              <a:t>Confirms Homophily in Twitter</a:t>
+            </a:r>
+          </a:p>
+          <a:p>
+            <a:r>
+              <a:rPr lang="en-US" dirty="0"/>
+              <a:t>Algorithm to find influential Twitterers</a:t>
+            </a:r>
+          </a:p>
+          <a:p>
+            <a:r>
+              <a:rPr lang="en-US" dirty="0"/>
+              <a:t>Expands TSPR to allow different transition probabilities within a topic</a:t>
+            </a:r>
+          </a:p>
+          <a:p>
+            <a:endParaRPr lang="en-US" dirty="0"/>
+          </a:p>
+        </p:txBody>
+      </p:sp>
+      <p:sp>
+        <p:nvSpPr>
+          <p:cNvPr id="5" name="Slide Number Placeholder 4"/>
+          <p:cNvSpPr>
+            <a:spLocks noGrp="1"/>
+          </p:cNvSpPr>
+          <p:nvPr>
+            <p:ph type="sldNum" sz="quarter" idx="12"/>
+          </p:nvPr>
+        </p:nvSpPr>
+        <p:spPr/>
+        <p:txBody>
+          <a:bodyPr/>
+          <a:lstStyle/>
+          <a:p>
+            <a:fld id="{38A27C39-69BC-486E-A789-EB1E62B74FE5}" type="slidenum">
+              <a:rPr lang="en-US" smtClean="0"/>
+              <a:t>15</a:t>
+            </a:fld>
+            <a:endParaRPr lang="en-US"/>
+          </a:p>
+        </p:txBody>
+      </p:sp>
+    </p:spTree>
+    <p:extLst>
+      <p:ext uri="{BB962C8B-B14F-4D97-AF65-F5344CB8AC3E}">
+        <p14:creationId xmlns:p14="http://schemas.microsoft.com/office/powerpoint/2010/main" val="1125663463"/>
+      </p:ext>
+    </p:extLst>
+  </p:cSld>
+  <p:clrMapOvr>
+    <a:masterClrMapping/>
+  </p:clrMapOvr>
+</p:sld>
+</file>
+
+<file path=ppt/slides/slide2.xml><?xml version="1.0" encoding="utf-8"?>
+<p:sld xmlns:a="http://schemas.openxmlformats.org/drawingml/2006/main" xmlns:r="http://schemas.openxmlformats.org/officeDocument/2006/relationships" xmlns:p="http://schemas.openxmlformats.org/presentationml/2006/main">
+  <p:cSld>
+    <p:spTree>
+      <p:nvGrpSpPr>
+        <p:cNvPr id="1" name=""/>
+        <p:cNvGrpSpPr/>
+        <p:nvPr/>
+      </p:nvGrpSpPr>
+      <p:grpSpPr>
+        <a:xfrm>
+          <a:off x="0" y="0"/>
+          <a:ext cx="0" cy="0"/>
+          <a:chOff x="0" y="0"/>
+          <a:chExt cx="0" cy="0"/>
+        </a:xfrm>
+      </p:grpSpPr>
+      <p:sp>
+        <p:nvSpPr>
+          <p:cNvPr id="2" name="Title 1"/>
+          <p:cNvSpPr>
+            <a:spLocks noGrp="1"/>
+          </p:cNvSpPr>
+          <p:nvPr>
+            <p:ph type="title"/>
+          </p:nvPr>
+        </p:nvSpPr>
+        <p:spPr/>
+        <p:txBody>
+          <a:bodyPr/>
+          <a:lstStyle/>
+          <a:p>
+            <a:r>
+              <a:rPr lang="en-US" dirty="0"/>
+              <a:t>Review Page Rank</a:t>
+            </a:r>
+          </a:p>
+        </p:txBody>
+      </p:sp>
+      <p:sp>
+        <p:nvSpPr>
+          <p:cNvPr id="3" name="Content Placeholder 2"/>
+          <p:cNvSpPr>
+            <a:spLocks noGrp="1"/>
+          </p:cNvSpPr>
+          <p:nvPr>
+            <p:ph idx="1"/>
+          </p:nvPr>
+        </p:nvSpPr>
+        <p:spPr>
+          <a:xfrm>
+            <a:off x="838200" y="1825625"/>
+            <a:ext cx="10515600" cy="4351338"/>
+          </a:xfrm>
+        </p:spPr>
+        <p:txBody>
+          <a:bodyPr/>
+          <a:lstStyle/>
+          <a:p>
+            <a:r>
+              <a:rPr lang="en-US" dirty="0"/>
+              <a:t>Relative importance of webpages</a:t>
+            </a:r>
+          </a:p>
+          <a:p>
+            <a:r>
+              <a:rPr lang="en-US" dirty="0"/>
+              <a:t>If page A has a link to page B, then A is saying that B is important</a:t>
+            </a:r>
+          </a:p>
+          <a:p>
+            <a:r>
+              <a:rPr lang="en-US" dirty="0"/>
+              <a:t>Random Surfer Model</a:t>
+            </a:r>
+          </a:p>
+          <a:p>
+            <a:pPr lvl="1"/>
+            <a:r>
+              <a:rPr lang="en-US" dirty="0"/>
+              <a:t>Start at random page </a:t>
+            </a:r>
+          </a:p>
+          <a:p>
+            <a:pPr lvl="1"/>
+            <a:r>
+              <a:rPr lang="en-US" dirty="0"/>
+              <a:t>Select, at random, link to follow</a:t>
+            </a:r>
+          </a:p>
+          <a:p>
+            <a:pPr lvl="1"/>
+            <a:r>
+              <a:rPr lang="en-US" dirty="0"/>
+              <a:t>Or jump to total new page</a:t>
+            </a:r>
+          </a:p>
+          <a:p>
+            <a:pPr lvl="1"/>
+            <a:r>
+              <a:rPr lang="en-US" dirty="0"/>
+              <a:t>PageRank= probability that surfer lands on page</a:t>
+            </a:r>
+          </a:p>
+        </p:txBody>
+      </p:sp>
+      <p:sp>
+        <p:nvSpPr>
+          <p:cNvPr id="31" name="Slide Number Placeholder 30"/>
+          <p:cNvSpPr>
+            <a:spLocks noGrp="1"/>
+          </p:cNvSpPr>
+          <p:nvPr>
+            <p:ph type="sldNum" sz="quarter" idx="12"/>
+          </p:nvPr>
+        </p:nvSpPr>
+        <p:spPr/>
+        <p:txBody>
+          <a:bodyPr/>
+          <a:lstStyle/>
+          <a:p>
+            <a:fld id="{38A27C39-69BC-486E-A789-EB1E62B74FE5}" type="slidenum">
+              <a:rPr lang="en-US" smtClean="0"/>
+              <a:t>2</a:t>
+            </a:fld>
+            <a:endParaRPr lang="en-US"/>
+          </a:p>
+        </p:txBody>
+      </p:sp>
+    </p:spTree>
+    <p:extLst>
+      <p:ext uri="{BB962C8B-B14F-4D97-AF65-F5344CB8AC3E}">
+        <p14:creationId xmlns:p14="http://schemas.microsoft.com/office/powerpoint/2010/main" val="2016428903"/>
+      </p:ext>
+    </p:extLst>
+  </p:cSld>
+  <p:clrMapOvr>
+    <a:masterClrMapping/>
+  </p:clrMapOvr>
+</p:sld>
+</file>
+
+<file path=ppt/slides/slide3.xml><?xml version="1.0" encoding="utf-8"?>
+<p:sld xmlns:a="http://schemas.openxmlformats.org/drawingml/2006/main" xmlns:r="http://schemas.openxmlformats.org/officeDocument/2006/relationships" xmlns:p="http://schemas.openxmlformats.org/presentationml/2006/main">
+  <p:cSld>
+    <p:spTree>
+      <p:nvGrpSpPr>
+        <p:cNvPr id="1" name=""/>
+        <p:cNvGrpSpPr/>
+        <p:nvPr/>
+      </p:nvGrpSpPr>
+      <p:grpSpPr>
+        <a:xfrm>
+          <a:off x="0" y="0"/>
+          <a:ext cx="0" cy="0"/>
+          <a:chOff x="0" y="0"/>
+          <a:chExt cx="0" cy="0"/>
+        </a:xfrm>
+      </p:grpSpPr>
+      <p:sp>
+        <p:nvSpPr>
+          <p:cNvPr id="2" name="Title 1"/>
+          <p:cNvSpPr>
+            <a:spLocks noGrp="1"/>
+          </p:cNvSpPr>
+          <p:nvPr>
+            <p:ph type="title"/>
+          </p:nvPr>
+        </p:nvSpPr>
+        <p:spPr/>
+        <p:txBody>
+          <a:bodyPr/>
+          <a:lstStyle/>
+          <a:p>
+            <a:r>
+              <a:rPr lang="en-US" dirty="0"/>
+              <a:t>Page Rank</a:t>
+            </a:r>
+          </a:p>
+        </p:txBody>
+      </p:sp>
+      <p:sp>
+        <p:nvSpPr>
+          <p:cNvPr id="4" name="Slide Number Placeholder 3"/>
+          <p:cNvSpPr>
+            <a:spLocks noGrp="1"/>
+          </p:cNvSpPr>
+          <p:nvPr>
+            <p:ph type="sldNum" sz="quarter" idx="12"/>
+          </p:nvPr>
+        </p:nvSpPr>
+        <p:spPr/>
+        <p:txBody>
+          <a:bodyPr/>
+          <a:lstStyle/>
+          <a:p>
+            <a:fld id="{38A27C39-69BC-486E-A789-EB1E62B74FE5}" type="slidenum">
+              <a:rPr lang="en-US" smtClean="0"/>
+              <a:t>3</a:t>
+            </a:fld>
+            <a:endParaRPr lang="en-US"/>
+          </a:p>
+        </p:txBody>
+      </p:sp>
+      <p:sp>
+        <p:nvSpPr>
+          <p:cNvPr id="8" name="Content Placeholder 7"/>
+          <p:cNvSpPr>
+            <a:spLocks noGrp="1"/>
+          </p:cNvSpPr>
+          <p:nvPr>
+            <p:ph sz="half" idx="1"/>
+          </p:nvPr>
+        </p:nvSpPr>
+        <p:spPr>
+          <a:xfrm>
+            <a:off x="1146960" y="4437520"/>
+            <a:ext cx="3606209" cy="417845"/>
+          </a:xfrm>
+        </p:spPr>
+        <p:txBody>
+          <a:bodyPr>
+            <a:noAutofit/>
+          </a:bodyPr>
+          <a:lstStyle/>
+          <a:p>
+            <a:pPr marL="0" indent="0">
+              <a:buNone/>
+            </a:pPr>
+            <a:r>
+              <a:rPr lang="en-US" sz="2400" dirty="0"/>
+              <a:t>Uniform dampening factor</a:t>
+            </a:r>
+          </a:p>
+        </p:txBody>
+      </p:sp>
+      <p:pic>
+        <p:nvPicPr>
+          <p:cNvPr id="9" name="Picture 6" descr="pagerank-sum-to-1"/>
+          <p:cNvPicPr>
+            <a:picLocks noGrp="1" noChangeAspect="1" noChangeArrowheads="1"/>
+          </p:cNvPicPr>
+          <p:nvPr>
+            <p:ph sz="half" idx="2"/>
+          </p:nvPr>
+        </p:nvPicPr>
+        <p:blipFill>
+          <a:blip r:embed="rId2">
+            <a:extLst>
+              <a:ext uri="{28A0092B-C50C-407E-A947-70E740481C1C}">
+                <a14:useLocalDpi xmlns:a14="http://schemas.microsoft.com/office/drawing/2010/main" val="0"/>
+              </a:ext>
+            </a:extLst>
+          </a:blip>
+          <a:stretch>
+            <a:fillRect/>
+          </a:stretch>
+        </p:blipFill>
+        <p:spPr bwMode="auto">
+          <a:xfrm>
+            <a:off x="923334" y="2834929"/>
+            <a:ext cx="9819108" cy="1001549"/>
+          </a:xfrm>
+          <a:prstGeom prst="rect">
+            <a:avLst/>
+          </a:prstGeom>
+          <a:noFill/>
+          <a:ln>
+            <a:noFill/>
+          </a:ln>
+          <a:extLst>
+            <a:ext uri="{909E8E84-426E-40DD-AFC4-6F175D3DCCD1}">
+              <a14:hiddenFill xmlns:a14="http://schemas.microsoft.com/office/drawing/2010/main">
+                <a:solidFill>
+                  <a:srgbClr val="FFFFFF"/>
+                </a:solidFill>
+              </a14:hiddenFill>
+            </a:ext>
+            <a:ext uri="{91240B29-F687-4F45-9708-019B960494DF}">
+              <a14:hiddenLine xmlns:a14="http://schemas.microsoft.com/office/drawing/2010/main" w="9525">
+                <a:solidFill>
+                  <a:srgbClr val="000000"/>
+                </a:solidFill>
+                <a:miter lim="800000"/>
+                <a:headEnd/>
+                <a:tailEnd/>
+              </a14:hiddenLine>
+            </a:ext>
+          </a:extLst>
+        </p:spPr>
+      </p:pic>
+      <p:sp>
+        <p:nvSpPr>
+          <p:cNvPr id="3" name="TextBox 2">
+            <a:extLst>
+              <a:ext uri="{FF2B5EF4-FFF2-40B4-BE49-F238E27FC236}">
+                <a16:creationId xmlns:a16="http://schemas.microsoft.com/office/drawing/2014/main" id="{72A5051C-C7A3-4EE1-91BB-3DFB8A5B15B5}"/>
+              </a:ext>
+            </a:extLst>
+          </p:cNvPr>
+          <p:cNvSpPr txBox="1"/>
+          <p:nvPr/>
+        </p:nvSpPr>
+        <p:spPr>
+          <a:xfrm>
+            <a:off x="6411848" y="4452503"/>
+            <a:ext cx="2808589" cy="461665"/>
+          </a:xfrm>
+          <a:prstGeom prst="rect">
+            <a:avLst/>
+          </a:prstGeom>
+          <a:noFill/>
+        </p:spPr>
+        <p:txBody>
+          <a:bodyPr wrap="none" rtlCol="0">
+            <a:spAutoFit/>
+          </a:bodyPr>
+          <a:lstStyle/>
+          <a:p>
+            <a:r>
+              <a:rPr lang="en-US" sz="2400" dirty="0"/>
+              <a:t>Out degree of a page</a:t>
+            </a:r>
+          </a:p>
+        </p:txBody>
+      </p:sp>
+      <p:sp>
+        <p:nvSpPr>
+          <p:cNvPr id="7" name="TextBox 6">
+            <a:extLst>
+              <a:ext uri="{FF2B5EF4-FFF2-40B4-BE49-F238E27FC236}">
+                <a16:creationId xmlns:a16="http://schemas.microsoft.com/office/drawing/2014/main" id="{58AA00C3-3D1A-41E3-854F-D80360975EC1}"/>
+              </a:ext>
+            </a:extLst>
+          </p:cNvPr>
+          <p:cNvSpPr txBox="1"/>
+          <p:nvPr/>
+        </p:nvSpPr>
+        <p:spPr>
+          <a:xfrm>
+            <a:off x="5606901" y="1834419"/>
+            <a:ext cx="2611099" cy="461665"/>
+          </a:xfrm>
+          <a:prstGeom prst="rect">
+            <a:avLst/>
+          </a:prstGeom>
+          <a:noFill/>
+        </p:spPr>
+        <p:txBody>
+          <a:bodyPr wrap="none" rtlCol="0">
+            <a:spAutoFit/>
+          </a:bodyPr>
+          <a:lstStyle/>
+          <a:p>
+            <a:r>
+              <a:rPr lang="en-US" sz="2400" dirty="0"/>
+              <a:t>PageRank of a page</a:t>
+            </a:r>
+          </a:p>
+        </p:txBody>
+      </p:sp>
+      <p:cxnSp>
+        <p:nvCxnSpPr>
+          <p:cNvPr id="6" name="Straight Arrow Connector 5">
+            <a:extLst>
+              <a:ext uri="{FF2B5EF4-FFF2-40B4-BE49-F238E27FC236}">
+                <a16:creationId xmlns:a16="http://schemas.microsoft.com/office/drawing/2014/main" id="{E51F7CC2-E3E1-4CFB-809C-580566039B73}"/>
+              </a:ext>
+            </a:extLst>
+          </p:cNvPr>
+          <p:cNvCxnSpPr>
+            <a:stCxn id="8" idx="0"/>
+          </p:cNvCxnSpPr>
+          <p:nvPr/>
+        </p:nvCxnSpPr>
+        <p:spPr>
+          <a:xfrm flipV="1">
+            <a:off x="2950065" y="3487479"/>
+            <a:ext cx="1058409" cy="950041"/>
+          </a:xfrm>
+          <a:prstGeom prst="straightConnector1">
+            <a:avLst/>
+          </a:prstGeom>
+          <a:ln>
+            <a:tailEnd type="triangle"/>
+          </a:ln>
+        </p:spPr>
+        <p:style>
+          <a:lnRef idx="1">
+            <a:schemeClr val="dk1"/>
+          </a:lnRef>
+          <a:fillRef idx="0">
+            <a:schemeClr val="dk1"/>
+          </a:fillRef>
+          <a:effectRef idx="0">
+            <a:schemeClr val="dk1"/>
+          </a:effectRef>
+          <a:fontRef idx="minor">
+            <a:schemeClr val="tx1"/>
+          </a:fontRef>
+        </p:style>
+      </p:cxnSp>
+      <p:cxnSp>
+        <p:nvCxnSpPr>
+          <p:cNvPr id="11" name="Straight Arrow Connector 10">
+            <a:extLst>
+              <a:ext uri="{FF2B5EF4-FFF2-40B4-BE49-F238E27FC236}">
+                <a16:creationId xmlns:a16="http://schemas.microsoft.com/office/drawing/2014/main" id="{4BD8841D-F18D-488B-B533-869E95A53FAB}"/>
+              </a:ext>
+            </a:extLst>
+          </p:cNvPr>
+          <p:cNvCxnSpPr>
+            <a:stCxn id="7" idx="2"/>
+          </p:cNvCxnSpPr>
+          <p:nvPr/>
+        </p:nvCxnSpPr>
+        <p:spPr>
+          <a:xfrm flipH="1">
+            <a:off x="6912450" y="2296084"/>
+            <a:ext cx="1" cy="538845"/>
+          </a:xfrm>
+          <a:prstGeom prst="straightConnector1">
+            <a:avLst/>
+          </a:prstGeom>
+          <a:ln>
+            <a:tailEnd type="triangle"/>
+          </a:ln>
+        </p:spPr>
+        <p:style>
+          <a:lnRef idx="1">
+            <a:schemeClr val="dk1"/>
+          </a:lnRef>
+          <a:fillRef idx="0">
+            <a:schemeClr val="dk1"/>
+          </a:fillRef>
+          <a:effectRef idx="0">
+            <a:schemeClr val="dk1"/>
+          </a:effectRef>
+          <a:fontRef idx="minor">
+            <a:schemeClr val="tx1"/>
+          </a:fontRef>
+        </p:style>
+      </p:cxnSp>
+      <p:cxnSp>
+        <p:nvCxnSpPr>
+          <p:cNvPr id="13" name="Straight Arrow Connector 12">
+            <a:extLst>
+              <a:ext uri="{FF2B5EF4-FFF2-40B4-BE49-F238E27FC236}">
+                <a16:creationId xmlns:a16="http://schemas.microsoft.com/office/drawing/2014/main" id="{6A07844D-C617-471C-8CE3-E96F97A60ACD}"/>
+              </a:ext>
+            </a:extLst>
+          </p:cNvPr>
+          <p:cNvCxnSpPr>
+            <a:stCxn id="7" idx="2"/>
+          </p:cNvCxnSpPr>
+          <p:nvPr/>
+        </p:nvCxnSpPr>
+        <p:spPr>
+          <a:xfrm flipH="1">
+            <a:off x="5263116" y="2296084"/>
+            <a:ext cx="1649335" cy="451668"/>
+          </a:xfrm>
+          <a:prstGeom prst="straightConnector1">
+            <a:avLst/>
+          </a:prstGeom>
+          <a:ln>
+            <a:tailEnd type="triangle"/>
+          </a:ln>
+        </p:spPr>
+        <p:style>
+          <a:lnRef idx="1">
+            <a:schemeClr val="dk1"/>
+          </a:lnRef>
+          <a:fillRef idx="0">
+            <a:schemeClr val="dk1"/>
+          </a:fillRef>
+          <a:effectRef idx="0">
+            <a:schemeClr val="dk1"/>
+          </a:effectRef>
+          <a:fontRef idx="minor">
+            <a:schemeClr val="tx1"/>
+          </a:fontRef>
+        </p:style>
+      </p:cxnSp>
+      <p:cxnSp>
+        <p:nvCxnSpPr>
+          <p:cNvPr id="15" name="Straight Arrow Connector 14">
+            <a:extLst>
+              <a:ext uri="{FF2B5EF4-FFF2-40B4-BE49-F238E27FC236}">
+                <a16:creationId xmlns:a16="http://schemas.microsoft.com/office/drawing/2014/main" id="{0B16BC37-8590-4C25-B229-2583B83AE053}"/>
+              </a:ext>
+            </a:extLst>
+          </p:cNvPr>
+          <p:cNvCxnSpPr>
+            <a:stCxn id="7" idx="2"/>
+          </p:cNvCxnSpPr>
+          <p:nvPr/>
+        </p:nvCxnSpPr>
+        <p:spPr>
+          <a:xfrm>
+            <a:off x="6912451" y="2296084"/>
+            <a:ext cx="1698149" cy="461665"/>
+          </a:xfrm>
+          <a:prstGeom prst="straightConnector1">
+            <a:avLst/>
+          </a:prstGeom>
+          <a:ln>
+            <a:tailEnd type="triangle"/>
+          </a:ln>
+        </p:spPr>
+        <p:style>
+          <a:lnRef idx="1">
+            <a:schemeClr val="dk1"/>
+          </a:lnRef>
+          <a:fillRef idx="0">
+            <a:schemeClr val="dk1"/>
+          </a:fillRef>
+          <a:effectRef idx="0">
+            <a:schemeClr val="dk1"/>
+          </a:effectRef>
+          <a:fontRef idx="minor">
+            <a:schemeClr val="tx1"/>
+          </a:fontRef>
+        </p:style>
+      </p:cxnSp>
+      <p:cxnSp>
+        <p:nvCxnSpPr>
+          <p:cNvPr id="17" name="Straight Arrow Connector 16">
+            <a:extLst>
+              <a:ext uri="{FF2B5EF4-FFF2-40B4-BE49-F238E27FC236}">
+                <a16:creationId xmlns:a16="http://schemas.microsoft.com/office/drawing/2014/main" id="{C15037A5-2686-4B23-99E0-C6A99B39D740}"/>
+              </a:ext>
+            </a:extLst>
+          </p:cNvPr>
+          <p:cNvCxnSpPr>
+            <a:stCxn id="3" idx="0"/>
+          </p:cNvCxnSpPr>
+          <p:nvPr/>
+        </p:nvCxnSpPr>
+        <p:spPr>
+          <a:xfrm flipV="1">
+            <a:off x="7816143" y="3792686"/>
+            <a:ext cx="604843" cy="659817"/>
+          </a:xfrm>
+          <a:prstGeom prst="straightConnector1">
+            <a:avLst/>
+          </a:prstGeom>
+          <a:ln>
+            <a:tailEnd type="triangle"/>
+          </a:ln>
+        </p:spPr>
+        <p:style>
+          <a:lnRef idx="1">
+            <a:schemeClr val="dk1"/>
+          </a:lnRef>
+          <a:fillRef idx="0">
+            <a:schemeClr val="dk1"/>
+          </a:fillRef>
+          <a:effectRef idx="0">
+            <a:schemeClr val="dk1"/>
+          </a:effectRef>
+          <a:fontRef idx="minor">
+            <a:schemeClr val="tx1"/>
+          </a:fontRef>
+        </p:style>
+      </p:cxnSp>
+      <p:cxnSp>
+        <p:nvCxnSpPr>
+          <p:cNvPr id="19" name="Straight Arrow Connector 18">
+            <a:extLst>
+              <a:ext uri="{FF2B5EF4-FFF2-40B4-BE49-F238E27FC236}">
+                <a16:creationId xmlns:a16="http://schemas.microsoft.com/office/drawing/2014/main" id="{C91F875E-07BE-4AD3-B480-FDA8AE02B4FD}"/>
+              </a:ext>
+            </a:extLst>
+          </p:cNvPr>
+          <p:cNvCxnSpPr>
+            <a:stCxn id="3" idx="0"/>
+          </p:cNvCxnSpPr>
+          <p:nvPr/>
+        </p:nvCxnSpPr>
+        <p:spPr>
+          <a:xfrm flipH="1" flipV="1">
+            <a:off x="7073036" y="3901990"/>
+            <a:ext cx="743107" cy="550513"/>
+          </a:xfrm>
+          <a:prstGeom prst="straightConnector1">
+            <a:avLst/>
+          </a:prstGeom>
+          <a:ln>
+            <a:tailEnd type="triangle"/>
+          </a:ln>
+        </p:spPr>
+        <p:style>
+          <a:lnRef idx="1">
+            <a:schemeClr val="dk1"/>
+          </a:lnRef>
+          <a:fillRef idx="0">
+            <a:schemeClr val="dk1"/>
+          </a:fillRef>
+          <a:effectRef idx="0">
+            <a:schemeClr val="dk1"/>
+          </a:effectRef>
+          <a:fontRef idx="minor">
+            <a:schemeClr val="tx1"/>
+          </a:fontRef>
+        </p:style>
+      </p:cxnSp>
+      <p:cxnSp>
+        <p:nvCxnSpPr>
+          <p:cNvPr id="21" name="Straight Arrow Connector 20">
+            <a:extLst>
+              <a:ext uri="{FF2B5EF4-FFF2-40B4-BE49-F238E27FC236}">
+                <a16:creationId xmlns:a16="http://schemas.microsoft.com/office/drawing/2014/main" id="{DCE275D6-00F2-4DEC-97A5-0ADEA260FD53}"/>
+              </a:ext>
+            </a:extLst>
+          </p:cNvPr>
+          <p:cNvCxnSpPr>
+            <a:stCxn id="3" idx="0"/>
+          </p:cNvCxnSpPr>
+          <p:nvPr/>
+        </p:nvCxnSpPr>
+        <p:spPr>
+          <a:xfrm flipH="1" flipV="1">
+            <a:off x="5606901" y="3792054"/>
+            <a:ext cx="2209242" cy="660449"/>
+          </a:xfrm>
+          <a:prstGeom prst="straightConnector1">
+            <a:avLst/>
+          </a:prstGeom>
+          <a:ln>
+            <a:tailEnd type="triangle"/>
+          </a:ln>
+        </p:spPr>
+        <p:style>
+          <a:lnRef idx="1">
+            <a:schemeClr val="dk1"/>
+          </a:lnRef>
+          <a:fillRef idx="0">
+            <a:schemeClr val="dk1"/>
+          </a:fillRef>
+          <a:effectRef idx="0">
+            <a:schemeClr val="dk1"/>
+          </a:effectRef>
+          <a:fontRef idx="minor">
+            <a:schemeClr val="tx1"/>
+          </a:fontRef>
+        </p:style>
+      </p:cxnSp>
+    </p:spTree>
+    <p:extLst>
+      <p:ext uri="{BB962C8B-B14F-4D97-AF65-F5344CB8AC3E}">
+        <p14:creationId xmlns:p14="http://schemas.microsoft.com/office/powerpoint/2010/main" val="1075389557"/>
+      </p:ext>
+    </p:extLst>
+  </p:cSld>
+  <p:clrMapOvr>
+    <a:masterClrMapping/>
+  </p:clrMapOvr>
+</p:sld>
+</file>
+
+<file path=ppt/slides/slide4.xml><?xml version="1.0" encoding="utf-8"?>
+<p:sld xmlns:a="http://schemas.openxmlformats.org/drawingml/2006/main" xmlns:r="http://schemas.openxmlformats.org/officeDocument/2006/relationships" xmlns:p="http://schemas.openxmlformats.org/presentationml/2006/main">
+  <p:cSld>
+    <p:spTree>
+      <p:nvGrpSpPr>
+        <p:cNvPr id="1" name=""/>
+        <p:cNvGrpSpPr/>
+        <p:nvPr/>
+      </p:nvGrpSpPr>
+      <p:grpSpPr>
+        <a:xfrm>
+          <a:off x="0" y="0"/>
+          <a:ext cx="0" cy="0"/>
+          <a:chOff x="0" y="0"/>
+          <a:chExt cx="0" cy="0"/>
+        </a:xfrm>
+      </p:grpSpPr>
+      <p:sp>
+        <p:nvSpPr>
+          <p:cNvPr id="4" name="Title 3"/>
+          <p:cNvSpPr>
+            <a:spLocks noGrp="1"/>
+          </p:cNvSpPr>
+          <p:nvPr>
+            <p:ph type="title"/>
+          </p:nvPr>
+        </p:nvSpPr>
+        <p:spPr/>
+        <p:txBody>
+          <a:bodyPr/>
+          <a:lstStyle/>
+          <a:p>
+            <a:r>
+              <a:rPr lang="en-US" dirty="0"/>
+              <a:t>Topic Sensitive PageRank</a:t>
+            </a:r>
+          </a:p>
+        </p:txBody>
+      </p:sp>
+      <p:sp>
+        <p:nvSpPr>
+          <p:cNvPr id="5" name="Content Placeholder 4"/>
+          <p:cNvSpPr>
+            <a:spLocks noGrp="1"/>
+          </p:cNvSpPr>
+          <p:nvPr>
+            <p:ph idx="1"/>
+          </p:nvPr>
+        </p:nvSpPr>
+        <p:spPr/>
+        <p:txBody>
+          <a:bodyPr/>
+          <a:lstStyle/>
+          <a:p>
+            <a:r>
+              <a:rPr lang="en-US" sz="4000" dirty="0"/>
+              <a:t>Compute multiple </a:t>
+            </a:r>
+            <a:r>
+              <a:rPr lang="en-US" sz="4000" dirty="0" err="1"/>
+              <a:t>PageRanks</a:t>
+            </a:r>
+            <a:r>
+              <a:rPr lang="en-US" sz="4000" dirty="0"/>
+              <a:t> for every page</a:t>
+            </a:r>
+          </a:p>
+          <a:p>
+            <a:r>
+              <a:rPr lang="en-US" sz="4000" dirty="0"/>
+              <a:t>Score for each category</a:t>
+            </a:r>
+          </a:p>
+          <a:p>
+            <a:r>
+              <a:rPr lang="en-US" sz="4000" dirty="0"/>
+              <a:t>Based on preselected topics</a:t>
+            </a:r>
+          </a:p>
+          <a:p>
+            <a:pPr lvl="1"/>
+            <a:r>
+              <a:rPr lang="en-US" sz="4000" dirty="0"/>
+              <a:t>16 top-level categories of Open Directory Project</a:t>
+            </a:r>
+          </a:p>
+          <a:p>
+            <a:r>
+              <a:rPr lang="en-US" sz="4000" dirty="0"/>
+              <a:t>Train classifier on URLs under each category </a:t>
+            </a:r>
+          </a:p>
+          <a:p>
+            <a:endParaRPr lang="en-US" dirty="0"/>
+          </a:p>
+          <a:p>
+            <a:pPr marL="457200" lvl="1" indent="0">
+              <a:buNone/>
+            </a:pPr>
+            <a:endParaRPr lang="en-US" dirty="0"/>
+          </a:p>
+        </p:txBody>
+      </p:sp>
+      <p:sp>
+        <p:nvSpPr>
+          <p:cNvPr id="3" name="Slide Number Placeholder 2"/>
+          <p:cNvSpPr>
+            <a:spLocks noGrp="1"/>
+          </p:cNvSpPr>
+          <p:nvPr>
+            <p:ph type="sldNum" sz="quarter" idx="12"/>
+          </p:nvPr>
+        </p:nvSpPr>
+        <p:spPr/>
+        <p:txBody>
+          <a:bodyPr/>
+          <a:lstStyle/>
+          <a:p>
+            <a:fld id="{38A27C39-69BC-486E-A789-EB1E62B74FE5}" type="slidenum">
+              <a:rPr lang="en-US" smtClean="0"/>
+              <a:t>4</a:t>
+            </a:fld>
+            <a:endParaRPr lang="en-US"/>
+          </a:p>
+        </p:txBody>
+      </p:sp>
+    </p:spTree>
+    <p:extLst>
+      <p:ext uri="{BB962C8B-B14F-4D97-AF65-F5344CB8AC3E}">
+        <p14:creationId xmlns:p14="http://schemas.microsoft.com/office/powerpoint/2010/main" val="246537341"/>
+      </p:ext>
+    </p:extLst>
+  </p:cSld>
+  <p:clrMapOvr>
+    <a:masterClrMapping/>
+  </p:clrMapOvr>
+</p:sld>
+</file>
+
+<file path=ppt/slides/slide5.xml><?xml version="1.0" encoding="utf-8"?>
+<p:sld xmlns:a="http://schemas.openxmlformats.org/drawingml/2006/main" xmlns:r="http://schemas.openxmlformats.org/officeDocument/2006/relationships" xmlns:p="http://schemas.openxmlformats.org/presentationml/2006/main">
+  <p:cSld>
+    <p:spTree>
+      <p:nvGrpSpPr>
+        <p:cNvPr id="1" name=""/>
+        <p:cNvGrpSpPr/>
+        <p:nvPr/>
+      </p:nvGrpSpPr>
+      <p:grpSpPr>
+        <a:xfrm>
+          <a:off x="0" y="0"/>
+          <a:ext cx="0" cy="0"/>
+          <a:chOff x="0" y="0"/>
+          <a:chExt cx="0" cy="0"/>
+        </a:xfrm>
+      </p:grpSpPr>
+      <p:sp>
+        <p:nvSpPr>
+          <p:cNvPr id="2" name="Title 1"/>
+          <p:cNvSpPr>
+            <a:spLocks noGrp="1"/>
+          </p:cNvSpPr>
+          <p:nvPr>
+            <p:ph type="title"/>
+          </p:nvPr>
+        </p:nvSpPr>
+        <p:spPr/>
+        <p:txBody>
+          <a:bodyPr/>
+          <a:lstStyle/>
+          <a:p>
+            <a:r>
+              <a:rPr lang="en-US" dirty="0"/>
+              <a:t>Topic Sensitive PageRank</a:t>
+            </a:r>
+          </a:p>
+        </p:txBody>
+      </p:sp>
+      <p:sp>
+        <p:nvSpPr>
+          <p:cNvPr id="4" name="Slide Number Placeholder 3"/>
+          <p:cNvSpPr>
+            <a:spLocks noGrp="1"/>
+          </p:cNvSpPr>
+          <p:nvPr>
+            <p:ph type="sldNum" sz="quarter" idx="12"/>
+          </p:nvPr>
+        </p:nvSpPr>
+        <p:spPr/>
+        <p:txBody>
+          <a:bodyPr/>
+          <a:lstStyle/>
+          <a:p>
+            <a:fld id="{38A27C39-69BC-486E-A789-EB1E62B74FE5}" type="slidenum">
+              <a:rPr lang="en-US" smtClean="0"/>
+              <a:t>5</a:t>
+            </a:fld>
+            <a:endParaRPr lang="en-US"/>
+          </a:p>
+        </p:txBody>
+      </p:sp>
+      <p:sp>
+        <p:nvSpPr>
+          <p:cNvPr id="8" name="Content Placeholder 7"/>
+          <p:cNvSpPr>
+            <a:spLocks noGrp="1"/>
+          </p:cNvSpPr>
+          <p:nvPr>
+            <p:ph sz="half" idx="1"/>
+          </p:nvPr>
+        </p:nvSpPr>
+        <p:spPr>
+          <a:xfrm>
+            <a:off x="1072277" y="3753598"/>
+            <a:ext cx="3606209" cy="783095"/>
+          </a:xfrm>
+        </p:spPr>
+        <p:txBody>
+          <a:bodyPr>
+            <a:noAutofit/>
+          </a:bodyPr>
+          <a:lstStyle/>
+          <a:p>
+            <a:pPr marL="0" indent="0">
+              <a:buNone/>
+            </a:pPr>
+            <a:r>
+              <a:rPr lang="en-US" sz="2400" dirty="0">
+                <a:solidFill>
+                  <a:srgbClr val="FF0000"/>
+                </a:solidFill>
+              </a:rPr>
+              <a:t>Non-</a:t>
+            </a:r>
+            <a:r>
+              <a:rPr lang="en-US" sz="2400" dirty="0"/>
+              <a:t>uniform dampening factor</a:t>
+            </a:r>
+          </a:p>
+        </p:txBody>
+      </p:sp>
+      <p:pic>
+        <p:nvPicPr>
+          <p:cNvPr id="9" name="Picture 6" descr="pagerank-sum-to-1"/>
+          <p:cNvPicPr>
+            <a:picLocks noGrp="1" noChangeAspect="1" noChangeArrowheads="1"/>
+          </p:cNvPicPr>
+          <p:nvPr>
+            <p:ph sz="half" idx="2"/>
+          </p:nvPr>
+        </p:nvPicPr>
+        <p:blipFill>
+          <a:blip r:embed="rId2">
+            <a:extLst>
+              <a:ext uri="{28A0092B-C50C-407E-A947-70E740481C1C}">
+                <a14:useLocalDpi xmlns:a14="http://schemas.microsoft.com/office/drawing/2010/main" val="0"/>
+              </a:ext>
+            </a:extLst>
+          </a:blip>
+          <a:stretch>
+            <a:fillRect/>
+          </a:stretch>
+        </p:blipFill>
+        <p:spPr bwMode="auto">
+          <a:xfrm>
+            <a:off x="923334" y="2366278"/>
+            <a:ext cx="9819108" cy="1001549"/>
+          </a:xfrm>
+          <a:prstGeom prst="rect">
+            <a:avLst/>
+          </a:prstGeom>
+          <a:noFill/>
+          <a:ln>
+            <a:noFill/>
+          </a:ln>
+          <a:extLst>
+            <a:ext uri="{909E8E84-426E-40DD-AFC4-6F175D3DCCD1}">
+              <a14:hiddenFill xmlns:a14="http://schemas.microsoft.com/office/drawing/2010/main">
+                <a:solidFill>
+                  <a:srgbClr val="FFFFFF"/>
+                </a:solidFill>
+              </a14:hiddenFill>
+            </a:ext>
+            <a:ext uri="{91240B29-F687-4F45-9708-019B960494DF}">
+              <a14:hiddenLine xmlns:a14="http://schemas.microsoft.com/office/drawing/2010/main" w="9525">
+                <a:solidFill>
+                  <a:srgbClr val="000000"/>
+                </a:solidFill>
+                <a:miter lim="800000"/>
+                <a:headEnd/>
+                <a:tailEnd/>
+              </a14:hiddenLine>
+            </a:ext>
+          </a:extLst>
+        </p:spPr>
+      </p:pic>
+      <p:sp>
+        <p:nvSpPr>
+          <p:cNvPr id="3" name="TextBox 2">
+            <a:extLst>
+              <a:ext uri="{FF2B5EF4-FFF2-40B4-BE49-F238E27FC236}">
+                <a16:creationId xmlns:a16="http://schemas.microsoft.com/office/drawing/2014/main" id="{72A5051C-C7A3-4EE1-91BB-3DFB8A5B15B5}"/>
+              </a:ext>
+            </a:extLst>
+          </p:cNvPr>
+          <p:cNvSpPr txBox="1"/>
+          <p:nvPr/>
+        </p:nvSpPr>
+        <p:spPr>
+          <a:xfrm>
+            <a:off x="6216501" y="3921981"/>
+            <a:ext cx="2808589" cy="461665"/>
+          </a:xfrm>
+          <a:prstGeom prst="rect">
+            <a:avLst/>
+          </a:prstGeom>
+          <a:noFill/>
+        </p:spPr>
+        <p:txBody>
+          <a:bodyPr wrap="none" rtlCol="0">
+            <a:spAutoFit/>
+          </a:bodyPr>
+          <a:lstStyle/>
+          <a:p>
+            <a:r>
+              <a:rPr lang="en-US" sz="2400" dirty="0"/>
+              <a:t>Out degree of a page</a:t>
+            </a:r>
+          </a:p>
+        </p:txBody>
+      </p:sp>
+      <p:sp>
+        <p:nvSpPr>
+          <p:cNvPr id="7" name="TextBox 6">
+            <a:extLst>
+              <a:ext uri="{FF2B5EF4-FFF2-40B4-BE49-F238E27FC236}">
+                <a16:creationId xmlns:a16="http://schemas.microsoft.com/office/drawing/2014/main" id="{58AA00C3-3D1A-41E3-854F-D80360975EC1}"/>
+              </a:ext>
+            </a:extLst>
+          </p:cNvPr>
+          <p:cNvSpPr txBox="1"/>
+          <p:nvPr/>
+        </p:nvSpPr>
+        <p:spPr>
+          <a:xfrm>
+            <a:off x="5606901" y="1323685"/>
+            <a:ext cx="2611099" cy="461665"/>
+          </a:xfrm>
+          <a:prstGeom prst="rect">
+            <a:avLst/>
+          </a:prstGeom>
+          <a:noFill/>
+        </p:spPr>
+        <p:txBody>
+          <a:bodyPr wrap="none" rtlCol="0">
+            <a:spAutoFit/>
+          </a:bodyPr>
+          <a:lstStyle/>
+          <a:p>
+            <a:r>
+              <a:rPr lang="en-US" sz="2400" dirty="0"/>
+              <a:t>PageRank of a page</a:t>
+            </a:r>
+          </a:p>
+        </p:txBody>
+      </p:sp>
+      <p:cxnSp>
+        <p:nvCxnSpPr>
+          <p:cNvPr id="6" name="Straight Arrow Connector 5">
+            <a:extLst>
+              <a:ext uri="{FF2B5EF4-FFF2-40B4-BE49-F238E27FC236}">
+                <a16:creationId xmlns:a16="http://schemas.microsoft.com/office/drawing/2014/main" id="{E51F7CC2-E3E1-4CFB-809C-580566039B73}"/>
+              </a:ext>
+            </a:extLst>
+          </p:cNvPr>
+          <p:cNvCxnSpPr>
+            <a:cxnSpLocks/>
+          </p:cNvCxnSpPr>
+          <p:nvPr/>
+        </p:nvCxnSpPr>
+        <p:spPr>
+          <a:xfrm flipV="1">
+            <a:off x="2950064" y="3117515"/>
+            <a:ext cx="1058409" cy="584790"/>
+          </a:xfrm>
+          <a:prstGeom prst="straightConnector1">
+            <a:avLst/>
+          </a:prstGeom>
+          <a:ln>
+            <a:tailEnd type="triangle"/>
+          </a:ln>
+        </p:spPr>
+        <p:style>
+          <a:lnRef idx="1">
+            <a:schemeClr val="dk1"/>
+          </a:lnRef>
+          <a:fillRef idx="0">
+            <a:schemeClr val="dk1"/>
+          </a:fillRef>
+          <a:effectRef idx="0">
+            <a:schemeClr val="dk1"/>
+          </a:effectRef>
+          <a:fontRef idx="minor">
+            <a:schemeClr val="tx1"/>
+          </a:fontRef>
+        </p:style>
+      </p:cxnSp>
+      <p:cxnSp>
+        <p:nvCxnSpPr>
+          <p:cNvPr id="11" name="Straight Arrow Connector 10">
+            <a:extLst>
+              <a:ext uri="{FF2B5EF4-FFF2-40B4-BE49-F238E27FC236}">
+                <a16:creationId xmlns:a16="http://schemas.microsoft.com/office/drawing/2014/main" id="{4BD8841D-F18D-488B-B533-869E95A53FAB}"/>
+              </a:ext>
+            </a:extLst>
+          </p:cNvPr>
+          <p:cNvCxnSpPr>
+            <a:stCxn id="7" idx="2"/>
+          </p:cNvCxnSpPr>
+          <p:nvPr/>
+        </p:nvCxnSpPr>
+        <p:spPr>
+          <a:xfrm flipH="1">
+            <a:off x="6912450" y="1785350"/>
+            <a:ext cx="1" cy="538845"/>
+          </a:xfrm>
+          <a:prstGeom prst="straightConnector1">
+            <a:avLst/>
+          </a:prstGeom>
+          <a:ln>
+            <a:tailEnd type="triangle"/>
+          </a:ln>
+        </p:spPr>
+        <p:style>
+          <a:lnRef idx="1">
+            <a:schemeClr val="dk1"/>
+          </a:lnRef>
+          <a:fillRef idx="0">
+            <a:schemeClr val="dk1"/>
+          </a:fillRef>
+          <a:effectRef idx="0">
+            <a:schemeClr val="dk1"/>
+          </a:effectRef>
+          <a:fontRef idx="minor">
+            <a:schemeClr val="tx1"/>
+          </a:fontRef>
+        </p:style>
+      </p:cxnSp>
+      <p:cxnSp>
+        <p:nvCxnSpPr>
+          <p:cNvPr id="13" name="Straight Arrow Connector 12">
+            <a:extLst>
+              <a:ext uri="{FF2B5EF4-FFF2-40B4-BE49-F238E27FC236}">
+                <a16:creationId xmlns:a16="http://schemas.microsoft.com/office/drawing/2014/main" id="{6A07844D-C617-471C-8CE3-E96F97A60ACD}"/>
+              </a:ext>
+            </a:extLst>
+          </p:cNvPr>
+          <p:cNvCxnSpPr>
+            <a:stCxn id="7" idx="2"/>
+          </p:cNvCxnSpPr>
+          <p:nvPr/>
+        </p:nvCxnSpPr>
+        <p:spPr>
+          <a:xfrm flipH="1">
+            <a:off x="5263116" y="1785350"/>
+            <a:ext cx="1649335" cy="451668"/>
+          </a:xfrm>
+          <a:prstGeom prst="straightConnector1">
+            <a:avLst/>
+          </a:prstGeom>
+          <a:ln>
+            <a:tailEnd type="triangle"/>
+          </a:ln>
+        </p:spPr>
+        <p:style>
+          <a:lnRef idx="1">
+            <a:schemeClr val="dk1"/>
+          </a:lnRef>
+          <a:fillRef idx="0">
+            <a:schemeClr val="dk1"/>
+          </a:fillRef>
+          <a:effectRef idx="0">
+            <a:schemeClr val="dk1"/>
+          </a:effectRef>
+          <a:fontRef idx="minor">
+            <a:schemeClr val="tx1"/>
+          </a:fontRef>
+        </p:style>
+      </p:cxnSp>
+      <p:cxnSp>
+        <p:nvCxnSpPr>
+          <p:cNvPr id="15" name="Straight Arrow Connector 14">
+            <a:extLst>
+              <a:ext uri="{FF2B5EF4-FFF2-40B4-BE49-F238E27FC236}">
+                <a16:creationId xmlns:a16="http://schemas.microsoft.com/office/drawing/2014/main" id="{0B16BC37-8590-4C25-B229-2583B83AE053}"/>
+              </a:ext>
+            </a:extLst>
+          </p:cNvPr>
+          <p:cNvCxnSpPr>
+            <a:stCxn id="7" idx="2"/>
+          </p:cNvCxnSpPr>
+          <p:nvPr/>
+        </p:nvCxnSpPr>
+        <p:spPr>
+          <a:xfrm>
+            <a:off x="6912451" y="1785350"/>
+            <a:ext cx="1698149" cy="461665"/>
+          </a:xfrm>
+          <a:prstGeom prst="straightConnector1">
+            <a:avLst/>
+          </a:prstGeom>
+          <a:ln>
+            <a:tailEnd type="triangle"/>
+          </a:ln>
+        </p:spPr>
+        <p:style>
+          <a:lnRef idx="1">
+            <a:schemeClr val="dk1"/>
+          </a:lnRef>
+          <a:fillRef idx="0">
+            <a:schemeClr val="dk1"/>
+          </a:fillRef>
+          <a:effectRef idx="0">
+            <a:schemeClr val="dk1"/>
+          </a:effectRef>
+          <a:fontRef idx="minor">
+            <a:schemeClr val="tx1"/>
+          </a:fontRef>
+        </p:style>
+      </p:cxnSp>
+      <p:cxnSp>
+        <p:nvCxnSpPr>
+          <p:cNvPr id="17" name="Straight Arrow Connector 16">
+            <a:extLst>
+              <a:ext uri="{FF2B5EF4-FFF2-40B4-BE49-F238E27FC236}">
+                <a16:creationId xmlns:a16="http://schemas.microsoft.com/office/drawing/2014/main" id="{C15037A5-2686-4B23-99E0-C6A99B39D740}"/>
+              </a:ext>
+            </a:extLst>
+          </p:cNvPr>
+          <p:cNvCxnSpPr>
+            <a:stCxn id="3" idx="0"/>
+          </p:cNvCxnSpPr>
+          <p:nvPr/>
+        </p:nvCxnSpPr>
+        <p:spPr>
+          <a:xfrm flipV="1">
+            <a:off x="7620796" y="3262164"/>
+            <a:ext cx="604843" cy="659817"/>
+          </a:xfrm>
+          <a:prstGeom prst="straightConnector1">
+            <a:avLst/>
+          </a:prstGeom>
+          <a:ln>
+            <a:tailEnd type="triangle"/>
+          </a:ln>
+        </p:spPr>
+        <p:style>
+          <a:lnRef idx="1">
+            <a:schemeClr val="dk1"/>
+          </a:lnRef>
+          <a:fillRef idx="0">
+            <a:schemeClr val="dk1"/>
+          </a:fillRef>
+          <a:effectRef idx="0">
+            <a:schemeClr val="dk1"/>
+          </a:effectRef>
+          <a:fontRef idx="minor">
+            <a:schemeClr val="tx1"/>
+          </a:fontRef>
+        </p:style>
+      </p:cxnSp>
+      <p:cxnSp>
+        <p:nvCxnSpPr>
+          <p:cNvPr id="19" name="Straight Arrow Connector 18">
+            <a:extLst>
+              <a:ext uri="{FF2B5EF4-FFF2-40B4-BE49-F238E27FC236}">
+                <a16:creationId xmlns:a16="http://schemas.microsoft.com/office/drawing/2014/main" id="{C91F875E-07BE-4AD3-B480-FDA8AE02B4FD}"/>
+              </a:ext>
+            </a:extLst>
+          </p:cNvPr>
+          <p:cNvCxnSpPr>
+            <a:stCxn id="3" idx="0"/>
+          </p:cNvCxnSpPr>
+          <p:nvPr/>
+        </p:nvCxnSpPr>
+        <p:spPr>
+          <a:xfrm flipH="1" flipV="1">
+            <a:off x="6877689" y="3371468"/>
+            <a:ext cx="743107" cy="550513"/>
+          </a:xfrm>
+          <a:prstGeom prst="straightConnector1">
+            <a:avLst/>
+          </a:prstGeom>
+          <a:ln>
+            <a:tailEnd type="triangle"/>
+          </a:ln>
+        </p:spPr>
+        <p:style>
+          <a:lnRef idx="1">
+            <a:schemeClr val="dk1"/>
+          </a:lnRef>
+          <a:fillRef idx="0">
+            <a:schemeClr val="dk1"/>
+          </a:fillRef>
+          <a:effectRef idx="0">
+            <a:schemeClr val="dk1"/>
+          </a:effectRef>
+          <a:fontRef idx="minor">
+            <a:schemeClr val="tx1"/>
+          </a:fontRef>
+        </p:style>
+      </p:cxnSp>
+      <p:cxnSp>
+        <p:nvCxnSpPr>
+          <p:cNvPr id="21" name="Straight Arrow Connector 20">
+            <a:extLst>
+              <a:ext uri="{FF2B5EF4-FFF2-40B4-BE49-F238E27FC236}">
+                <a16:creationId xmlns:a16="http://schemas.microsoft.com/office/drawing/2014/main" id="{DCE275D6-00F2-4DEC-97A5-0ADEA260FD53}"/>
+              </a:ext>
+            </a:extLst>
+          </p:cNvPr>
+          <p:cNvCxnSpPr>
+            <a:cxnSpLocks/>
+            <a:stCxn id="3" idx="0"/>
+          </p:cNvCxnSpPr>
+          <p:nvPr/>
+        </p:nvCxnSpPr>
+        <p:spPr>
+          <a:xfrm flipH="1" flipV="1">
+            <a:off x="5411554" y="3261533"/>
+            <a:ext cx="2209242" cy="660448"/>
+          </a:xfrm>
+          <a:prstGeom prst="straightConnector1">
+            <a:avLst/>
+          </a:prstGeom>
+          <a:ln>
+            <a:tailEnd type="triangle"/>
+          </a:ln>
+        </p:spPr>
+        <p:style>
+          <a:lnRef idx="1">
+            <a:schemeClr val="dk1"/>
+          </a:lnRef>
+          <a:fillRef idx="0">
+            <a:schemeClr val="dk1"/>
+          </a:fillRef>
+          <a:effectRef idx="0">
+            <a:schemeClr val="dk1"/>
+          </a:effectRef>
+          <a:fontRef idx="minor">
+            <a:schemeClr val="tx1"/>
+          </a:fontRef>
+        </p:style>
+      </p:cxnSp>
+      <p:pic>
+        <p:nvPicPr>
+          <p:cNvPr id="16" name="Picture 15">
+            <a:extLst>
+              <a:ext uri="{FF2B5EF4-FFF2-40B4-BE49-F238E27FC236}">
+                <a16:creationId xmlns:a16="http://schemas.microsoft.com/office/drawing/2014/main" id="{E1717244-4CF1-4B5A-BB11-A1195BE1E530}"/>
+              </a:ext>
+            </a:extLst>
+          </p:cNvPr>
+          <p:cNvPicPr>
+            <a:picLocks noChangeAspect="1"/>
+          </p:cNvPicPr>
+          <p:nvPr/>
+        </p:nvPicPr>
+        <p:blipFill rotWithShape="1">
+          <a:blip r:embed="rId3"/>
+          <a:srcRect l="16222"/>
+          <a:stretch/>
+        </p:blipFill>
+        <p:spPr>
+          <a:xfrm>
+            <a:off x="1765004" y="4958905"/>
+            <a:ext cx="3191955" cy="1495425"/>
+          </a:xfrm>
+          <a:prstGeom prst="rect">
+            <a:avLst/>
+          </a:prstGeom>
+        </p:spPr>
+      </p:pic>
+      <p:sp>
+        <p:nvSpPr>
+          <p:cNvPr id="18" name="TextBox 17">
+            <a:extLst>
+              <a:ext uri="{FF2B5EF4-FFF2-40B4-BE49-F238E27FC236}">
+                <a16:creationId xmlns:a16="http://schemas.microsoft.com/office/drawing/2014/main" id="{64EA8052-059F-4A6D-B270-A49824F05518}"/>
+              </a:ext>
+            </a:extLst>
+          </p:cNvPr>
+          <p:cNvSpPr txBox="1"/>
+          <p:nvPr/>
+        </p:nvSpPr>
+        <p:spPr>
+          <a:xfrm>
+            <a:off x="5324748" y="5254001"/>
+            <a:ext cx="1924494" cy="1200329"/>
+          </a:xfrm>
+          <a:prstGeom prst="rect">
+            <a:avLst/>
+          </a:prstGeom>
+          <a:noFill/>
+        </p:spPr>
+        <p:txBody>
+          <a:bodyPr wrap="square" rtlCol="0">
+            <a:spAutoFit/>
+          </a:bodyPr>
+          <a:lstStyle/>
+          <a:p>
+            <a:r>
+              <a:rPr lang="en-US" sz="2400" dirty="0" err="1"/>
+              <a:t>T</a:t>
+            </a:r>
+            <a:r>
+              <a:rPr lang="en-US" sz="2400" baseline="-25000" dirty="0" err="1"/>
+              <a:t>j</a:t>
+            </a:r>
+            <a:r>
+              <a:rPr lang="en-US" sz="2400" dirty="0"/>
+              <a:t> = set of URLs in category</a:t>
+            </a:r>
+          </a:p>
+        </p:txBody>
+      </p:sp>
+      <p:sp>
+        <p:nvSpPr>
+          <p:cNvPr id="12" name="TextBox 11">
+            <a:extLst>
+              <a:ext uri="{FF2B5EF4-FFF2-40B4-BE49-F238E27FC236}">
+                <a16:creationId xmlns:a16="http://schemas.microsoft.com/office/drawing/2014/main" id="{95B644F8-8ACD-4F5D-AEE8-5B382CE97C11}"/>
+              </a:ext>
+            </a:extLst>
+          </p:cNvPr>
+          <p:cNvSpPr txBox="1"/>
+          <p:nvPr/>
+        </p:nvSpPr>
+        <p:spPr>
+          <a:xfrm>
+            <a:off x="1375821" y="5526586"/>
+            <a:ext cx="369012" cy="523220"/>
+          </a:xfrm>
+          <a:prstGeom prst="rect">
+            <a:avLst/>
+          </a:prstGeom>
+          <a:noFill/>
+        </p:spPr>
+        <p:txBody>
+          <a:bodyPr wrap="none" rtlCol="0">
+            <a:spAutoFit/>
+          </a:bodyPr>
+          <a:lstStyle/>
+          <a:p>
+            <a:r>
+              <a:rPr lang="en-US" sz="2800" i="1" dirty="0"/>
+              <a:t>d</a:t>
+            </a:r>
+          </a:p>
+        </p:txBody>
+      </p:sp>
+    </p:spTree>
+    <p:extLst>
+      <p:ext uri="{BB962C8B-B14F-4D97-AF65-F5344CB8AC3E}">
+        <p14:creationId xmlns:p14="http://schemas.microsoft.com/office/powerpoint/2010/main" val="2861822150"/>
+      </p:ext>
+    </p:extLst>
+  </p:cSld>
+  <p:clrMapOvr>
+    <a:masterClrMapping/>
+  </p:clrMapOvr>
+</p:sld>
+</file>
+
+<file path=ppt/slides/slide6.xml><?xml version="1.0" encoding="utf-8"?>
+<p:sld xmlns:a="http://schemas.openxmlformats.org/drawingml/2006/main" xmlns:r="http://schemas.openxmlformats.org/officeDocument/2006/relationships" xmlns:p="http://schemas.openxmlformats.org/presentationml/2006/main">
+  <p:cSld>
+    <p:spTree>
+      <p:nvGrpSpPr>
+        <p:cNvPr id="1" name=""/>
+        <p:cNvGrpSpPr/>
+        <p:nvPr/>
+      </p:nvGrpSpPr>
+      <p:grpSpPr>
+        <a:xfrm>
+          <a:off x="0" y="0"/>
+          <a:ext cx="0" cy="0"/>
+          <a:chOff x="0" y="0"/>
+          <a:chExt cx="0" cy="0"/>
+        </a:xfrm>
+      </p:grpSpPr>
+      <p:sp>
+        <p:nvSpPr>
+          <p:cNvPr id="2" name="Title 1"/>
+          <p:cNvSpPr>
+            <a:spLocks noGrp="1"/>
+          </p:cNvSpPr>
+          <p:nvPr>
+            <p:ph type="title"/>
+          </p:nvPr>
+        </p:nvSpPr>
+        <p:spPr/>
+        <p:txBody>
+          <a:bodyPr/>
+          <a:lstStyle/>
+          <a:p>
+            <a:r>
+              <a:rPr lang="en-US" dirty="0"/>
+              <a:t>Classify Query</a:t>
+            </a:r>
+          </a:p>
+        </p:txBody>
+      </p:sp>
+      <p:pic>
+        <p:nvPicPr>
+          <p:cNvPr id="5" name="Content Placeholder 4"/>
+          <p:cNvPicPr>
+            <a:picLocks noGrp="1" noChangeAspect="1"/>
+          </p:cNvPicPr>
+          <p:nvPr>
+            <p:ph idx="1"/>
+          </p:nvPr>
+        </p:nvPicPr>
+        <p:blipFill>
+          <a:blip r:embed="rId2"/>
+          <a:stretch>
+            <a:fillRect/>
+          </a:stretch>
+        </p:blipFill>
+        <p:spPr>
+          <a:xfrm>
+            <a:off x="2736857" y="1690688"/>
+            <a:ext cx="7661960" cy="4351338"/>
+          </a:xfrm>
+          <a:prstGeom prst="rect">
+            <a:avLst/>
+          </a:prstGeom>
+        </p:spPr>
+      </p:pic>
+      <p:sp>
+        <p:nvSpPr>
+          <p:cNvPr id="4" name="Slide Number Placeholder 3"/>
+          <p:cNvSpPr>
+            <a:spLocks noGrp="1"/>
+          </p:cNvSpPr>
+          <p:nvPr>
+            <p:ph type="sldNum" sz="quarter" idx="12"/>
+          </p:nvPr>
+        </p:nvSpPr>
+        <p:spPr/>
+        <p:txBody>
+          <a:bodyPr/>
+          <a:lstStyle/>
+          <a:p>
+            <a:fld id="{38A27C39-69BC-486E-A789-EB1E62B74FE5}" type="slidenum">
+              <a:rPr lang="en-US" smtClean="0"/>
+              <a:t>6</a:t>
+            </a:fld>
+            <a:endParaRPr lang="en-US"/>
+          </a:p>
+        </p:txBody>
+      </p:sp>
+      <p:sp>
+        <p:nvSpPr>
+          <p:cNvPr id="6" name="TextBox 5"/>
+          <p:cNvSpPr txBox="1"/>
+          <p:nvPr/>
+        </p:nvSpPr>
+        <p:spPr>
+          <a:xfrm>
+            <a:off x="263611" y="2356021"/>
+            <a:ext cx="2056717" cy="1200329"/>
+          </a:xfrm>
+          <a:prstGeom prst="rect">
+            <a:avLst/>
+          </a:prstGeom>
+          <a:noFill/>
+        </p:spPr>
+        <p:txBody>
+          <a:bodyPr wrap="none" rtlCol="0">
+            <a:spAutoFit/>
+          </a:bodyPr>
+          <a:lstStyle/>
+          <a:p>
+            <a:r>
+              <a:rPr lang="en-US" sz="2400" dirty="0"/>
+              <a:t>Query = ‘Golf’</a:t>
+            </a:r>
+          </a:p>
+          <a:p>
+            <a:r>
+              <a:rPr lang="en-US" sz="2400" dirty="0"/>
+              <a:t>Distribution of </a:t>
+            </a:r>
+          </a:p>
+          <a:p>
+            <a:r>
+              <a:rPr lang="en-US" sz="2400" dirty="0"/>
+              <a:t>topic weights</a:t>
+            </a:r>
+          </a:p>
+        </p:txBody>
+      </p:sp>
+      <p:sp>
+        <p:nvSpPr>
+          <p:cNvPr id="7" name="TextBox 6"/>
+          <p:cNvSpPr txBox="1"/>
+          <p:nvPr/>
+        </p:nvSpPr>
+        <p:spPr>
+          <a:xfrm>
+            <a:off x="263611" y="6075144"/>
+            <a:ext cx="6304226" cy="646331"/>
+          </a:xfrm>
+          <a:prstGeom prst="rect">
+            <a:avLst/>
+          </a:prstGeom>
+          <a:noFill/>
+        </p:spPr>
+        <p:txBody>
+          <a:bodyPr wrap="none" rtlCol="0">
+            <a:spAutoFit/>
+          </a:bodyPr>
+          <a:lstStyle/>
+          <a:p>
+            <a:r>
+              <a:rPr lang="en-US" dirty="0"/>
+              <a:t>Topic-Sensitive Page Rank </a:t>
+            </a:r>
+            <a:r>
+              <a:rPr lang="en-US" dirty="0" err="1"/>
+              <a:t>Haveliwala</a:t>
+            </a:r>
+            <a:endParaRPr lang="en-US" dirty="0"/>
+          </a:p>
+          <a:p>
+            <a:r>
+              <a:rPr lang="en-US" dirty="0"/>
+              <a:t>http://infolab.stanford.edu/~taherh/papers/slides/tspr-slides.pdf</a:t>
+            </a:r>
+          </a:p>
+        </p:txBody>
+      </p:sp>
+    </p:spTree>
+    <p:extLst>
+      <p:ext uri="{BB962C8B-B14F-4D97-AF65-F5344CB8AC3E}">
+        <p14:creationId xmlns:p14="http://schemas.microsoft.com/office/powerpoint/2010/main" val="2006216318"/>
+      </p:ext>
+    </p:extLst>
+  </p:cSld>
+  <p:clrMapOvr>
+    <a:masterClrMapping/>
+  </p:clrMapOvr>
+</p:sld>
+</file>
+
+<file path=ppt/slides/slide7.xml><?xml version="1.0" encoding="utf-8"?>
+<p:sld xmlns:a="http://schemas.openxmlformats.org/drawingml/2006/main" xmlns:r="http://schemas.openxmlformats.org/officeDocument/2006/relationships" xmlns:p="http://schemas.openxmlformats.org/presentationml/2006/main">
+  <p:cSld>
+    <p:spTree>
+      <p:nvGrpSpPr>
+        <p:cNvPr id="1" name=""/>
+        <p:cNvGrpSpPr/>
+        <p:nvPr/>
+      </p:nvGrpSpPr>
+      <p:grpSpPr>
+        <a:xfrm>
+          <a:off x="0" y="0"/>
+          <a:ext cx="0" cy="0"/>
+          <a:chOff x="0" y="0"/>
+          <a:chExt cx="0" cy="0"/>
+        </a:xfrm>
+      </p:grpSpPr>
+      <p:sp>
+        <p:nvSpPr>
+          <p:cNvPr id="2" name="Title 1"/>
+          <p:cNvSpPr>
+            <a:spLocks noGrp="1"/>
+          </p:cNvSpPr>
+          <p:nvPr>
+            <p:ph type="title"/>
+          </p:nvPr>
+        </p:nvSpPr>
+        <p:spPr/>
+        <p:txBody>
+          <a:bodyPr/>
+          <a:lstStyle/>
+          <a:p>
+            <a:r>
+              <a:rPr lang="en-US" dirty="0"/>
               <a:t>Evaluation</a:t>
             </a:r>
-            <a:endParaRPr lang="en-US" dirty="0"/>
           </a:p>
         </p:txBody>
       </p:sp>
@@ -3978,26 +6775,26 @@
           <a:lstStyle/>
           <a:p>
             <a:r>
-              <a:rPr lang="en-US" dirty="0" smtClean="0"/>
+              <a:rPr lang="en-US" dirty="0"/>
               <a:t>User Study</a:t>
             </a:r>
           </a:p>
           <a:p>
             <a:r>
-              <a:rPr lang="en-US" dirty="0" smtClean="0"/>
+              <a:rPr lang="en-US" dirty="0"/>
               <a:t>10 Queries</a:t>
             </a:r>
           </a:p>
           <a:p>
             <a:r>
-              <a:rPr lang="en-US" dirty="0" smtClean="0"/>
+              <a:rPr lang="en-US" dirty="0"/>
               <a:t>Asked which results relevant</a:t>
             </a:r>
           </a:p>
           <a:p>
             <a:r>
-              <a:rPr lang="en-US" dirty="0" smtClean="0"/>
-              <a:t>Asked which Ranking system preferred</a:t>
+              <a:rPr lang="en-US" dirty="0"/>
+              <a:t>Asked which ranking system preferred</a:t>
             </a:r>
           </a:p>
         </p:txBody>
@@ -4019,7 +6816,7 @@
           <a:p>
             <a:fld id="{38A27C39-69BC-486E-A789-EB1E62B74FE5}" type="slidenum">
               <a:rPr lang="en-US" smtClean="0"/>
-              <a:t>10</a:t>
+              <a:t>7</a:t>
             </a:fld>
             <a:endParaRPr lang="en-US"/>
           </a:p>
@@ -4062,7 +6859,7 @@
 </p:sld>
 </file>
 
-<file path=ppt/slides/slide11.xml><?xml version="1.0" encoding="utf-8"?>
+<file path=ppt/slides/slide8.xml><?xml version="1.0" encoding="utf-8"?>
 <p:sld xmlns:a="http://schemas.openxmlformats.org/drawingml/2006/main" xmlns:r="http://schemas.openxmlformats.org/officeDocument/2006/relationships" xmlns:p="http://schemas.openxmlformats.org/presentationml/2006/main">
   <p:cSld>
     <p:spTree>
@@ -4096,7 +6893,7 @@
           <a:p>
             <a:fld id="{38A27C39-69BC-486E-A789-EB1E62B74FE5}" type="slidenum">
               <a:rPr lang="en-US" smtClean="0"/>
-              <a:t>11</a:t>
+              <a:t>8</a:t>
             </a:fld>
             <a:endParaRPr lang="en-US"/>
           </a:p>
@@ -4139,2631 +6936,6 @@
 </p:sld>
 </file>
 
-<file path=ppt/slides/slide12.xml><?xml version="1.0" encoding="utf-8"?>
-<p:sld xmlns:a="http://schemas.openxmlformats.org/drawingml/2006/main" xmlns:r="http://schemas.openxmlformats.org/officeDocument/2006/relationships" xmlns:p="http://schemas.openxmlformats.org/presentationml/2006/main">
-  <p:cSld>
-    <p:spTree>
-      <p:nvGrpSpPr>
-        <p:cNvPr id="1" name=""/>
-        <p:cNvGrpSpPr/>
-        <p:nvPr/>
-      </p:nvGrpSpPr>
-      <p:grpSpPr>
-        <a:xfrm>
-          <a:off x="0" y="0"/>
-          <a:ext cx="0" cy="0"/>
-          <a:chOff x="0" y="0"/>
-          <a:chExt cx="0" cy="0"/>
-        </a:xfrm>
-      </p:grpSpPr>
-      <p:sp>
-        <p:nvSpPr>
-          <p:cNvPr id="2" name="Title 1"/>
-          <p:cNvSpPr>
-            <a:spLocks noGrp="1"/>
-          </p:cNvSpPr>
-          <p:nvPr>
-            <p:ph type="title"/>
-          </p:nvPr>
-        </p:nvSpPr>
-        <p:spPr/>
-        <p:txBody>
-          <a:bodyPr/>
-          <a:lstStyle/>
-          <a:p>
-            <a:r>
-              <a:rPr lang="en-US" dirty="0" err="1" smtClean="0"/>
-              <a:t>TwitterRank</a:t>
-            </a:r>
-            <a:r>
-              <a:rPr lang="en-US" dirty="0" smtClean="0"/>
-              <a:t>: Finding Topic-sensitive Influential </a:t>
-            </a:r>
-            <a:r>
-              <a:rPr lang="en-US" dirty="0" err="1" smtClean="0"/>
-              <a:t>Twitterers</a:t>
-            </a:r>
-            <a:endParaRPr lang="en-US" dirty="0"/>
-          </a:p>
-        </p:txBody>
-      </p:sp>
-      <p:sp>
-        <p:nvSpPr>
-          <p:cNvPr id="3" name="Content Placeholder 2"/>
-          <p:cNvSpPr>
-            <a:spLocks noGrp="1"/>
-          </p:cNvSpPr>
-          <p:nvPr>
-            <p:ph idx="1"/>
-          </p:nvPr>
-        </p:nvSpPr>
-        <p:spPr/>
-        <p:txBody>
-          <a:bodyPr/>
-          <a:lstStyle/>
-          <a:p>
-            <a:r>
-              <a:rPr lang="en-US" dirty="0" err="1" smtClean="0"/>
-              <a:t>Homophily</a:t>
-            </a:r>
-            <a:r>
-              <a:rPr lang="en-US" dirty="0" smtClean="0"/>
-              <a:t> Exists in Twitter</a:t>
-            </a:r>
-          </a:p>
-          <a:p>
-            <a:r>
-              <a:rPr lang="en-US" dirty="0" smtClean="0"/>
-              <a:t>Explain what Twitter Rank is</a:t>
-            </a:r>
-          </a:p>
-          <a:p>
-            <a:r>
-              <a:rPr lang="en-US" dirty="0" smtClean="0"/>
-              <a:t>How Twitter Rank works</a:t>
-            </a:r>
-          </a:p>
-          <a:p>
-            <a:r>
-              <a:rPr lang="en-US" dirty="0" smtClean="0"/>
-              <a:t>Results</a:t>
-            </a:r>
-          </a:p>
-          <a:p>
-            <a:r>
-              <a:rPr lang="en-US" dirty="0" smtClean="0"/>
-              <a:t>Take Away</a:t>
-            </a:r>
-            <a:endParaRPr lang="en-US" dirty="0"/>
-          </a:p>
-        </p:txBody>
-      </p:sp>
-      <p:sp>
-        <p:nvSpPr>
-          <p:cNvPr id="5" name="Slide Number Placeholder 4"/>
-          <p:cNvSpPr>
-            <a:spLocks noGrp="1"/>
-          </p:cNvSpPr>
-          <p:nvPr>
-            <p:ph type="sldNum" sz="quarter" idx="12"/>
-          </p:nvPr>
-        </p:nvSpPr>
-        <p:spPr/>
-        <p:txBody>
-          <a:bodyPr/>
-          <a:lstStyle/>
-          <a:p>
-            <a:fld id="{38A27C39-69BC-486E-A789-EB1E62B74FE5}" type="slidenum">
-              <a:rPr lang="en-US" smtClean="0"/>
-              <a:t>12</a:t>
-            </a:fld>
-            <a:endParaRPr lang="en-US"/>
-          </a:p>
-        </p:txBody>
-      </p:sp>
-    </p:spTree>
-    <p:extLst>
-      <p:ext uri="{BB962C8B-B14F-4D97-AF65-F5344CB8AC3E}">
-        <p14:creationId xmlns:p14="http://schemas.microsoft.com/office/powerpoint/2010/main" val="997622093"/>
-      </p:ext>
-    </p:extLst>
-  </p:cSld>
-  <p:clrMapOvr>
-    <a:masterClrMapping/>
-  </p:clrMapOvr>
-</p:sld>
-</file>
-
-<file path=ppt/slides/slide13.xml><?xml version="1.0" encoding="utf-8"?>
-<p:sld xmlns:a="http://schemas.openxmlformats.org/drawingml/2006/main" xmlns:r="http://schemas.openxmlformats.org/officeDocument/2006/relationships" xmlns:p="http://schemas.openxmlformats.org/presentationml/2006/main">
-  <p:cSld>
-    <p:spTree>
-      <p:nvGrpSpPr>
-        <p:cNvPr id="1" name=""/>
-        <p:cNvGrpSpPr/>
-        <p:nvPr/>
-      </p:nvGrpSpPr>
-      <p:grpSpPr>
-        <a:xfrm>
-          <a:off x="0" y="0"/>
-          <a:ext cx="0" cy="0"/>
-          <a:chOff x="0" y="0"/>
-          <a:chExt cx="0" cy="0"/>
-        </a:xfrm>
-      </p:grpSpPr>
-      <p:sp>
-        <p:nvSpPr>
-          <p:cNvPr id="2" name="Title 1"/>
-          <p:cNvSpPr>
-            <a:spLocks noGrp="1"/>
-          </p:cNvSpPr>
-          <p:nvPr>
-            <p:ph type="title"/>
-          </p:nvPr>
-        </p:nvSpPr>
-        <p:spPr/>
-        <p:txBody>
-          <a:bodyPr/>
-          <a:lstStyle/>
-          <a:p>
-            <a:r>
-              <a:rPr lang="en-US" dirty="0" smtClean="0"/>
-              <a:t>TSPR vs </a:t>
-            </a:r>
-            <a:r>
-              <a:rPr lang="en-US" dirty="0" err="1" smtClean="0"/>
-              <a:t>TwitterRank</a:t>
-            </a:r>
-            <a:endParaRPr lang="en-US" dirty="0"/>
-          </a:p>
-        </p:txBody>
-      </p:sp>
-      <p:sp>
-        <p:nvSpPr>
-          <p:cNvPr id="3" name="Content Placeholder 2"/>
-          <p:cNvSpPr>
-            <a:spLocks noGrp="1"/>
-          </p:cNvSpPr>
-          <p:nvPr>
-            <p:ph idx="1"/>
-          </p:nvPr>
-        </p:nvSpPr>
-        <p:spPr/>
-        <p:txBody>
-          <a:bodyPr/>
-          <a:lstStyle/>
-          <a:p>
-            <a:r>
-              <a:rPr lang="en-US" dirty="0" smtClean="0"/>
-              <a:t>How are they related</a:t>
-            </a:r>
-            <a:endParaRPr lang="en-US" dirty="0"/>
-          </a:p>
-        </p:txBody>
-      </p:sp>
-      <p:sp>
-        <p:nvSpPr>
-          <p:cNvPr id="5" name="Slide Number Placeholder 4"/>
-          <p:cNvSpPr>
-            <a:spLocks noGrp="1"/>
-          </p:cNvSpPr>
-          <p:nvPr>
-            <p:ph type="sldNum" sz="quarter" idx="12"/>
-          </p:nvPr>
-        </p:nvSpPr>
-        <p:spPr/>
-        <p:txBody>
-          <a:bodyPr/>
-          <a:lstStyle/>
-          <a:p>
-            <a:fld id="{38A27C39-69BC-486E-A789-EB1E62B74FE5}" type="slidenum">
-              <a:rPr lang="en-US" smtClean="0"/>
-              <a:t>13</a:t>
-            </a:fld>
-            <a:endParaRPr lang="en-US"/>
-          </a:p>
-        </p:txBody>
-      </p:sp>
-    </p:spTree>
-    <p:extLst>
-      <p:ext uri="{BB962C8B-B14F-4D97-AF65-F5344CB8AC3E}">
-        <p14:creationId xmlns:p14="http://schemas.microsoft.com/office/powerpoint/2010/main" val="1125663463"/>
-      </p:ext>
-    </p:extLst>
-  </p:cSld>
-  <p:clrMapOvr>
-    <a:masterClrMapping/>
-  </p:clrMapOvr>
-</p:sld>
-</file>
-
-<file path=ppt/slides/slide2.xml><?xml version="1.0" encoding="utf-8"?>
-<p:sld xmlns:a="http://schemas.openxmlformats.org/drawingml/2006/main" xmlns:r="http://schemas.openxmlformats.org/officeDocument/2006/relationships" xmlns:p="http://schemas.openxmlformats.org/presentationml/2006/main">
-  <p:cSld>
-    <p:spTree>
-      <p:nvGrpSpPr>
-        <p:cNvPr id="1" name=""/>
-        <p:cNvGrpSpPr/>
-        <p:nvPr/>
-      </p:nvGrpSpPr>
-      <p:grpSpPr>
-        <a:xfrm>
-          <a:off x="0" y="0"/>
-          <a:ext cx="0" cy="0"/>
-          <a:chOff x="0" y="0"/>
-          <a:chExt cx="0" cy="0"/>
-        </a:xfrm>
-      </p:grpSpPr>
-      <p:sp>
-        <p:nvSpPr>
-          <p:cNvPr id="2" name="Title 1"/>
-          <p:cNvSpPr>
-            <a:spLocks noGrp="1"/>
-          </p:cNvSpPr>
-          <p:nvPr>
-            <p:ph type="title"/>
-          </p:nvPr>
-        </p:nvSpPr>
-        <p:spPr/>
-        <p:txBody>
-          <a:bodyPr/>
-          <a:lstStyle/>
-          <a:p>
-            <a:r>
-              <a:rPr lang="en-US" dirty="0" smtClean="0"/>
-              <a:t>Topic-Sensitive PageRank</a:t>
-            </a:r>
-            <a:endParaRPr lang="en-US" dirty="0"/>
-          </a:p>
-        </p:txBody>
-      </p:sp>
-      <p:sp>
-        <p:nvSpPr>
-          <p:cNvPr id="3" name="Content Placeholder 2"/>
-          <p:cNvSpPr>
-            <a:spLocks noGrp="1"/>
-          </p:cNvSpPr>
-          <p:nvPr>
-            <p:ph idx="1"/>
-          </p:nvPr>
-        </p:nvSpPr>
-        <p:spPr/>
-        <p:txBody>
-          <a:bodyPr/>
-          <a:lstStyle/>
-          <a:p>
-            <a:r>
-              <a:rPr lang="en-US" dirty="0" smtClean="0"/>
-              <a:t>Recall Page Rank</a:t>
-            </a:r>
-          </a:p>
-          <a:p>
-            <a:r>
-              <a:rPr lang="en-US" dirty="0" smtClean="0"/>
-              <a:t>Difference between Topic Sensitive PageRank</a:t>
-            </a:r>
-          </a:p>
-          <a:p>
-            <a:r>
-              <a:rPr lang="en-US" dirty="0" smtClean="0"/>
-              <a:t>Explain how calculated</a:t>
-            </a:r>
-          </a:p>
-          <a:p>
-            <a:r>
-              <a:rPr lang="en-US" dirty="0" smtClean="0"/>
-              <a:t>Results of how accurate</a:t>
-            </a:r>
-          </a:p>
-          <a:p>
-            <a:r>
-              <a:rPr lang="en-US" dirty="0" smtClean="0"/>
-              <a:t>Take Away</a:t>
-            </a:r>
-            <a:endParaRPr lang="en-US" dirty="0"/>
-          </a:p>
-        </p:txBody>
-      </p:sp>
-      <p:sp>
-        <p:nvSpPr>
-          <p:cNvPr id="5" name="Slide Number Placeholder 4"/>
-          <p:cNvSpPr>
-            <a:spLocks noGrp="1"/>
-          </p:cNvSpPr>
-          <p:nvPr>
-            <p:ph type="sldNum" sz="quarter" idx="12"/>
-          </p:nvPr>
-        </p:nvSpPr>
-        <p:spPr/>
-        <p:txBody>
-          <a:bodyPr/>
-          <a:lstStyle/>
-          <a:p>
-            <a:fld id="{38A27C39-69BC-486E-A789-EB1E62B74FE5}" type="slidenum">
-              <a:rPr lang="en-US" smtClean="0"/>
-              <a:t>2</a:t>
-            </a:fld>
-            <a:endParaRPr lang="en-US"/>
-          </a:p>
-        </p:txBody>
-      </p:sp>
-    </p:spTree>
-    <p:extLst>
-      <p:ext uri="{BB962C8B-B14F-4D97-AF65-F5344CB8AC3E}">
-        <p14:creationId xmlns:p14="http://schemas.microsoft.com/office/powerpoint/2010/main" val="432862229"/>
-      </p:ext>
-    </p:extLst>
-  </p:cSld>
-  <p:clrMapOvr>
-    <a:masterClrMapping/>
-  </p:clrMapOvr>
-</p:sld>
-</file>
-
-<file path=ppt/slides/slide3.xml><?xml version="1.0" encoding="utf-8"?>
-<p:sld xmlns:a="http://schemas.openxmlformats.org/drawingml/2006/main" xmlns:r="http://schemas.openxmlformats.org/officeDocument/2006/relationships" xmlns:p="http://schemas.openxmlformats.org/presentationml/2006/main">
-  <p:cSld>
-    <p:spTree>
-      <p:nvGrpSpPr>
-        <p:cNvPr id="1" name=""/>
-        <p:cNvGrpSpPr/>
-        <p:nvPr/>
-      </p:nvGrpSpPr>
-      <p:grpSpPr>
-        <a:xfrm>
-          <a:off x="0" y="0"/>
-          <a:ext cx="0" cy="0"/>
-          <a:chOff x="0" y="0"/>
-          <a:chExt cx="0" cy="0"/>
-        </a:xfrm>
-      </p:grpSpPr>
-      <p:sp>
-        <p:nvSpPr>
-          <p:cNvPr id="2" name="Title 1"/>
-          <p:cNvSpPr>
-            <a:spLocks noGrp="1"/>
-          </p:cNvSpPr>
-          <p:nvPr>
-            <p:ph type="title"/>
-          </p:nvPr>
-        </p:nvSpPr>
-        <p:spPr/>
-        <p:txBody>
-          <a:bodyPr/>
-          <a:lstStyle/>
-          <a:p>
-            <a:r>
-              <a:rPr lang="en-US" dirty="0" smtClean="0"/>
-              <a:t>Page Rank</a:t>
-            </a:r>
-            <a:endParaRPr lang="en-US" dirty="0"/>
-          </a:p>
-        </p:txBody>
-      </p:sp>
-      <p:sp>
-        <p:nvSpPr>
-          <p:cNvPr id="3" name="Content Placeholder 2"/>
-          <p:cNvSpPr>
-            <a:spLocks noGrp="1"/>
-          </p:cNvSpPr>
-          <p:nvPr>
-            <p:ph idx="1"/>
-          </p:nvPr>
-        </p:nvSpPr>
-        <p:spPr>
-          <a:xfrm>
-            <a:off x="838200" y="1825625"/>
-            <a:ext cx="10515600" cy="4351338"/>
-          </a:xfrm>
-        </p:spPr>
-        <p:txBody>
-          <a:bodyPr/>
-          <a:lstStyle/>
-          <a:p>
-            <a:r>
-              <a:rPr lang="en-US" dirty="0" smtClean="0"/>
-              <a:t>If page A has a link to page B, then A is saying that B is important</a:t>
-            </a:r>
-          </a:p>
-          <a:p>
-            <a:r>
-              <a:rPr lang="en-US" dirty="0" smtClean="0"/>
-              <a:t>Random Surfer Model</a:t>
-            </a:r>
-          </a:p>
-          <a:p>
-            <a:pPr lvl="1"/>
-            <a:r>
-              <a:rPr lang="en-US" dirty="0" smtClean="0"/>
-              <a:t>Start at random page </a:t>
-            </a:r>
-          </a:p>
-          <a:p>
-            <a:pPr lvl="1"/>
-            <a:r>
-              <a:rPr lang="en-US" dirty="0" smtClean="0"/>
-              <a:t>Select, at random, link to follow</a:t>
-            </a:r>
-          </a:p>
-          <a:p>
-            <a:pPr lvl="1"/>
-            <a:r>
-              <a:rPr lang="en-US" dirty="0" smtClean="0"/>
-              <a:t>Or jump to total new page</a:t>
-            </a:r>
-          </a:p>
-          <a:p>
-            <a:pPr lvl="1"/>
-            <a:r>
-              <a:rPr lang="en-US" dirty="0" smtClean="0"/>
-              <a:t>PageRank= probability that surfer lands on page</a:t>
-            </a:r>
-            <a:endParaRPr lang="en-US" dirty="0"/>
-          </a:p>
-        </p:txBody>
-      </p:sp>
-      <p:sp>
-        <p:nvSpPr>
-          <p:cNvPr id="31" name="Slide Number Placeholder 30"/>
-          <p:cNvSpPr>
-            <a:spLocks noGrp="1"/>
-          </p:cNvSpPr>
-          <p:nvPr>
-            <p:ph type="sldNum" sz="quarter" idx="12"/>
-          </p:nvPr>
-        </p:nvSpPr>
-        <p:spPr/>
-        <p:txBody>
-          <a:bodyPr/>
-          <a:lstStyle/>
-          <a:p>
-            <a:fld id="{38A27C39-69BC-486E-A789-EB1E62B74FE5}" type="slidenum">
-              <a:rPr lang="en-US" smtClean="0"/>
-              <a:t>3</a:t>
-            </a:fld>
-            <a:endParaRPr lang="en-US"/>
-          </a:p>
-        </p:txBody>
-      </p:sp>
-    </p:spTree>
-    <p:extLst>
-      <p:ext uri="{BB962C8B-B14F-4D97-AF65-F5344CB8AC3E}">
-        <p14:creationId xmlns:p14="http://schemas.microsoft.com/office/powerpoint/2010/main" val="2016428903"/>
-      </p:ext>
-    </p:extLst>
-  </p:cSld>
-  <p:clrMapOvr>
-    <a:masterClrMapping/>
-  </p:clrMapOvr>
-</p:sld>
-</file>
-
-<file path=ppt/slides/slide4.xml><?xml version="1.0" encoding="utf-8"?>
-<p:sld xmlns:a="http://schemas.openxmlformats.org/drawingml/2006/main" xmlns:r="http://schemas.openxmlformats.org/officeDocument/2006/relationships" xmlns:p="http://schemas.openxmlformats.org/presentationml/2006/main">
-  <p:cSld>
-    <p:spTree>
-      <p:nvGrpSpPr>
-        <p:cNvPr id="1" name=""/>
-        <p:cNvGrpSpPr/>
-        <p:nvPr/>
-      </p:nvGrpSpPr>
-      <p:grpSpPr>
-        <a:xfrm>
-          <a:off x="0" y="0"/>
-          <a:ext cx="0" cy="0"/>
-          <a:chOff x="0" y="0"/>
-          <a:chExt cx="0" cy="0"/>
-        </a:xfrm>
-      </p:grpSpPr>
-      <p:sp>
-        <p:nvSpPr>
-          <p:cNvPr id="78849" name="Title 1"/>
-          <p:cNvSpPr>
-            <a:spLocks noGrp="1"/>
-          </p:cNvSpPr>
-          <p:nvPr>
-            <p:ph type="title"/>
-          </p:nvPr>
-        </p:nvSpPr>
-        <p:spPr/>
-        <p:txBody>
-          <a:bodyPr/>
-          <a:lstStyle/>
-          <a:p>
-            <a:pPr eaLnBrk="1" hangingPunct="1"/>
-            <a:r>
-              <a:rPr lang="en-US" dirty="0" smtClean="0">
-                <a:ea typeface="ＭＳ Ｐゴシック" panose="020B0600070205080204" pitchFamily="34" charset="-128"/>
-              </a:rPr>
-              <a:t>PageRank Definition</a:t>
-            </a:r>
-          </a:p>
-        </p:txBody>
-      </p:sp>
-      <p:graphicFrame>
-        <p:nvGraphicFramePr>
-          <p:cNvPr id="78850" name="Object 3"/>
-          <p:cNvGraphicFramePr>
-            <a:graphicFrameLocks noChangeAspect="1"/>
-          </p:cNvGraphicFramePr>
-          <p:nvPr/>
-        </p:nvGraphicFramePr>
-        <p:xfrm>
-          <a:off x="2260601" y="2662238"/>
-          <a:ext cx="7516813" cy="1619250"/>
-        </p:xfrm>
-        <a:graphic>
-          <a:graphicData uri="http://schemas.openxmlformats.org/presentationml/2006/ole">
-            <mc:AlternateContent xmlns:mc="http://schemas.openxmlformats.org/markup-compatibility/2006">
-              <mc:Choice xmlns:v="urn:schemas-microsoft-com:vml" Requires="v">
-                <p:oleObj spid="_x0000_s1029" name="Equation" r:id="rId4" imgW="2298700" imgH="495300" progId="Equation.3">
-                  <p:embed/>
-                </p:oleObj>
-              </mc:Choice>
-              <mc:Fallback>
-                <p:oleObj name="Equation" r:id="rId4" imgW="2298700" imgH="495300" progId="Equation.3">
-                  <p:embed/>
-                  <p:pic>
-                    <p:nvPicPr>
-                      <p:cNvPr id="0" name=""/>
-                      <p:cNvPicPr>
-                        <a:picLocks noChangeAspect="1" noChangeArrowheads="1"/>
-                      </p:cNvPicPr>
-                      <p:nvPr/>
-                    </p:nvPicPr>
-                    <p:blipFill>
-                      <a:blip r:embed="rId5">
-                        <a:extLst>
-                          <a:ext uri="{28A0092B-C50C-407E-A947-70E740481C1C}">
-                            <a14:useLocalDpi xmlns:a14="http://schemas.microsoft.com/office/drawing/2010/main" val="0"/>
-                          </a:ext>
-                        </a:extLst>
-                      </a:blip>
-                      <a:srcRect/>
-                      <a:stretch>
-                        <a:fillRect/>
-                      </a:stretch>
-                    </p:blipFill>
-                    <p:spPr bwMode="auto">
-                      <a:xfrm>
-                        <a:off x="2260601" y="2662238"/>
-                        <a:ext cx="7516813" cy="1619250"/>
-                      </a:xfrm>
-                      <a:prstGeom prst="rect">
-                        <a:avLst/>
-                      </a:prstGeom>
-                      <a:noFill/>
-                      <a:ln>
-                        <a:noFill/>
-                      </a:ln>
-                      <a:extLst>
-                        <a:ext uri="{909E8E84-426E-40DD-AFC4-6F175D3DCCD1}">
-                          <a14:hiddenFill xmlns:a14="http://schemas.microsoft.com/office/drawing/2010/main">
-                            <a:solidFill>
-                              <a:srgbClr val="FFFFFF"/>
-                            </a:solidFill>
-                          </a14:hiddenFill>
-                        </a:ext>
-                        <a:ext uri="{91240B29-F687-4F45-9708-019B960494DF}">
-                          <a14:hiddenLine xmlns:a14="http://schemas.microsoft.com/office/drawing/2010/main" w="9525">
-                            <a:solidFill>
-                              <a:srgbClr val="000000"/>
-                            </a:solidFill>
-                            <a:miter lim="800000"/>
-                            <a:headEnd/>
-                            <a:tailEnd/>
-                          </a14:hiddenLine>
-                        </a:ext>
-                      </a:extLst>
-                    </p:spPr>
-                  </p:pic>
-                </p:oleObj>
-              </mc:Fallback>
-            </mc:AlternateContent>
-          </a:graphicData>
-        </a:graphic>
-      </p:graphicFrame>
-      <p:cxnSp>
-        <p:nvCxnSpPr>
-          <p:cNvPr id="78851" name="Straight Arrow Connector 5"/>
-          <p:cNvCxnSpPr>
-            <a:cxnSpLocks noChangeShapeType="1"/>
-          </p:cNvCxnSpPr>
-          <p:nvPr/>
-        </p:nvCxnSpPr>
-        <p:spPr bwMode="auto">
-          <a:xfrm rot="5400000" flipH="1" flipV="1">
-            <a:off x="2447132" y="4029869"/>
-            <a:ext cx="838200" cy="398463"/>
-          </a:xfrm>
-          <a:prstGeom prst="straightConnector1">
-            <a:avLst/>
-          </a:prstGeom>
-          <a:noFill/>
-          <a:ln w="25400">
-            <a:solidFill>
-              <a:srgbClr val="C00000"/>
-            </a:solidFill>
-            <a:round/>
-            <a:headEnd/>
-            <a:tailEnd type="stealth" w="lg" len="lg"/>
-          </a:ln>
-          <a:extLst>
-            <a:ext uri="{909E8E84-426E-40DD-AFC4-6F175D3DCCD1}">
-              <a14:hiddenFill xmlns:a14="http://schemas.microsoft.com/office/drawing/2010/main">
-                <a:noFill/>
-              </a14:hiddenFill>
-            </a:ext>
-          </a:extLst>
-        </p:spPr>
-      </p:cxnSp>
-      <p:sp>
-        <p:nvSpPr>
-          <p:cNvPr id="78852" name="TextBox 7"/>
-          <p:cNvSpPr txBox="1">
-            <a:spLocks noChangeArrowheads="1"/>
-          </p:cNvSpPr>
-          <p:nvPr/>
-        </p:nvSpPr>
-        <p:spPr bwMode="auto">
-          <a:xfrm>
-            <a:off x="1524000" y="4800601"/>
-            <a:ext cx="1905000" cy="830997"/>
-          </a:xfrm>
-          <a:prstGeom prst="rect">
-            <a:avLst/>
-          </a:prstGeom>
-          <a:noFill/>
-          <a:ln>
-            <a:noFill/>
-          </a:ln>
-          <a:extLst>
-            <a:ext uri="{909E8E84-426E-40DD-AFC4-6F175D3DCCD1}">
-              <a14:hiddenFill xmlns:a14="http://schemas.microsoft.com/office/drawing/2010/main">
-                <a:solidFill>
-                  <a:srgbClr val="FFFFFF"/>
-                </a:solidFill>
-              </a14:hiddenFill>
-            </a:ext>
-            <a:ext uri="{91240B29-F687-4F45-9708-019B960494DF}">
-              <a14:hiddenLine xmlns:a14="http://schemas.microsoft.com/office/drawing/2010/main" w="9525">
-                <a:solidFill>
-                  <a:srgbClr val="000000"/>
-                </a:solidFill>
-                <a:miter lim="800000"/>
-                <a:headEnd/>
-                <a:tailEnd/>
-              </a14:hiddenLine>
-            </a:ext>
-          </a:extLst>
-        </p:spPr>
-        <p:txBody>
-          <a:bodyPr>
-            <a:spAutoFit/>
-          </a:bodyPr>
-          <a:lstStyle>
-            <a:lvl1pPr eaLnBrk="0" hangingPunct="0">
-              <a:defRPr sz="1400">
-                <a:solidFill>
-                  <a:schemeClr val="tx1"/>
-                </a:solidFill>
-                <a:latin typeface="Arial" panose="020B0604020202020204" pitchFamily="34" charset="0"/>
-                <a:ea typeface="ＭＳ Ｐゴシック" panose="020B0600070205080204" pitchFamily="34" charset="-128"/>
-              </a:defRPr>
-            </a:lvl1pPr>
-            <a:lvl2pPr marL="742950" indent="-285750" eaLnBrk="0" hangingPunct="0">
-              <a:defRPr sz="1400">
-                <a:solidFill>
-                  <a:schemeClr val="tx1"/>
-                </a:solidFill>
-                <a:latin typeface="Arial" panose="020B0604020202020204" pitchFamily="34" charset="0"/>
-                <a:ea typeface="ＭＳ Ｐゴシック" panose="020B0600070205080204" pitchFamily="34" charset="-128"/>
-              </a:defRPr>
-            </a:lvl2pPr>
-            <a:lvl3pPr marL="1143000" indent="-228600" eaLnBrk="0" hangingPunct="0">
-              <a:defRPr sz="1400">
-                <a:solidFill>
-                  <a:schemeClr val="tx1"/>
-                </a:solidFill>
-                <a:latin typeface="Arial" panose="020B0604020202020204" pitchFamily="34" charset="0"/>
-                <a:ea typeface="ＭＳ Ｐゴシック" panose="020B0600070205080204" pitchFamily="34" charset="-128"/>
-              </a:defRPr>
-            </a:lvl3pPr>
-            <a:lvl4pPr marL="1600200" indent="-228600" eaLnBrk="0" hangingPunct="0">
-              <a:defRPr sz="1400">
-                <a:solidFill>
-                  <a:schemeClr val="tx1"/>
-                </a:solidFill>
-                <a:latin typeface="Arial" panose="020B0604020202020204" pitchFamily="34" charset="0"/>
-                <a:ea typeface="ＭＳ Ｐゴシック" panose="020B0600070205080204" pitchFamily="34" charset="-128"/>
-              </a:defRPr>
-            </a:lvl4pPr>
-            <a:lvl5pPr marL="2057400" indent="-228600" eaLnBrk="0" hangingPunct="0">
-              <a:defRPr sz="1400">
-                <a:solidFill>
-                  <a:schemeClr val="tx1"/>
-                </a:solidFill>
-                <a:latin typeface="Arial" panose="020B0604020202020204" pitchFamily="34" charset="0"/>
-                <a:ea typeface="ＭＳ Ｐゴシック" panose="020B0600070205080204" pitchFamily="34" charset="-128"/>
-              </a:defRPr>
-            </a:lvl5pPr>
-            <a:lvl6pPr marL="2514600" indent="-228600" eaLnBrk="0" fontAlgn="base" hangingPunct="0">
-              <a:spcBef>
-                <a:spcPct val="0"/>
-              </a:spcBef>
-              <a:spcAft>
-                <a:spcPct val="0"/>
-              </a:spcAft>
-              <a:defRPr sz="1400">
-                <a:solidFill>
-                  <a:schemeClr val="tx1"/>
-                </a:solidFill>
-                <a:latin typeface="Arial" panose="020B0604020202020204" pitchFamily="34" charset="0"/>
-                <a:ea typeface="ＭＳ Ｐゴシック" panose="020B0600070205080204" pitchFamily="34" charset="-128"/>
-              </a:defRPr>
-            </a:lvl6pPr>
-            <a:lvl7pPr marL="2971800" indent="-228600" eaLnBrk="0" fontAlgn="base" hangingPunct="0">
-              <a:spcBef>
-                <a:spcPct val="0"/>
-              </a:spcBef>
-              <a:spcAft>
-                <a:spcPct val="0"/>
-              </a:spcAft>
-              <a:defRPr sz="1400">
-                <a:solidFill>
-                  <a:schemeClr val="tx1"/>
-                </a:solidFill>
-                <a:latin typeface="Arial" panose="020B0604020202020204" pitchFamily="34" charset="0"/>
-                <a:ea typeface="ＭＳ Ｐゴシック" panose="020B0600070205080204" pitchFamily="34" charset="-128"/>
-              </a:defRPr>
-            </a:lvl7pPr>
-            <a:lvl8pPr marL="3429000" indent="-228600" eaLnBrk="0" fontAlgn="base" hangingPunct="0">
-              <a:spcBef>
-                <a:spcPct val="0"/>
-              </a:spcBef>
-              <a:spcAft>
-                <a:spcPct val="0"/>
-              </a:spcAft>
-              <a:defRPr sz="1400">
-                <a:solidFill>
-                  <a:schemeClr val="tx1"/>
-                </a:solidFill>
-                <a:latin typeface="Arial" panose="020B0604020202020204" pitchFamily="34" charset="0"/>
-                <a:ea typeface="ＭＳ Ｐゴシック" panose="020B0600070205080204" pitchFamily="34" charset="-128"/>
-              </a:defRPr>
-            </a:lvl8pPr>
-            <a:lvl9pPr marL="3886200" indent="-228600" eaLnBrk="0" fontAlgn="base" hangingPunct="0">
-              <a:spcBef>
-                <a:spcPct val="0"/>
-              </a:spcBef>
-              <a:spcAft>
-                <a:spcPct val="0"/>
-              </a:spcAft>
-              <a:defRPr sz="1400">
-                <a:solidFill>
-                  <a:schemeClr val="tx1"/>
-                </a:solidFill>
-                <a:latin typeface="Arial" panose="020B0604020202020204" pitchFamily="34" charset="0"/>
-                <a:ea typeface="ＭＳ Ｐゴシック" panose="020B0600070205080204" pitchFamily="34" charset="-128"/>
-              </a:defRPr>
-            </a:lvl9pPr>
-          </a:lstStyle>
-          <a:p>
-            <a:pPr algn="ctr" eaLnBrk="1" hangingPunct="1"/>
-            <a:r>
-              <a:rPr lang="en-US" sz="2400">
-                <a:latin typeface="Calibri" panose="020F0502020204030204" pitchFamily="34" charset="0"/>
-              </a:rPr>
-              <a:t>PageRank of </a:t>
-            </a:r>
-            <a:br>
-              <a:rPr lang="en-US" sz="2400">
-                <a:latin typeface="Calibri" panose="020F0502020204030204" pitchFamily="34" charset="0"/>
-              </a:rPr>
-            </a:br>
-            <a:r>
-              <a:rPr lang="en-US" sz="2400">
-                <a:latin typeface="Calibri" panose="020F0502020204030204" pitchFamily="34" charset="0"/>
-              </a:rPr>
-              <a:t>page </a:t>
-            </a:r>
-            <a:r>
-              <a:rPr lang="en-US" sz="2400" i="1">
-                <a:latin typeface="Calibri" panose="020F0502020204030204" pitchFamily="34" charset="0"/>
-              </a:rPr>
-              <a:t>P</a:t>
-            </a:r>
-            <a:r>
-              <a:rPr lang="en-US" sz="2400" i="1" baseline="-25000">
-                <a:latin typeface="Calibri" panose="020F0502020204030204" pitchFamily="34" charset="0"/>
-              </a:rPr>
-              <a:t>i</a:t>
-            </a:r>
-          </a:p>
-        </p:txBody>
-      </p:sp>
-      <p:sp>
-        <p:nvSpPr>
-          <p:cNvPr id="78853" name="TextBox 8"/>
-          <p:cNvSpPr txBox="1">
-            <a:spLocks noChangeArrowheads="1"/>
-          </p:cNvSpPr>
-          <p:nvPr/>
-        </p:nvSpPr>
-        <p:spPr bwMode="auto">
-          <a:xfrm>
-            <a:off x="4953000" y="5486401"/>
-            <a:ext cx="2819400" cy="830997"/>
-          </a:xfrm>
-          <a:prstGeom prst="rect">
-            <a:avLst/>
-          </a:prstGeom>
-          <a:noFill/>
-          <a:ln>
-            <a:noFill/>
-          </a:ln>
-          <a:extLst>
-            <a:ext uri="{909E8E84-426E-40DD-AFC4-6F175D3DCCD1}">
-              <a14:hiddenFill xmlns:a14="http://schemas.microsoft.com/office/drawing/2010/main">
-                <a:solidFill>
-                  <a:srgbClr val="FFFFFF"/>
-                </a:solidFill>
-              </a14:hiddenFill>
-            </a:ext>
-            <a:ext uri="{91240B29-F687-4F45-9708-019B960494DF}">
-              <a14:hiddenLine xmlns:a14="http://schemas.microsoft.com/office/drawing/2010/main" w="9525">
-                <a:solidFill>
-                  <a:srgbClr val="000000"/>
-                </a:solidFill>
-                <a:miter lim="800000"/>
-                <a:headEnd/>
-                <a:tailEnd/>
-              </a14:hiddenLine>
-            </a:ext>
-          </a:extLst>
-        </p:spPr>
-        <p:txBody>
-          <a:bodyPr>
-            <a:spAutoFit/>
-          </a:bodyPr>
-          <a:lstStyle>
-            <a:lvl1pPr eaLnBrk="0" hangingPunct="0">
-              <a:defRPr sz="1400">
-                <a:solidFill>
-                  <a:schemeClr val="tx1"/>
-                </a:solidFill>
-                <a:latin typeface="Arial" panose="020B0604020202020204" pitchFamily="34" charset="0"/>
-                <a:ea typeface="ＭＳ Ｐゴシック" panose="020B0600070205080204" pitchFamily="34" charset="-128"/>
-              </a:defRPr>
-            </a:lvl1pPr>
-            <a:lvl2pPr marL="742950" indent="-285750" eaLnBrk="0" hangingPunct="0">
-              <a:defRPr sz="1400">
-                <a:solidFill>
-                  <a:schemeClr val="tx1"/>
-                </a:solidFill>
-                <a:latin typeface="Arial" panose="020B0604020202020204" pitchFamily="34" charset="0"/>
-                <a:ea typeface="ＭＳ Ｐゴシック" panose="020B0600070205080204" pitchFamily="34" charset="-128"/>
-              </a:defRPr>
-            </a:lvl2pPr>
-            <a:lvl3pPr marL="1143000" indent="-228600" eaLnBrk="0" hangingPunct="0">
-              <a:defRPr sz="1400">
-                <a:solidFill>
-                  <a:schemeClr val="tx1"/>
-                </a:solidFill>
-                <a:latin typeface="Arial" panose="020B0604020202020204" pitchFamily="34" charset="0"/>
-                <a:ea typeface="ＭＳ Ｐゴシック" panose="020B0600070205080204" pitchFamily="34" charset="-128"/>
-              </a:defRPr>
-            </a:lvl3pPr>
-            <a:lvl4pPr marL="1600200" indent="-228600" eaLnBrk="0" hangingPunct="0">
-              <a:defRPr sz="1400">
-                <a:solidFill>
-                  <a:schemeClr val="tx1"/>
-                </a:solidFill>
-                <a:latin typeface="Arial" panose="020B0604020202020204" pitchFamily="34" charset="0"/>
-                <a:ea typeface="ＭＳ Ｐゴシック" panose="020B0600070205080204" pitchFamily="34" charset="-128"/>
-              </a:defRPr>
-            </a:lvl4pPr>
-            <a:lvl5pPr marL="2057400" indent="-228600" eaLnBrk="0" hangingPunct="0">
-              <a:defRPr sz="1400">
-                <a:solidFill>
-                  <a:schemeClr val="tx1"/>
-                </a:solidFill>
-                <a:latin typeface="Arial" panose="020B0604020202020204" pitchFamily="34" charset="0"/>
-                <a:ea typeface="ＭＳ Ｐゴシック" panose="020B0600070205080204" pitchFamily="34" charset="-128"/>
-              </a:defRPr>
-            </a:lvl5pPr>
-            <a:lvl6pPr marL="2514600" indent="-228600" eaLnBrk="0" fontAlgn="base" hangingPunct="0">
-              <a:spcBef>
-                <a:spcPct val="0"/>
-              </a:spcBef>
-              <a:spcAft>
-                <a:spcPct val="0"/>
-              </a:spcAft>
-              <a:defRPr sz="1400">
-                <a:solidFill>
-                  <a:schemeClr val="tx1"/>
-                </a:solidFill>
-                <a:latin typeface="Arial" panose="020B0604020202020204" pitchFamily="34" charset="0"/>
-                <a:ea typeface="ＭＳ Ｐゴシック" panose="020B0600070205080204" pitchFamily="34" charset="-128"/>
-              </a:defRPr>
-            </a:lvl6pPr>
-            <a:lvl7pPr marL="2971800" indent="-228600" eaLnBrk="0" fontAlgn="base" hangingPunct="0">
-              <a:spcBef>
-                <a:spcPct val="0"/>
-              </a:spcBef>
-              <a:spcAft>
-                <a:spcPct val="0"/>
-              </a:spcAft>
-              <a:defRPr sz="1400">
-                <a:solidFill>
-                  <a:schemeClr val="tx1"/>
-                </a:solidFill>
-                <a:latin typeface="Arial" panose="020B0604020202020204" pitchFamily="34" charset="0"/>
-                <a:ea typeface="ＭＳ Ｐゴシック" panose="020B0600070205080204" pitchFamily="34" charset="-128"/>
-              </a:defRPr>
-            </a:lvl7pPr>
-            <a:lvl8pPr marL="3429000" indent="-228600" eaLnBrk="0" fontAlgn="base" hangingPunct="0">
-              <a:spcBef>
-                <a:spcPct val="0"/>
-              </a:spcBef>
-              <a:spcAft>
-                <a:spcPct val="0"/>
-              </a:spcAft>
-              <a:defRPr sz="1400">
-                <a:solidFill>
-                  <a:schemeClr val="tx1"/>
-                </a:solidFill>
-                <a:latin typeface="Arial" panose="020B0604020202020204" pitchFamily="34" charset="0"/>
-                <a:ea typeface="ＭＳ Ｐゴシック" panose="020B0600070205080204" pitchFamily="34" charset="-128"/>
-              </a:defRPr>
-            </a:lvl8pPr>
-            <a:lvl9pPr marL="3886200" indent="-228600" eaLnBrk="0" fontAlgn="base" hangingPunct="0">
-              <a:spcBef>
-                <a:spcPct val="0"/>
-              </a:spcBef>
-              <a:spcAft>
-                <a:spcPct val="0"/>
-              </a:spcAft>
-              <a:defRPr sz="1400">
-                <a:solidFill>
-                  <a:schemeClr val="tx1"/>
-                </a:solidFill>
-                <a:latin typeface="Arial" panose="020B0604020202020204" pitchFamily="34" charset="0"/>
-                <a:ea typeface="ＭＳ Ｐゴシック" panose="020B0600070205080204" pitchFamily="34" charset="-128"/>
-              </a:defRPr>
-            </a:lvl9pPr>
-          </a:lstStyle>
-          <a:p>
-            <a:pPr algn="ctr" eaLnBrk="1" hangingPunct="1"/>
-            <a:r>
-              <a:rPr lang="en-US" sz="2400" i="1">
-                <a:latin typeface="Calibri" panose="020F0502020204030204" pitchFamily="34" charset="0"/>
-              </a:rPr>
-              <a:t>B</a:t>
-            </a:r>
-            <a:r>
-              <a:rPr lang="en-US" sz="2400" i="1" baseline="-25000">
-                <a:latin typeface="Calibri" panose="020F0502020204030204" pitchFamily="34" charset="0"/>
-              </a:rPr>
-              <a:t>Pi</a:t>
-            </a:r>
-            <a:r>
-              <a:rPr lang="en-US" sz="2400">
-                <a:latin typeface="Calibri" panose="020F0502020204030204" pitchFamily="34" charset="0"/>
-              </a:rPr>
-              <a:t> is set of all pages pointing to </a:t>
-            </a:r>
-            <a:r>
-              <a:rPr lang="en-US" sz="2400" i="1">
-                <a:latin typeface="Calibri" panose="020F0502020204030204" pitchFamily="34" charset="0"/>
-              </a:rPr>
-              <a:t>P</a:t>
-            </a:r>
-            <a:r>
-              <a:rPr lang="en-US" sz="2400" i="1" baseline="-25000">
-                <a:latin typeface="Calibri" panose="020F0502020204030204" pitchFamily="34" charset="0"/>
-              </a:rPr>
-              <a:t>i</a:t>
-            </a:r>
-          </a:p>
-        </p:txBody>
-      </p:sp>
-      <p:cxnSp>
-        <p:nvCxnSpPr>
-          <p:cNvPr id="78854" name="Straight Arrow Connector 9"/>
-          <p:cNvCxnSpPr>
-            <a:cxnSpLocks noChangeShapeType="1"/>
-          </p:cNvCxnSpPr>
-          <p:nvPr/>
-        </p:nvCxnSpPr>
-        <p:spPr bwMode="auto">
-          <a:xfrm rot="5400000" flipH="1" flipV="1">
-            <a:off x="6400800" y="4038600"/>
-            <a:ext cx="1447800" cy="1295400"/>
-          </a:xfrm>
-          <a:prstGeom prst="straightConnector1">
-            <a:avLst/>
-          </a:prstGeom>
-          <a:noFill/>
-          <a:ln w="25400">
-            <a:solidFill>
-              <a:srgbClr val="C00000"/>
-            </a:solidFill>
-            <a:round/>
-            <a:headEnd/>
-            <a:tailEnd type="stealth" w="lg" len="lg"/>
-          </a:ln>
-          <a:extLst>
-            <a:ext uri="{909E8E84-426E-40DD-AFC4-6F175D3DCCD1}">
-              <a14:hiddenFill xmlns:a14="http://schemas.microsoft.com/office/drawing/2010/main">
-                <a:noFill/>
-              </a14:hiddenFill>
-            </a:ext>
-          </a:extLst>
-        </p:spPr>
-      </p:cxnSp>
-      <p:sp>
-        <p:nvSpPr>
-          <p:cNvPr id="12" name="Right Brace 11"/>
-          <p:cNvSpPr/>
-          <p:nvPr/>
-        </p:nvSpPr>
-        <p:spPr>
-          <a:xfrm rot="16200000">
-            <a:off x="8039100" y="952500"/>
-            <a:ext cx="304800" cy="3124200"/>
-          </a:xfrm>
-          <a:prstGeom prst="rightBrace">
-            <a:avLst/>
-          </a:prstGeom>
-          <a:ln w="25400">
-            <a:solidFill>
-              <a:srgbClr val="C00000"/>
-            </a:solidFill>
-          </a:ln>
-        </p:spPr>
-        <p:style>
-          <a:lnRef idx="1">
-            <a:schemeClr val="accent1"/>
-          </a:lnRef>
-          <a:fillRef idx="0">
-            <a:schemeClr val="accent1"/>
-          </a:fillRef>
-          <a:effectRef idx="0">
-            <a:schemeClr val="accent1"/>
-          </a:effectRef>
-          <a:fontRef idx="minor">
-            <a:schemeClr val="tx1"/>
-          </a:fontRef>
-        </p:style>
-        <p:txBody>
-          <a:bodyPr anchor="ctr"/>
-          <a:lstStyle/>
-          <a:p>
-            <a:pPr algn="ctr">
-              <a:defRPr/>
-            </a:pPr>
-            <a:endParaRPr lang="en-US">
-              <a:ea typeface="ＭＳ Ｐゴシック" charset="0"/>
-              <a:cs typeface="ＭＳ Ｐゴシック" charset="0"/>
-            </a:endParaRPr>
-          </a:p>
-        </p:txBody>
-      </p:sp>
-      <p:sp>
-        <p:nvSpPr>
-          <p:cNvPr id="78856" name="TextBox 12"/>
-          <p:cNvSpPr txBox="1">
-            <a:spLocks noChangeArrowheads="1"/>
-          </p:cNvSpPr>
-          <p:nvPr/>
-        </p:nvSpPr>
-        <p:spPr bwMode="auto">
-          <a:xfrm>
-            <a:off x="6781800" y="1447801"/>
-            <a:ext cx="2819400" cy="830997"/>
-          </a:xfrm>
-          <a:prstGeom prst="rect">
-            <a:avLst/>
-          </a:prstGeom>
-          <a:noFill/>
-          <a:ln>
-            <a:noFill/>
-          </a:ln>
-          <a:extLst>
-            <a:ext uri="{909E8E84-426E-40DD-AFC4-6F175D3DCCD1}">
-              <a14:hiddenFill xmlns:a14="http://schemas.microsoft.com/office/drawing/2010/main">
-                <a:solidFill>
-                  <a:srgbClr val="FFFFFF"/>
-                </a:solidFill>
-              </a14:hiddenFill>
-            </a:ext>
-            <a:ext uri="{91240B29-F687-4F45-9708-019B960494DF}">
-              <a14:hiddenLine xmlns:a14="http://schemas.microsoft.com/office/drawing/2010/main" w="9525">
-                <a:solidFill>
-                  <a:srgbClr val="000000"/>
-                </a:solidFill>
-                <a:miter lim="800000"/>
-                <a:headEnd/>
-                <a:tailEnd/>
-              </a14:hiddenLine>
-            </a:ext>
-          </a:extLst>
-        </p:spPr>
-        <p:txBody>
-          <a:bodyPr>
-            <a:spAutoFit/>
-          </a:bodyPr>
-          <a:lstStyle>
-            <a:lvl1pPr eaLnBrk="0" hangingPunct="0">
-              <a:defRPr sz="1400">
-                <a:solidFill>
-                  <a:schemeClr val="tx1"/>
-                </a:solidFill>
-                <a:latin typeface="Arial" panose="020B0604020202020204" pitchFamily="34" charset="0"/>
-                <a:ea typeface="ＭＳ Ｐゴシック" panose="020B0600070205080204" pitchFamily="34" charset="-128"/>
-              </a:defRPr>
-            </a:lvl1pPr>
-            <a:lvl2pPr marL="742950" indent="-285750" eaLnBrk="0" hangingPunct="0">
-              <a:defRPr sz="1400">
-                <a:solidFill>
-                  <a:schemeClr val="tx1"/>
-                </a:solidFill>
-                <a:latin typeface="Arial" panose="020B0604020202020204" pitchFamily="34" charset="0"/>
-                <a:ea typeface="ＭＳ Ｐゴシック" panose="020B0600070205080204" pitchFamily="34" charset="-128"/>
-              </a:defRPr>
-            </a:lvl2pPr>
-            <a:lvl3pPr marL="1143000" indent="-228600" eaLnBrk="0" hangingPunct="0">
-              <a:defRPr sz="1400">
-                <a:solidFill>
-                  <a:schemeClr val="tx1"/>
-                </a:solidFill>
-                <a:latin typeface="Arial" panose="020B0604020202020204" pitchFamily="34" charset="0"/>
-                <a:ea typeface="ＭＳ Ｐゴシック" panose="020B0600070205080204" pitchFamily="34" charset="-128"/>
-              </a:defRPr>
-            </a:lvl3pPr>
-            <a:lvl4pPr marL="1600200" indent="-228600" eaLnBrk="0" hangingPunct="0">
-              <a:defRPr sz="1400">
-                <a:solidFill>
-                  <a:schemeClr val="tx1"/>
-                </a:solidFill>
-                <a:latin typeface="Arial" panose="020B0604020202020204" pitchFamily="34" charset="0"/>
-                <a:ea typeface="ＭＳ Ｐゴシック" panose="020B0600070205080204" pitchFamily="34" charset="-128"/>
-              </a:defRPr>
-            </a:lvl4pPr>
-            <a:lvl5pPr marL="2057400" indent="-228600" eaLnBrk="0" hangingPunct="0">
-              <a:defRPr sz="1400">
-                <a:solidFill>
-                  <a:schemeClr val="tx1"/>
-                </a:solidFill>
-                <a:latin typeface="Arial" panose="020B0604020202020204" pitchFamily="34" charset="0"/>
-                <a:ea typeface="ＭＳ Ｐゴシック" panose="020B0600070205080204" pitchFamily="34" charset="-128"/>
-              </a:defRPr>
-            </a:lvl5pPr>
-            <a:lvl6pPr marL="2514600" indent="-228600" eaLnBrk="0" fontAlgn="base" hangingPunct="0">
-              <a:spcBef>
-                <a:spcPct val="0"/>
-              </a:spcBef>
-              <a:spcAft>
-                <a:spcPct val="0"/>
-              </a:spcAft>
-              <a:defRPr sz="1400">
-                <a:solidFill>
-                  <a:schemeClr val="tx1"/>
-                </a:solidFill>
-                <a:latin typeface="Arial" panose="020B0604020202020204" pitchFamily="34" charset="0"/>
-                <a:ea typeface="ＭＳ Ｐゴシック" panose="020B0600070205080204" pitchFamily="34" charset="-128"/>
-              </a:defRPr>
-            </a:lvl6pPr>
-            <a:lvl7pPr marL="2971800" indent="-228600" eaLnBrk="0" fontAlgn="base" hangingPunct="0">
-              <a:spcBef>
-                <a:spcPct val="0"/>
-              </a:spcBef>
-              <a:spcAft>
-                <a:spcPct val="0"/>
-              </a:spcAft>
-              <a:defRPr sz="1400">
-                <a:solidFill>
-                  <a:schemeClr val="tx1"/>
-                </a:solidFill>
-                <a:latin typeface="Arial" panose="020B0604020202020204" pitchFamily="34" charset="0"/>
-                <a:ea typeface="ＭＳ Ｐゴシック" panose="020B0600070205080204" pitchFamily="34" charset="-128"/>
-              </a:defRPr>
-            </a:lvl7pPr>
-            <a:lvl8pPr marL="3429000" indent="-228600" eaLnBrk="0" fontAlgn="base" hangingPunct="0">
-              <a:spcBef>
-                <a:spcPct val="0"/>
-              </a:spcBef>
-              <a:spcAft>
-                <a:spcPct val="0"/>
-              </a:spcAft>
-              <a:defRPr sz="1400">
-                <a:solidFill>
-                  <a:schemeClr val="tx1"/>
-                </a:solidFill>
-                <a:latin typeface="Arial" panose="020B0604020202020204" pitchFamily="34" charset="0"/>
-                <a:ea typeface="ＭＳ Ｐゴシック" panose="020B0600070205080204" pitchFamily="34" charset="-128"/>
-              </a:defRPr>
-            </a:lvl8pPr>
-            <a:lvl9pPr marL="3886200" indent="-228600" eaLnBrk="0" fontAlgn="base" hangingPunct="0">
-              <a:spcBef>
-                <a:spcPct val="0"/>
-              </a:spcBef>
-              <a:spcAft>
-                <a:spcPct val="0"/>
-              </a:spcAft>
-              <a:defRPr sz="1400">
-                <a:solidFill>
-                  <a:schemeClr val="tx1"/>
-                </a:solidFill>
-                <a:latin typeface="Arial" panose="020B0604020202020204" pitchFamily="34" charset="0"/>
-                <a:ea typeface="ＭＳ Ｐゴシック" panose="020B0600070205080204" pitchFamily="34" charset="-128"/>
-              </a:defRPr>
-            </a:lvl9pPr>
-          </a:lstStyle>
-          <a:p>
-            <a:pPr algn="ctr" eaLnBrk="1" hangingPunct="1"/>
-            <a:r>
-              <a:rPr lang="en-US" sz="2400">
-                <a:latin typeface="Calibri" panose="020F0502020204030204" pitchFamily="34" charset="0"/>
-              </a:rPr>
-              <a:t>Sum of PR of all pages pointing to </a:t>
-            </a:r>
-            <a:r>
-              <a:rPr lang="en-US" sz="2400" i="1">
-                <a:latin typeface="Calibri" panose="020F0502020204030204" pitchFamily="34" charset="0"/>
-              </a:rPr>
-              <a:t>P</a:t>
-            </a:r>
-            <a:r>
-              <a:rPr lang="en-US" sz="2400" i="1" baseline="-25000">
-                <a:latin typeface="Calibri" panose="020F0502020204030204" pitchFamily="34" charset="0"/>
-              </a:rPr>
-              <a:t>i</a:t>
-            </a:r>
-          </a:p>
-        </p:txBody>
-      </p:sp>
-      <p:cxnSp>
-        <p:nvCxnSpPr>
-          <p:cNvPr id="78857" name="Straight Arrow Connector 14"/>
-          <p:cNvCxnSpPr>
-            <a:cxnSpLocks noChangeShapeType="1"/>
-          </p:cNvCxnSpPr>
-          <p:nvPr/>
-        </p:nvCxnSpPr>
-        <p:spPr bwMode="auto">
-          <a:xfrm rot="16200000" flipV="1">
-            <a:off x="8686800" y="4572000"/>
-            <a:ext cx="762000" cy="304800"/>
-          </a:xfrm>
-          <a:prstGeom prst="straightConnector1">
-            <a:avLst/>
-          </a:prstGeom>
-          <a:noFill/>
-          <a:ln w="25400">
-            <a:solidFill>
-              <a:srgbClr val="C00000"/>
-            </a:solidFill>
-            <a:round/>
-            <a:headEnd/>
-            <a:tailEnd type="stealth" w="lg" len="lg"/>
-          </a:ln>
-          <a:extLst>
-            <a:ext uri="{909E8E84-426E-40DD-AFC4-6F175D3DCCD1}">
-              <a14:hiddenFill xmlns:a14="http://schemas.microsoft.com/office/drawing/2010/main">
-                <a:noFill/>
-              </a14:hiddenFill>
-            </a:ext>
-          </a:extLst>
-        </p:spPr>
-      </p:cxnSp>
-      <p:sp>
-        <p:nvSpPr>
-          <p:cNvPr id="78858" name="TextBox 17"/>
-          <p:cNvSpPr txBox="1">
-            <a:spLocks noChangeArrowheads="1"/>
-          </p:cNvSpPr>
-          <p:nvPr/>
-        </p:nvSpPr>
-        <p:spPr bwMode="auto">
-          <a:xfrm>
-            <a:off x="7848600" y="5181601"/>
-            <a:ext cx="2819400" cy="830997"/>
-          </a:xfrm>
-          <a:prstGeom prst="rect">
-            <a:avLst/>
-          </a:prstGeom>
-          <a:noFill/>
-          <a:ln>
-            <a:noFill/>
-          </a:ln>
-          <a:extLst>
-            <a:ext uri="{909E8E84-426E-40DD-AFC4-6F175D3DCCD1}">
-              <a14:hiddenFill xmlns:a14="http://schemas.microsoft.com/office/drawing/2010/main">
-                <a:solidFill>
-                  <a:srgbClr val="FFFFFF"/>
-                </a:solidFill>
-              </a14:hiddenFill>
-            </a:ext>
-            <a:ext uri="{91240B29-F687-4F45-9708-019B960494DF}">
-              <a14:hiddenLine xmlns:a14="http://schemas.microsoft.com/office/drawing/2010/main" w="9525">
-                <a:solidFill>
-                  <a:srgbClr val="000000"/>
-                </a:solidFill>
-                <a:miter lim="800000"/>
-                <a:headEnd/>
-                <a:tailEnd/>
-              </a14:hiddenLine>
-            </a:ext>
-          </a:extLst>
-        </p:spPr>
-        <p:txBody>
-          <a:bodyPr>
-            <a:spAutoFit/>
-          </a:bodyPr>
-          <a:lstStyle>
-            <a:lvl1pPr eaLnBrk="0" hangingPunct="0">
-              <a:defRPr sz="1400">
-                <a:solidFill>
-                  <a:schemeClr val="tx1"/>
-                </a:solidFill>
-                <a:latin typeface="Arial" panose="020B0604020202020204" pitchFamily="34" charset="0"/>
-                <a:ea typeface="ＭＳ Ｐゴシック" panose="020B0600070205080204" pitchFamily="34" charset="-128"/>
-              </a:defRPr>
-            </a:lvl1pPr>
-            <a:lvl2pPr marL="742950" indent="-285750" eaLnBrk="0" hangingPunct="0">
-              <a:defRPr sz="1400">
-                <a:solidFill>
-                  <a:schemeClr val="tx1"/>
-                </a:solidFill>
-                <a:latin typeface="Arial" panose="020B0604020202020204" pitchFamily="34" charset="0"/>
-                <a:ea typeface="ＭＳ Ｐゴシック" panose="020B0600070205080204" pitchFamily="34" charset="-128"/>
-              </a:defRPr>
-            </a:lvl2pPr>
-            <a:lvl3pPr marL="1143000" indent="-228600" eaLnBrk="0" hangingPunct="0">
-              <a:defRPr sz="1400">
-                <a:solidFill>
-                  <a:schemeClr val="tx1"/>
-                </a:solidFill>
-                <a:latin typeface="Arial" panose="020B0604020202020204" pitchFamily="34" charset="0"/>
-                <a:ea typeface="ＭＳ Ｐゴシック" panose="020B0600070205080204" pitchFamily="34" charset="-128"/>
-              </a:defRPr>
-            </a:lvl3pPr>
-            <a:lvl4pPr marL="1600200" indent="-228600" eaLnBrk="0" hangingPunct="0">
-              <a:defRPr sz="1400">
-                <a:solidFill>
-                  <a:schemeClr val="tx1"/>
-                </a:solidFill>
-                <a:latin typeface="Arial" panose="020B0604020202020204" pitchFamily="34" charset="0"/>
-                <a:ea typeface="ＭＳ Ｐゴシック" panose="020B0600070205080204" pitchFamily="34" charset="-128"/>
-              </a:defRPr>
-            </a:lvl4pPr>
-            <a:lvl5pPr marL="2057400" indent="-228600" eaLnBrk="0" hangingPunct="0">
-              <a:defRPr sz="1400">
-                <a:solidFill>
-                  <a:schemeClr val="tx1"/>
-                </a:solidFill>
-                <a:latin typeface="Arial" panose="020B0604020202020204" pitchFamily="34" charset="0"/>
-                <a:ea typeface="ＭＳ Ｐゴシック" panose="020B0600070205080204" pitchFamily="34" charset="-128"/>
-              </a:defRPr>
-            </a:lvl5pPr>
-            <a:lvl6pPr marL="2514600" indent="-228600" eaLnBrk="0" fontAlgn="base" hangingPunct="0">
-              <a:spcBef>
-                <a:spcPct val="0"/>
-              </a:spcBef>
-              <a:spcAft>
-                <a:spcPct val="0"/>
-              </a:spcAft>
-              <a:defRPr sz="1400">
-                <a:solidFill>
-                  <a:schemeClr val="tx1"/>
-                </a:solidFill>
-                <a:latin typeface="Arial" panose="020B0604020202020204" pitchFamily="34" charset="0"/>
-                <a:ea typeface="ＭＳ Ｐゴシック" panose="020B0600070205080204" pitchFamily="34" charset="-128"/>
-              </a:defRPr>
-            </a:lvl6pPr>
-            <a:lvl7pPr marL="2971800" indent="-228600" eaLnBrk="0" fontAlgn="base" hangingPunct="0">
-              <a:spcBef>
-                <a:spcPct val="0"/>
-              </a:spcBef>
-              <a:spcAft>
-                <a:spcPct val="0"/>
-              </a:spcAft>
-              <a:defRPr sz="1400">
-                <a:solidFill>
-                  <a:schemeClr val="tx1"/>
-                </a:solidFill>
-                <a:latin typeface="Arial" panose="020B0604020202020204" pitchFamily="34" charset="0"/>
-                <a:ea typeface="ＭＳ Ｐゴシック" panose="020B0600070205080204" pitchFamily="34" charset="-128"/>
-              </a:defRPr>
-            </a:lvl7pPr>
-            <a:lvl8pPr marL="3429000" indent="-228600" eaLnBrk="0" fontAlgn="base" hangingPunct="0">
-              <a:spcBef>
-                <a:spcPct val="0"/>
-              </a:spcBef>
-              <a:spcAft>
-                <a:spcPct val="0"/>
-              </a:spcAft>
-              <a:defRPr sz="1400">
-                <a:solidFill>
-                  <a:schemeClr val="tx1"/>
-                </a:solidFill>
-                <a:latin typeface="Arial" panose="020B0604020202020204" pitchFamily="34" charset="0"/>
-                <a:ea typeface="ＭＳ Ｐゴシック" panose="020B0600070205080204" pitchFamily="34" charset="-128"/>
-              </a:defRPr>
-            </a:lvl8pPr>
-            <a:lvl9pPr marL="3886200" indent="-228600" eaLnBrk="0" fontAlgn="base" hangingPunct="0">
-              <a:spcBef>
-                <a:spcPct val="0"/>
-              </a:spcBef>
-              <a:spcAft>
-                <a:spcPct val="0"/>
-              </a:spcAft>
-              <a:defRPr sz="1400">
-                <a:solidFill>
-                  <a:schemeClr val="tx1"/>
-                </a:solidFill>
-                <a:latin typeface="Arial" panose="020B0604020202020204" pitchFamily="34" charset="0"/>
-                <a:ea typeface="ＭＳ Ｐゴシック" panose="020B0600070205080204" pitchFamily="34" charset="-128"/>
-              </a:defRPr>
-            </a:lvl9pPr>
-          </a:lstStyle>
-          <a:p>
-            <a:pPr algn="ctr" eaLnBrk="1" hangingPunct="1"/>
-            <a:r>
-              <a:rPr lang="en-US" sz="2400">
-                <a:latin typeface="Calibri" panose="020F0502020204030204" pitchFamily="34" charset="0"/>
-              </a:rPr>
-              <a:t>Number of </a:t>
-            </a:r>
-            <a:br>
-              <a:rPr lang="en-US" sz="2400">
-                <a:latin typeface="Calibri" panose="020F0502020204030204" pitchFamily="34" charset="0"/>
-              </a:rPr>
-            </a:br>
-            <a:r>
-              <a:rPr lang="en-US" sz="2400">
-                <a:latin typeface="Calibri" panose="020F0502020204030204" pitchFamily="34" charset="0"/>
-              </a:rPr>
-              <a:t>outlinks from </a:t>
-            </a:r>
-            <a:r>
-              <a:rPr lang="en-US" sz="2400" i="1">
-                <a:latin typeface="Calibri" panose="020F0502020204030204" pitchFamily="34" charset="0"/>
-              </a:rPr>
-              <a:t>P</a:t>
-            </a:r>
-            <a:r>
-              <a:rPr lang="en-US" sz="2400" i="1" baseline="-25000">
-                <a:latin typeface="Calibri" panose="020F0502020204030204" pitchFamily="34" charset="0"/>
-              </a:rPr>
-              <a:t>j</a:t>
-            </a:r>
-          </a:p>
-        </p:txBody>
-      </p:sp>
-      <p:sp>
-        <p:nvSpPr>
-          <p:cNvPr id="78859" name="TextBox 19"/>
-          <p:cNvSpPr txBox="1">
-            <a:spLocks noChangeArrowheads="1"/>
-          </p:cNvSpPr>
-          <p:nvPr/>
-        </p:nvSpPr>
-        <p:spPr bwMode="auto">
-          <a:xfrm>
-            <a:off x="2514600" y="1524001"/>
-            <a:ext cx="1905000" cy="830997"/>
-          </a:xfrm>
-          <a:prstGeom prst="rect">
-            <a:avLst/>
-          </a:prstGeom>
-          <a:noFill/>
-          <a:ln>
-            <a:noFill/>
-          </a:ln>
-          <a:extLst>
-            <a:ext uri="{909E8E84-426E-40DD-AFC4-6F175D3DCCD1}">
-              <a14:hiddenFill xmlns:a14="http://schemas.microsoft.com/office/drawing/2010/main">
-                <a:solidFill>
-                  <a:srgbClr val="FFFFFF"/>
-                </a:solidFill>
-              </a14:hiddenFill>
-            </a:ext>
-            <a:ext uri="{91240B29-F687-4F45-9708-019B960494DF}">
-              <a14:hiddenLine xmlns:a14="http://schemas.microsoft.com/office/drawing/2010/main" w="9525">
-                <a:solidFill>
-                  <a:srgbClr val="000000"/>
-                </a:solidFill>
-                <a:miter lim="800000"/>
-                <a:headEnd/>
-                <a:tailEnd/>
-              </a14:hiddenLine>
-            </a:ext>
-          </a:extLst>
-        </p:spPr>
-        <p:txBody>
-          <a:bodyPr>
-            <a:spAutoFit/>
-          </a:bodyPr>
-          <a:lstStyle>
-            <a:lvl1pPr eaLnBrk="0" hangingPunct="0">
-              <a:defRPr sz="1400">
-                <a:solidFill>
-                  <a:schemeClr val="tx1"/>
-                </a:solidFill>
-                <a:latin typeface="Arial" panose="020B0604020202020204" pitchFamily="34" charset="0"/>
-                <a:ea typeface="ＭＳ Ｐゴシック" panose="020B0600070205080204" pitchFamily="34" charset="-128"/>
-              </a:defRPr>
-            </a:lvl1pPr>
-            <a:lvl2pPr marL="742950" indent="-285750" eaLnBrk="0" hangingPunct="0">
-              <a:defRPr sz="1400">
-                <a:solidFill>
-                  <a:schemeClr val="tx1"/>
-                </a:solidFill>
-                <a:latin typeface="Arial" panose="020B0604020202020204" pitchFamily="34" charset="0"/>
-                <a:ea typeface="ＭＳ Ｐゴシック" panose="020B0600070205080204" pitchFamily="34" charset="-128"/>
-              </a:defRPr>
-            </a:lvl2pPr>
-            <a:lvl3pPr marL="1143000" indent="-228600" eaLnBrk="0" hangingPunct="0">
-              <a:defRPr sz="1400">
-                <a:solidFill>
-                  <a:schemeClr val="tx1"/>
-                </a:solidFill>
-                <a:latin typeface="Arial" panose="020B0604020202020204" pitchFamily="34" charset="0"/>
-                <a:ea typeface="ＭＳ Ｐゴシック" panose="020B0600070205080204" pitchFamily="34" charset="-128"/>
-              </a:defRPr>
-            </a:lvl3pPr>
-            <a:lvl4pPr marL="1600200" indent="-228600" eaLnBrk="0" hangingPunct="0">
-              <a:defRPr sz="1400">
-                <a:solidFill>
-                  <a:schemeClr val="tx1"/>
-                </a:solidFill>
-                <a:latin typeface="Arial" panose="020B0604020202020204" pitchFamily="34" charset="0"/>
-                <a:ea typeface="ＭＳ Ｐゴシック" panose="020B0600070205080204" pitchFamily="34" charset="-128"/>
-              </a:defRPr>
-            </a:lvl4pPr>
-            <a:lvl5pPr marL="2057400" indent="-228600" eaLnBrk="0" hangingPunct="0">
-              <a:defRPr sz="1400">
-                <a:solidFill>
-                  <a:schemeClr val="tx1"/>
-                </a:solidFill>
-                <a:latin typeface="Arial" panose="020B0604020202020204" pitchFamily="34" charset="0"/>
-                <a:ea typeface="ＭＳ Ｐゴシック" panose="020B0600070205080204" pitchFamily="34" charset="-128"/>
-              </a:defRPr>
-            </a:lvl5pPr>
-            <a:lvl6pPr marL="2514600" indent="-228600" eaLnBrk="0" fontAlgn="base" hangingPunct="0">
-              <a:spcBef>
-                <a:spcPct val="0"/>
-              </a:spcBef>
-              <a:spcAft>
-                <a:spcPct val="0"/>
-              </a:spcAft>
-              <a:defRPr sz="1400">
-                <a:solidFill>
-                  <a:schemeClr val="tx1"/>
-                </a:solidFill>
-                <a:latin typeface="Arial" panose="020B0604020202020204" pitchFamily="34" charset="0"/>
-                <a:ea typeface="ＭＳ Ｐゴシック" panose="020B0600070205080204" pitchFamily="34" charset="-128"/>
-              </a:defRPr>
-            </a:lvl6pPr>
-            <a:lvl7pPr marL="2971800" indent="-228600" eaLnBrk="0" fontAlgn="base" hangingPunct="0">
-              <a:spcBef>
-                <a:spcPct val="0"/>
-              </a:spcBef>
-              <a:spcAft>
-                <a:spcPct val="0"/>
-              </a:spcAft>
-              <a:defRPr sz="1400">
-                <a:solidFill>
-                  <a:schemeClr val="tx1"/>
-                </a:solidFill>
-                <a:latin typeface="Arial" panose="020B0604020202020204" pitchFamily="34" charset="0"/>
-                <a:ea typeface="ＭＳ Ｐゴシック" panose="020B0600070205080204" pitchFamily="34" charset="-128"/>
-              </a:defRPr>
-            </a:lvl7pPr>
-            <a:lvl8pPr marL="3429000" indent="-228600" eaLnBrk="0" fontAlgn="base" hangingPunct="0">
-              <a:spcBef>
-                <a:spcPct val="0"/>
-              </a:spcBef>
-              <a:spcAft>
-                <a:spcPct val="0"/>
-              </a:spcAft>
-              <a:defRPr sz="1400">
-                <a:solidFill>
-                  <a:schemeClr val="tx1"/>
-                </a:solidFill>
-                <a:latin typeface="Arial" panose="020B0604020202020204" pitchFamily="34" charset="0"/>
-                <a:ea typeface="ＭＳ Ｐゴシック" panose="020B0600070205080204" pitchFamily="34" charset="-128"/>
-              </a:defRPr>
-            </a:lvl8pPr>
-            <a:lvl9pPr marL="3886200" indent="-228600" eaLnBrk="0" fontAlgn="base" hangingPunct="0">
-              <a:spcBef>
-                <a:spcPct val="0"/>
-              </a:spcBef>
-              <a:spcAft>
-                <a:spcPct val="0"/>
-              </a:spcAft>
-              <a:defRPr sz="1400">
-                <a:solidFill>
-                  <a:schemeClr val="tx1"/>
-                </a:solidFill>
-                <a:latin typeface="Arial" panose="020B0604020202020204" pitchFamily="34" charset="0"/>
-                <a:ea typeface="ＭＳ Ｐゴシック" panose="020B0600070205080204" pitchFamily="34" charset="-128"/>
-              </a:defRPr>
-            </a:lvl9pPr>
-          </a:lstStyle>
-          <a:p>
-            <a:pPr algn="ctr" eaLnBrk="1" hangingPunct="1"/>
-            <a:r>
-              <a:rPr lang="en-US" sz="2400">
-                <a:latin typeface="Calibri" panose="020F0502020204030204" pitchFamily="34" charset="0"/>
-              </a:rPr>
-              <a:t>Teleportation probability</a:t>
-            </a:r>
-            <a:endParaRPr lang="en-US" sz="2400" i="1" baseline="-25000">
-              <a:latin typeface="Calibri" panose="020F0502020204030204" pitchFamily="34" charset="0"/>
-            </a:endParaRPr>
-          </a:p>
-        </p:txBody>
-      </p:sp>
-      <p:cxnSp>
-        <p:nvCxnSpPr>
-          <p:cNvPr id="78860" name="Straight Arrow Connector 20"/>
-          <p:cNvCxnSpPr>
-            <a:cxnSpLocks noChangeShapeType="1"/>
-          </p:cNvCxnSpPr>
-          <p:nvPr/>
-        </p:nvCxnSpPr>
-        <p:spPr bwMode="auto">
-          <a:xfrm rot="16200000" flipH="1">
-            <a:off x="3810000" y="2438400"/>
-            <a:ext cx="381000" cy="381000"/>
-          </a:xfrm>
-          <a:prstGeom prst="straightConnector1">
-            <a:avLst/>
-          </a:prstGeom>
-          <a:noFill/>
-          <a:ln w="25400">
-            <a:solidFill>
-              <a:srgbClr val="C00000"/>
-            </a:solidFill>
-            <a:round/>
-            <a:headEnd/>
-            <a:tailEnd type="stealth" w="lg" len="lg"/>
-          </a:ln>
-          <a:extLst>
-            <a:ext uri="{909E8E84-426E-40DD-AFC4-6F175D3DCCD1}">
-              <a14:hiddenFill xmlns:a14="http://schemas.microsoft.com/office/drawing/2010/main">
-                <a:noFill/>
-              </a14:hiddenFill>
-            </a:ext>
-          </a:extLst>
-        </p:spPr>
-      </p:cxnSp>
-      <p:cxnSp>
-        <p:nvCxnSpPr>
-          <p:cNvPr id="78861" name="Straight Arrow Connector 23"/>
-          <p:cNvCxnSpPr>
-            <a:cxnSpLocks noChangeShapeType="1"/>
-          </p:cNvCxnSpPr>
-          <p:nvPr/>
-        </p:nvCxnSpPr>
-        <p:spPr bwMode="auto">
-          <a:xfrm rot="5400000" flipH="1" flipV="1">
-            <a:off x="4152900" y="4381500"/>
-            <a:ext cx="457200" cy="76200"/>
-          </a:xfrm>
-          <a:prstGeom prst="straightConnector1">
-            <a:avLst/>
-          </a:prstGeom>
-          <a:noFill/>
-          <a:ln w="25400">
-            <a:solidFill>
-              <a:srgbClr val="C00000"/>
-            </a:solidFill>
-            <a:round/>
-            <a:headEnd/>
-            <a:tailEnd type="stealth" w="lg" len="lg"/>
-          </a:ln>
-          <a:extLst>
-            <a:ext uri="{909E8E84-426E-40DD-AFC4-6F175D3DCCD1}">
-              <a14:hiddenFill xmlns:a14="http://schemas.microsoft.com/office/drawing/2010/main">
-                <a:noFill/>
-              </a14:hiddenFill>
-            </a:ext>
-          </a:extLst>
-        </p:spPr>
-      </p:cxnSp>
-      <p:sp>
-        <p:nvSpPr>
-          <p:cNvPr id="78862" name="TextBox 25"/>
-          <p:cNvSpPr txBox="1">
-            <a:spLocks noChangeArrowheads="1"/>
-          </p:cNvSpPr>
-          <p:nvPr/>
-        </p:nvSpPr>
-        <p:spPr bwMode="auto">
-          <a:xfrm>
-            <a:off x="3429000" y="4724401"/>
-            <a:ext cx="1676400" cy="830997"/>
-          </a:xfrm>
-          <a:prstGeom prst="rect">
-            <a:avLst/>
-          </a:prstGeom>
-          <a:noFill/>
-          <a:ln>
-            <a:noFill/>
-          </a:ln>
-          <a:extLst>
-            <a:ext uri="{909E8E84-426E-40DD-AFC4-6F175D3DCCD1}">
-              <a14:hiddenFill xmlns:a14="http://schemas.microsoft.com/office/drawing/2010/main">
-                <a:solidFill>
-                  <a:srgbClr val="FFFFFF"/>
-                </a:solidFill>
-              </a14:hiddenFill>
-            </a:ext>
-            <a:ext uri="{91240B29-F687-4F45-9708-019B960494DF}">
-              <a14:hiddenLine xmlns:a14="http://schemas.microsoft.com/office/drawing/2010/main" w="9525">
-                <a:solidFill>
-                  <a:srgbClr val="000000"/>
-                </a:solidFill>
-                <a:miter lim="800000"/>
-                <a:headEnd/>
-                <a:tailEnd/>
-              </a14:hiddenLine>
-            </a:ext>
-          </a:extLst>
-        </p:spPr>
-        <p:txBody>
-          <a:bodyPr>
-            <a:spAutoFit/>
-          </a:bodyPr>
-          <a:lstStyle>
-            <a:lvl1pPr eaLnBrk="0" hangingPunct="0">
-              <a:defRPr sz="1400">
-                <a:solidFill>
-                  <a:schemeClr val="tx1"/>
-                </a:solidFill>
-                <a:latin typeface="Arial" panose="020B0604020202020204" pitchFamily="34" charset="0"/>
-                <a:ea typeface="ＭＳ Ｐゴシック" panose="020B0600070205080204" pitchFamily="34" charset="-128"/>
-              </a:defRPr>
-            </a:lvl1pPr>
-            <a:lvl2pPr marL="742950" indent="-285750" eaLnBrk="0" hangingPunct="0">
-              <a:defRPr sz="1400">
-                <a:solidFill>
-                  <a:schemeClr val="tx1"/>
-                </a:solidFill>
-                <a:latin typeface="Arial" panose="020B0604020202020204" pitchFamily="34" charset="0"/>
-                <a:ea typeface="ＭＳ Ｐゴシック" panose="020B0600070205080204" pitchFamily="34" charset="-128"/>
-              </a:defRPr>
-            </a:lvl2pPr>
-            <a:lvl3pPr marL="1143000" indent="-228600" eaLnBrk="0" hangingPunct="0">
-              <a:defRPr sz="1400">
-                <a:solidFill>
-                  <a:schemeClr val="tx1"/>
-                </a:solidFill>
-                <a:latin typeface="Arial" panose="020B0604020202020204" pitchFamily="34" charset="0"/>
-                <a:ea typeface="ＭＳ Ｐゴシック" panose="020B0600070205080204" pitchFamily="34" charset="-128"/>
-              </a:defRPr>
-            </a:lvl3pPr>
-            <a:lvl4pPr marL="1600200" indent="-228600" eaLnBrk="0" hangingPunct="0">
-              <a:defRPr sz="1400">
-                <a:solidFill>
-                  <a:schemeClr val="tx1"/>
-                </a:solidFill>
-                <a:latin typeface="Arial" panose="020B0604020202020204" pitchFamily="34" charset="0"/>
-                <a:ea typeface="ＭＳ Ｐゴシック" panose="020B0600070205080204" pitchFamily="34" charset="-128"/>
-              </a:defRPr>
-            </a:lvl4pPr>
-            <a:lvl5pPr marL="2057400" indent="-228600" eaLnBrk="0" hangingPunct="0">
-              <a:defRPr sz="1400">
-                <a:solidFill>
-                  <a:schemeClr val="tx1"/>
-                </a:solidFill>
-                <a:latin typeface="Arial" panose="020B0604020202020204" pitchFamily="34" charset="0"/>
-                <a:ea typeface="ＭＳ Ｐゴシック" panose="020B0600070205080204" pitchFamily="34" charset="-128"/>
-              </a:defRPr>
-            </a:lvl5pPr>
-            <a:lvl6pPr marL="2514600" indent="-228600" eaLnBrk="0" fontAlgn="base" hangingPunct="0">
-              <a:spcBef>
-                <a:spcPct val="0"/>
-              </a:spcBef>
-              <a:spcAft>
-                <a:spcPct val="0"/>
-              </a:spcAft>
-              <a:defRPr sz="1400">
-                <a:solidFill>
-                  <a:schemeClr val="tx1"/>
-                </a:solidFill>
-                <a:latin typeface="Arial" panose="020B0604020202020204" pitchFamily="34" charset="0"/>
-                <a:ea typeface="ＭＳ Ｐゴシック" panose="020B0600070205080204" pitchFamily="34" charset="-128"/>
-              </a:defRPr>
-            </a:lvl6pPr>
-            <a:lvl7pPr marL="2971800" indent="-228600" eaLnBrk="0" fontAlgn="base" hangingPunct="0">
-              <a:spcBef>
-                <a:spcPct val="0"/>
-              </a:spcBef>
-              <a:spcAft>
-                <a:spcPct val="0"/>
-              </a:spcAft>
-              <a:defRPr sz="1400">
-                <a:solidFill>
-                  <a:schemeClr val="tx1"/>
-                </a:solidFill>
-                <a:latin typeface="Arial" panose="020B0604020202020204" pitchFamily="34" charset="0"/>
-                <a:ea typeface="ＭＳ Ｐゴシック" panose="020B0600070205080204" pitchFamily="34" charset="-128"/>
-              </a:defRPr>
-            </a:lvl7pPr>
-            <a:lvl8pPr marL="3429000" indent="-228600" eaLnBrk="0" fontAlgn="base" hangingPunct="0">
-              <a:spcBef>
-                <a:spcPct val="0"/>
-              </a:spcBef>
-              <a:spcAft>
-                <a:spcPct val="0"/>
-              </a:spcAft>
-              <a:defRPr sz="1400">
-                <a:solidFill>
-                  <a:schemeClr val="tx1"/>
-                </a:solidFill>
-                <a:latin typeface="Arial" panose="020B0604020202020204" pitchFamily="34" charset="0"/>
-                <a:ea typeface="ＭＳ Ｐゴシック" panose="020B0600070205080204" pitchFamily="34" charset="-128"/>
-              </a:defRPr>
-            </a:lvl8pPr>
-            <a:lvl9pPr marL="3886200" indent="-228600" eaLnBrk="0" fontAlgn="base" hangingPunct="0">
-              <a:spcBef>
-                <a:spcPct val="0"/>
-              </a:spcBef>
-              <a:spcAft>
-                <a:spcPct val="0"/>
-              </a:spcAft>
-              <a:defRPr sz="1400">
-                <a:solidFill>
-                  <a:schemeClr val="tx1"/>
-                </a:solidFill>
-                <a:latin typeface="Arial" panose="020B0604020202020204" pitchFamily="34" charset="0"/>
-                <a:ea typeface="ＭＳ Ｐゴシック" panose="020B0600070205080204" pitchFamily="34" charset="-128"/>
-              </a:defRPr>
-            </a:lvl9pPr>
-          </a:lstStyle>
-          <a:p>
-            <a:pPr algn="ctr" eaLnBrk="1" hangingPunct="1"/>
-            <a:r>
-              <a:rPr lang="en-US" sz="2400">
-                <a:latin typeface="Calibri" panose="020F0502020204030204" pitchFamily="34" charset="0"/>
-              </a:rPr>
-              <a:t>Total num of pages</a:t>
-            </a:r>
-            <a:endParaRPr lang="en-US" sz="2400" i="1" baseline="-25000">
-              <a:latin typeface="Calibri" panose="020F0502020204030204" pitchFamily="34" charset="0"/>
-            </a:endParaRPr>
-          </a:p>
-        </p:txBody>
-      </p:sp>
-      <p:sp>
-        <p:nvSpPr>
-          <p:cNvPr id="2" name="TextBox 1"/>
-          <p:cNvSpPr txBox="1"/>
-          <p:nvPr/>
-        </p:nvSpPr>
-        <p:spPr>
-          <a:xfrm>
-            <a:off x="0" y="6488668"/>
-            <a:ext cx="4377480" cy="369332"/>
-          </a:xfrm>
-          <a:prstGeom prst="rect">
-            <a:avLst/>
-          </a:prstGeom>
-          <a:noFill/>
-        </p:spPr>
-        <p:txBody>
-          <a:bodyPr wrap="none" rtlCol="0">
-            <a:spAutoFit/>
-          </a:bodyPr>
-          <a:lstStyle/>
-          <a:p>
-            <a:r>
-              <a:rPr lang="en-US" dirty="0" smtClean="0"/>
-              <a:t>Taken from Nelson cs532 week 5 PowerPoint</a:t>
-            </a:r>
-            <a:endParaRPr lang="en-US" dirty="0"/>
-          </a:p>
-        </p:txBody>
-      </p:sp>
-      <p:sp>
-        <p:nvSpPr>
-          <p:cNvPr id="4" name="Slide Number Placeholder 3"/>
-          <p:cNvSpPr>
-            <a:spLocks noGrp="1"/>
-          </p:cNvSpPr>
-          <p:nvPr>
-            <p:ph type="sldNum" sz="quarter" idx="12"/>
-          </p:nvPr>
-        </p:nvSpPr>
-        <p:spPr/>
-        <p:txBody>
-          <a:bodyPr/>
-          <a:lstStyle/>
-          <a:p>
-            <a:fld id="{38A27C39-69BC-486E-A789-EB1E62B74FE5}" type="slidenum">
-              <a:rPr lang="en-US" smtClean="0"/>
-              <a:t>4</a:t>
-            </a:fld>
-            <a:endParaRPr lang="en-US"/>
-          </a:p>
-        </p:txBody>
-      </p:sp>
-    </p:spTree>
-    <p:extLst>
-      <p:ext uri="{BB962C8B-B14F-4D97-AF65-F5344CB8AC3E}">
-        <p14:creationId xmlns:p14="http://schemas.microsoft.com/office/powerpoint/2010/main" val="176102636"/>
-      </p:ext>
-    </p:extLst>
-  </p:cSld>
-  <p:clrMapOvr>
-    <a:masterClrMapping/>
-  </p:clrMapOvr>
-  <p:timing>
-    <p:tnLst>
-      <p:par>
-        <p:cTn id="1" dur="indefinite" restart="never" nodeType="tmRoot"/>
-      </p:par>
-    </p:tnLst>
-  </p:timing>
-</p:sld>
-</file>
-
-<file path=ppt/slides/slide5.xml><?xml version="1.0" encoding="utf-8"?>
-<p:sld xmlns:a="http://schemas.openxmlformats.org/drawingml/2006/main" xmlns:r="http://schemas.openxmlformats.org/officeDocument/2006/relationships" xmlns:p="http://schemas.openxmlformats.org/presentationml/2006/main">
-  <p:cSld>
-    <p:spTree>
-      <p:nvGrpSpPr>
-        <p:cNvPr id="1" name=""/>
-        <p:cNvGrpSpPr/>
-        <p:nvPr/>
-      </p:nvGrpSpPr>
-      <p:grpSpPr>
-        <a:xfrm>
-          <a:off x="0" y="0"/>
-          <a:ext cx="0" cy="0"/>
-          <a:chOff x="0" y="0"/>
-          <a:chExt cx="0" cy="0"/>
-        </a:xfrm>
-      </p:grpSpPr>
-      <p:sp>
-        <p:nvSpPr>
-          <p:cNvPr id="2" name="Title 1"/>
-          <p:cNvSpPr>
-            <a:spLocks noGrp="1"/>
-          </p:cNvSpPr>
-          <p:nvPr>
-            <p:ph type="title"/>
-          </p:nvPr>
-        </p:nvSpPr>
-        <p:spPr/>
-        <p:txBody>
-          <a:bodyPr/>
-          <a:lstStyle/>
-          <a:p>
-            <a:r>
-              <a:rPr lang="en-US" dirty="0" smtClean="0"/>
-              <a:t>Page rank</a:t>
-            </a:r>
-            <a:endParaRPr lang="en-US" dirty="0"/>
-          </a:p>
-        </p:txBody>
-      </p:sp>
-      <p:sp>
-        <p:nvSpPr>
-          <p:cNvPr id="4" name="Slide Number Placeholder 3"/>
-          <p:cNvSpPr>
-            <a:spLocks noGrp="1"/>
-          </p:cNvSpPr>
-          <p:nvPr>
-            <p:ph type="sldNum" sz="quarter" idx="12"/>
-          </p:nvPr>
-        </p:nvSpPr>
-        <p:spPr/>
-        <p:txBody>
-          <a:bodyPr/>
-          <a:lstStyle/>
-          <a:p>
-            <a:fld id="{38A27C39-69BC-486E-A789-EB1E62B74FE5}" type="slidenum">
-              <a:rPr lang="en-US" smtClean="0"/>
-              <a:t>5</a:t>
-            </a:fld>
-            <a:endParaRPr lang="en-US"/>
-          </a:p>
-        </p:txBody>
-      </p:sp>
-      <p:sp>
-        <p:nvSpPr>
-          <p:cNvPr id="8" name="Content Placeholder 7"/>
-          <p:cNvSpPr>
-            <a:spLocks noGrp="1"/>
-          </p:cNvSpPr>
-          <p:nvPr>
-            <p:ph sz="half" idx="1"/>
-          </p:nvPr>
-        </p:nvSpPr>
-        <p:spPr/>
-        <p:txBody>
-          <a:bodyPr/>
-          <a:lstStyle/>
-          <a:p>
-            <a:r>
-              <a:rPr lang="en-US" dirty="0" smtClean="0"/>
-              <a:t>Can also be defined as a matrix</a:t>
-            </a:r>
-          </a:p>
-          <a:p>
-            <a:r>
-              <a:rPr lang="en-US" dirty="0" smtClean="0"/>
-              <a:t>D uniform dampening factor</a:t>
-            </a:r>
-          </a:p>
-          <a:p>
-            <a:r>
-              <a:rPr lang="en-US" dirty="0" smtClean="0"/>
-              <a:t>L() out degree of a page</a:t>
-            </a:r>
-          </a:p>
-          <a:p>
-            <a:r>
-              <a:rPr lang="en-US" dirty="0" smtClean="0"/>
-              <a:t>PR() PageRank of a page</a:t>
-            </a:r>
-            <a:endParaRPr lang="en-US" dirty="0"/>
-          </a:p>
-        </p:txBody>
-      </p:sp>
-      <p:pic>
-        <p:nvPicPr>
-          <p:cNvPr id="9" name="Picture 6" descr="pagerank-sum-to-1"/>
-          <p:cNvPicPr>
-            <a:picLocks noGrp="1" noChangeAspect="1" noChangeArrowheads="1"/>
-          </p:cNvPicPr>
-          <p:nvPr>
-            <p:ph sz="half" idx="2"/>
-          </p:nvPr>
-        </p:nvPicPr>
-        <p:blipFill>
-          <a:blip r:embed="rId2">
-            <a:extLst>
-              <a:ext uri="{28A0092B-C50C-407E-A947-70E740481C1C}">
-                <a14:useLocalDpi xmlns:a14="http://schemas.microsoft.com/office/drawing/2010/main" val="0"/>
-              </a:ext>
-            </a:extLst>
-          </a:blip>
-          <a:stretch>
-            <a:fillRect/>
-          </a:stretch>
-        </p:blipFill>
-        <p:spPr bwMode="auto">
-          <a:xfrm>
-            <a:off x="1699511" y="4596714"/>
-            <a:ext cx="7689108" cy="784289"/>
-          </a:xfrm>
-          <a:prstGeom prst="rect">
-            <a:avLst/>
-          </a:prstGeom>
-          <a:noFill/>
-          <a:ln>
-            <a:noFill/>
-          </a:ln>
-          <a:extLst>
-            <a:ext uri="{909E8E84-426E-40DD-AFC4-6F175D3DCCD1}">
-              <a14:hiddenFill xmlns:a14="http://schemas.microsoft.com/office/drawing/2010/main">
-                <a:solidFill>
-                  <a:srgbClr val="FFFFFF"/>
-                </a:solidFill>
-              </a14:hiddenFill>
-            </a:ext>
-            <a:ext uri="{91240B29-F687-4F45-9708-019B960494DF}">
-              <a14:hiddenLine xmlns:a14="http://schemas.microsoft.com/office/drawing/2010/main" w="9525">
-                <a:solidFill>
-                  <a:srgbClr val="000000"/>
-                </a:solidFill>
-                <a:miter lim="800000"/>
-                <a:headEnd/>
-                <a:tailEnd/>
-              </a14:hiddenLine>
-            </a:ext>
-          </a:extLst>
-        </p:spPr>
-      </p:pic>
-    </p:spTree>
-    <p:extLst>
-      <p:ext uri="{BB962C8B-B14F-4D97-AF65-F5344CB8AC3E}">
-        <p14:creationId xmlns:p14="http://schemas.microsoft.com/office/powerpoint/2010/main" val="1075389557"/>
-      </p:ext>
-    </p:extLst>
-  </p:cSld>
-  <p:clrMapOvr>
-    <a:masterClrMapping/>
-  </p:clrMapOvr>
-</p:sld>
-</file>
-
-<file path=ppt/slides/slide6.xml><?xml version="1.0" encoding="utf-8"?>
-<p:sld xmlns:a="http://schemas.openxmlformats.org/drawingml/2006/main" xmlns:r="http://schemas.openxmlformats.org/officeDocument/2006/relationships" xmlns:p="http://schemas.openxmlformats.org/presentationml/2006/main">
-  <p:cSld>
-    <p:spTree>
-      <p:nvGrpSpPr>
-        <p:cNvPr id="1" name=""/>
-        <p:cNvGrpSpPr/>
-        <p:nvPr/>
-      </p:nvGrpSpPr>
-      <p:grpSpPr>
-        <a:xfrm>
-          <a:off x="0" y="0"/>
-          <a:ext cx="0" cy="0"/>
-          <a:chOff x="0" y="0"/>
-          <a:chExt cx="0" cy="0"/>
-        </a:xfrm>
-      </p:grpSpPr>
-      <p:sp>
-        <p:nvSpPr>
-          <p:cNvPr id="4" name="Title 3"/>
-          <p:cNvSpPr>
-            <a:spLocks noGrp="1"/>
-          </p:cNvSpPr>
-          <p:nvPr>
-            <p:ph type="title"/>
-          </p:nvPr>
-        </p:nvSpPr>
-        <p:spPr/>
-        <p:txBody>
-          <a:bodyPr/>
-          <a:lstStyle/>
-          <a:p>
-            <a:r>
-              <a:rPr lang="en-US" dirty="0" smtClean="0"/>
-              <a:t>Difference between Topic Sensitive PageRank</a:t>
-            </a:r>
-            <a:endParaRPr lang="en-US" dirty="0"/>
-          </a:p>
-        </p:txBody>
-      </p:sp>
-      <p:sp>
-        <p:nvSpPr>
-          <p:cNvPr id="5" name="Content Placeholder 4"/>
-          <p:cNvSpPr>
-            <a:spLocks noGrp="1"/>
-          </p:cNvSpPr>
-          <p:nvPr>
-            <p:ph idx="1"/>
-          </p:nvPr>
-        </p:nvSpPr>
-        <p:spPr/>
-        <p:txBody>
-          <a:bodyPr/>
-          <a:lstStyle/>
-          <a:p>
-            <a:r>
-              <a:rPr lang="en-US" dirty="0" smtClean="0"/>
-              <a:t>Compute multiple </a:t>
-            </a:r>
-            <a:r>
-              <a:rPr lang="en-US" dirty="0" err="1" smtClean="0"/>
-              <a:t>PageRanks</a:t>
-            </a:r>
-            <a:r>
-              <a:rPr lang="en-US" dirty="0" smtClean="0"/>
-              <a:t> for every page</a:t>
-            </a:r>
-          </a:p>
-          <a:p>
-            <a:pPr marL="457200" lvl="1" indent="0">
-              <a:buNone/>
-            </a:pPr>
-            <a:endParaRPr lang="en-US" dirty="0"/>
-          </a:p>
-        </p:txBody>
-      </p:sp>
-      <p:sp>
-        <p:nvSpPr>
-          <p:cNvPr id="3" name="Slide Number Placeholder 2"/>
-          <p:cNvSpPr>
-            <a:spLocks noGrp="1"/>
-          </p:cNvSpPr>
-          <p:nvPr>
-            <p:ph type="sldNum" sz="quarter" idx="12"/>
-          </p:nvPr>
-        </p:nvSpPr>
-        <p:spPr/>
-        <p:txBody>
-          <a:bodyPr/>
-          <a:lstStyle/>
-          <a:p>
-            <a:fld id="{38A27C39-69BC-486E-A789-EB1E62B74FE5}" type="slidenum">
-              <a:rPr lang="en-US" smtClean="0"/>
-              <a:t>6</a:t>
-            </a:fld>
-            <a:endParaRPr lang="en-US"/>
-          </a:p>
-        </p:txBody>
-      </p:sp>
-    </p:spTree>
-    <p:extLst>
-      <p:ext uri="{BB962C8B-B14F-4D97-AF65-F5344CB8AC3E}">
-        <p14:creationId xmlns:p14="http://schemas.microsoft.com/office/powerpoint/2010/main" val="246537341"/>
-      </p:ext>
-    </p:extLst>
-  </p:cSld>
-  <p:clrMapOvr>
-    <a:masterClrMapping/>
-  </p:clrMapOvr>
-</p:sld>
-</file>
-
-<file path=ppt/slides/slide7.xml><?xml version="1.0" encoding="utf-8"?>
-<p:sld xmlns:a="http://schemas.openxmlformats.org/drawingml/2006/main" xmlns:r="http://schemas.openxmlformats.org/officeDocument/2006/relationships" xmlns:p="http://schemas.openxmlformats.org/presentationml/2006/main">
-  <p:cSld>
-    <p:spTree>
-      <p:nvGrpSpPr>
-        <p:cNvPr id="1" name=""/>
-        <p:cNvGrpSpPr/>
-        <p:nvPr/>
-      </p:nvGrpSpPr>
-      <p:grpSpPr>
-        <a:xfrm>
-          <a:off x="0" y="0"/>
-          <a:ext cx="0" cy="0"/>
-          <a:chOff x="0" y="0"/>
-          <a:chExt cx="0" cy="0"/>
-        </a:xfrm>
-      </p:grpSpPr>
-      <p:sp>
-        <p:nvSpPr>
-          <p:cNvPr id="2" name="Title 1"/>
-          <p:cNvSpPr>
-            <a:spLocks noGrp="1"/>
-          </p:cNvSpPr>
-          <p:nvPr>
-            <p:ph type="title"/>
-          </p:nvPr>
-        </p:nvSpPr>
-        <p:spPr/>
-        <p:txBody>
-          <a:bodyPr/>
-          <a:lstStyle/>
-          <a:p>
-            <a:r>
-              <a:rPr lang="en-US" dirty="0" smtClean="0"/>
-              <a:t>Explain how calculated</a:t>
-            </a:r>
-            <a:br>
-              <a:rPr lang="en-US" dirty="0" smtClean="0"/>
-            </a:br>
-            <a:endParaRPr lang="en-US" dirty="0"/>
-          </a:p>
-        </p:txBody>
-      </p:sp>
-      <p:sp>
-        <p:nvSpPr>
-          <p:cNvPr id="3" name="Content Placeholder 2"/>
-          <p:cNvSpPr>
-            <a:spLocks noGrp="1"/>
-          </p:cNvSpPr>
-          <p:nvPr>
-            <p:ph idx="1"/>
-          </p:nvPr>
-        </p:nvSpPr>
-        <p:spPr/>
-        <p:txBody>
-          <a:bodyPr/>
-          <a:lstStyle/>
-          <a:p>
-            <a:r>
-              <a:rPr lang="en-US" dirty="0" smtClean="0"/>
-              <a:t>Based on preselected topics</a:t>
-            </a:r>
-          </a:p>
-          <a:p>
-            <a:pPr lvl="1"/>
-            <a:r>
-              <a:rPr lang="en-US" dirty="0" smtClean="0"/>
-              <a:t>16 top-level categories of Open Directory Project</a:t>
-            </a:r>
-          </a:p>
-          <a:p>
-            <a:r>
-              <a:rPr lang="en-US" dirty="0" smtClean="0"/>
-              <a:t>Train classifier on URLs under each category </a:t>
-            </a:r>
-          </a:p>
-          <a:p>
-            <a:endParaRPr lang="en-US" dirty="0" smtClean="0"/>
-          </a:p>
-          <a:p>
-            <a:endParaRPr lang="en-US" dirty="0"/>
-          </a:p>
-        </p:txBody>
-      </p:sp>
-      <p:sp>
-        <p:nvSpPr>
-          <p:cNvPr id="4" name="Slide Number Placeholder 3"/>
-          <p:cNvSpPr>
-            <a:spLocks noGrp="1"/>
-          </p:cNvSpPr>
-          <p:nvPr>
-            <p:ph type="sldNum" sz="quarter" idx="12"/>
-          </p:nvPr>
-        </p:nvSpPr>
-        <p:spPr/>
-        <p:txBody>
-          <a:bodyPr/>
-          <a:lstStyle/>
-          <a:p>
-            <a:fld id="{38A27C39-69BC-486E-A789-EB1E62B74FE5}" type="slidenum">
-              <a:rPr lang="en-US" smtClean="0"/>
-              <a:t>7</a:t>
-            </a:fld>
-            <a:endParaRPr lang="en-US"/>
-          </a:p>
-        </p:txBody>
-      </p:sp>
-    </p:spTree>
-    <p:extLst>
-      <p:ext uri="{BB962C8B-B14F-4D97-AF65-F5344CB8AC3E}">
-        <p14:creationId xmlns:p14="http://schemas.microsoft.com/office/powerpoint/2010/main" val="3489988010"/>
-      </p:ext>
-    </p:extLst>
-  </p:cSld>
-  <p:clrMapOvr>
-    <a:masterClrMapping/>
-  </p:clrMapOvr>
-</p:sld>
-</file>
-
-<file path=ppt/slides/slide8.xml><?xml version="1.0" encoding="utf-8"?>
-<p:sld xmlns:a="http://schemas.openxmlformats.org/drawingml/2006/main" xmlns:r="http://schemas.openxmlformats.org/officeDocument/2006/relationships" xmlns:p="http://schemas.openxmlformats.org/presentationml/2006/main">
-  <p:cSld>
-    <p:spTree>
-      <p:nvGrpSpPr>
-        <p:cNvPr id="1" name=""/>
-        <p:cNvGrpSpPr/>
-        <p:nvPr/>
-      </p:nvGrpSpPr>
-      <p:grpSpPr>
-        <a:xfrm>
-          <a:off x="0" y="0"/>
-          <a:ext cx="0" cy="0"/>
-          <a:chOff x="0" y="0"/>
-          <a:chExt cx="0" cy="0"/>
-        </a:xfrm>
-      </p:grpSpPr>
-      <p:sp>
-        <p:nvSpPr>
-          <p:cNvPr id="2" name="Title 1"/>
-          <p:cNvSpPr>
-            <a:spLocks noGrp="1"/>
-          </p:cNvSpPr>
-          <p:nvPr>
-            <p:ph type="title"/>
-          </p:nvPr>
-        </p:nvSpPr>
-        <p:spPr/>
-        <p:txBody>
-          <a:bodyPr/>
-          <a:lstStyle/>
-          <a:p>
-            <a:r>
-              <a:rPr lang="en-US" dirty="0" smtClean="0"/>
-              <a:t>Topic Sensitive Page rank</a:t>
-            </a:r>
-            <a:endParaRPr lang="en-US" dirty="0"/>
-          </a:p>
-        </p:txBody>
-      </p:sp>
-      <p:sp>
-        <p:nvSpPr>
-          <p:cNvPr id="4" name="Slide Number Placeholder 3"/>
-          <p:cNvSpPr>
-            <a:spLocks noGrp="1"/>
-          </p:cNvSpPr>
-          <p:nvPr>
-            <p:ph type="sldNum" sz="quarter" idx="12"/>
-          </p:nvPr>
-        </p:nvSpPr>
-        <p:spPr/>
-        <p:txBody>
-          <a:bodyPr/>
-          <a:lstStyle/>
-          <a:p>
-            <a:fld id="{38A27C39-69BC-486E-A789-EB1E62B74FE5}" type="slidenum">
-              <a:rPr lang="en-US" smtClean="0"/>
-              <a:t>8</a:t>
-            </a:fld>
-            <a:endParaRPr lang="en-US"/>
-          </a:p>
-        </p:txBody>
-      </p:sp>
-      <p:sp>
-        <p:nvSpPr>
-          <p:cNvPr id="8" name="Content Placeholder 7"/>
-          <p:cNvSpPr>
-            <a:spLocks noGrp="1"/>
-          </p:cNvSpPr>
-          <p:nvPr>
-            <p:ph sz="half" idx="1"/>
-          </p:nvPr>
-        </p:nvSpPr>
-        <p:spPr/>
-        <p:txBody>
-          <a:bodyPr/>
-          <a:lstStyle/>
-          <a:p>
-            <a:r>
-              <a:rPr lang="en-US" dirty="0" smtClean="0"/>
-              <a:t>Can also be defined as a matrix</a:t>
-            </a:r>
-          </a:p>
-          <a:p>
-            <a:r>
-              <a:rPr lang="en-US" dirty="0" smtClean="0"/>
-              <a:t>D </a:t>
-            </a:r>
-            <a:r>
-              <a:rPr lang="en-US" dirty="0" smtClean="0">
-                <a:solidFill>
-                  <a:srgbClr val="FF0000"/>
-                </a:solidFill>
-              </a:rPr>
-              <a:t>non-</a:t>
-            </a:r>
-            <a:r>
-              <a:rPr lang="en-US" dirty="0" smtClean="0"/>
-              <a:t>uniform dampening factor</a:t>
-            </a:r>
-          </a:p>
-          <a:p>
-            <a:r>
-              <a:rPr lang="en-US" dirty="0" smtClean="0"/>
-              <a:t>L() out degree of a page</a:t>
-            </a:r>
-          </a:p>
-          <a:p>
-            <a:r>
-              <a:rPr lang="en-US" dirty="0" smtClean="0"/>
-              <a:t>PR() PageRank of a page</a:t>
-            </a:r>
-            <a:endParaRPr lang="en-US" dirty="0"/>
-          </a:p>
-        </p:txBody>
-      </p:sp>
-      <p:pic>
-        <p:nvPicPr>
-          <p:cNvPr id="9" name="Picture 6" descr="pagerank-sum-to-1"/>
-          <p:cNvPicPr>
-            <a:picLocks noGrp="1" noChangeAspect="1" noChangeArrowheads="1"/>
-          </p:cNvPicPr>
-          <p:nvPr>
-            <p:ph sz="half" idx="2"/>
-          </p:nvPr>
-        </p:nvPicPr>
-        <p:blipFill>
-          <a:blip r:embed="rId2">
-            <a:extLst>
-              <a:ext uri="{28A0092B-C50C-407E-A947-70E740481C1C}">
-                <a14:useLocalDpi xmlns:a14="http://schemas.microsoft.com/office/drawing/2010/main" val="0"/>
-              </a:ext>
-            </a:extLst>
-          </a:blip>
-          <a:stretch>
-            <a:fillRect/>
-          </a:stretch>
-        </p:blipFill>
-        <p:spPr bwMode="auto">
-          <a:xfrm>
-            <a:off x="1617133" y="4316628"/>
-            <a:ext cx="7689108" cy="784289"/>
-          </a:xfrm>
-          <a:prstGeom prst="rect">
-            <a:avLst/>
-          </a:prstGeom>
-          <a:noFill/>
-          <a:ln>
-            <a:noFill/>
-          </a:ln>
-          <a:extLst>
-            <a:ext uri="{909E8E84-426E-40DD-AFC4-6F175D3DCCD1}">
-              <a14:hiddenFill xmlns:a14="http://schemas.microsoft.com/office/drawing/2010/main">
-                <a:solidFill>
-                  <a:srgbClr val="FFFFFF"/>
-                </a:solidFill>
-              </a14:hiddenFill>
-            </a:ext>
-            <a:ext uri="{91240B29-F687-4F45-9708-019B960494DF}">
-              <a14:hiddenLine xmlns:a14="http://schemas.microsoft.com/office/drawing/2010/main" w="9525">
-                <a:solidFill>
-                  <a:srgbClr val="000000"/>
-                </a:solidFill>
-                <a:miter lim="800000"/>
-                <a:headEnd/>
-                <a:tailEnd/>
-              </a14:hiddenLine>
-            </a:ext>
-          </a:extLst>
-        </p:spPr>
-      </p:pic>
-      <p:pic>
-        <p:nvPicPr>
-          <p:cNvPr id="3" name="Picture 2"/>
-          <p:cNvPicPr>
-            <a:picLocks noChangeAspect="1"/>
-          </p:cNvPicPr>
-          <p:nvPr/>
-        </p:nvPicPr>
-        <p:blipFill>
-          <a:blip r:embed="rId3"/>
-          <a:stretch>
-            <a:fillRect/>
-          </a:stretch>
-        </p:blipFill>
-        <p:spPr>
-          <a:xfrm>
-            <a:off x="6367848" y="1690688"/>
-            <a:ext cx="3810000" cy="1495425"/>
-          </a:xfrm>
-          <a:prstGeom prst="rect">
-            <a:avLst/>
-          </a:prstGeom>
-        </p:spPr>
-      </p:pic>
-      <p:sp>
-        <p:nvSpPr>
-          <p:cNvPr id="5" name="TextBox 4"/>
-          <p:cNvSpPr txBox="1"/>
-          <p:nvPr/>
-        </p:nvSpPr>
-        <p:spPr>
-          <a:xfrm>
-            <a:off x="10519719" y="1825625"/>
-            <a:ext cx="1219200" cy="923330"/>
-          </a:xfrm>
-          <a:prstGeom prst="rect">
-            <a:avLst/>
-          </a:prstGeom>
-          <a:noFill/>
-        </p:spPr>
-        <p:txBody>
-          <a:bodyPr wrap="square" rtlCol="0">
-            <a:spAutoFit/>
-          </a:bodyPr>
-          <a:lstStyle/>
-          <a:p>
-            <a:r>
-              <a:rPr lang="en-US" dirty="0" err="1" smtClean="0"/>
-              <a:t>T</a:t>
-            </a:r>
-            <a:r>
-              <a:rPr lang="en-US" baseline="-25000" dirty="0" err="1" smtClean="0"/>
-              <a:t>j</a:t>
-            </a:r>
-            <a:r>
-              <a:rPr lang="en-US" dirty="0" smtClean="0"/>
-              <a:t> =set of URLs in category</a:t>
-            </a:r>
-            <a:endParaRPr lang="en-US" dirty="0"/>
-          </a:p>
-        </p:txBody>
-      </p:sp>
-    </p:spTree>
-    <p:extLst>
-      <p:ext uri="{BB962C8B-B14F-4D97-AF65-F5344CB8AC3E}">
-        <p14:creationId xmlns:p14="http://schemas.microsoft.com/office/powerpoint/2010/main" val="4064821515"/>
-      </p:ext>
-    </p:extLst>
-  </p:cSld>
-  <p:clrMapOvr>
-    <a:masterClrMapping/>
-  </p:clrMapOvr>
-</p:sld>
-</file>
-
 <file path=ppt/slides/slide9.xml><?xml version="1.0" encoding="utf-8"?>
 <p:sld xmlns:a="http://schemas.openxmlformats.org/drawingml/2006/main" xmlns:r="http://schemas.openxmlformats.org/officeDocument/2006/relationships" xmlns:p="http://schemas.openxmlformats.org/presentationml/2006/main">
   <p:cSld>
@@ -6797,42 +6969,45 @@
           <a:lstStyle/>
           <a:p>
             <a:r>
-              <a:rPr lang="en-US" dirty="0" smtClean="0"/>
-              <a:t>Classify Query</a:t>
-            </a:r>
-            <a:endParaRPr lang="en-US" dirty="0" smtClean="0"/>
-          </a:p>
-        </p:txBody>
-      </p:sp>
-      <p:pic>
-        <p:nvPicPr>
-          <p:cNvPr id="5" name="Content Placeholder 4"/>
-          <p:cNvPicPr>
-            <a:picLocks noGrp="1" noChangeAspect="1"/>
-          </p:cNvPicPr>
+              <a:rPr lang="en-US" dirty="0"/>
+              <a:t>TwitterRank: Finding Topic-sensitive Influential Twitterers</a:t>
+            </a:r>
+          </a:p>
+        </p:txBody>
+      </p:sp>
+      <p:sp>
+        <p:nvSpPr>
+          <p:cNvPr id="3" name="Content Placeholder 2"/>
+          <p:cNvSpPr>
+            <a:spLocks noGrp="1"/>
+          </p:cNvSpPr>
           <p:nvPr>
             <p:ph idx="1"/>
           </p:nvPr>
-        </p:nvPicPr>
-        <p:blipFill>
-          <a:blip r:embed="rId2"/>
-          <a:stretch>
-            <a:fillRect/>
-          </a:stretch>
-        </p:blipFill>
-        <p:spPr>
-          <a:xfrm>
-            <a:off x="2736857" y="1690688"/>
-            <a:ext cx="7661960" cy="4351338"/>
-          </a:xfrm>
-          <a:prstGeom prst="rect">
-            <a:avLst/>
-          </a:prstGeom>
-        </p:spPr>
-      </p:pic>
-      <p:sp>
-        <p:nvSpPr>
-          <p:cNvPr id="4" name="Slide Number Placeholder 3"/>
+        </p:nvSpPr>
+        <p:spPr/>
+        <p:txBody>
+          <a:bodyPr>
+            <a:normAutofit/>
+          </a:bodyPr>
+          <a:lstStyle/>
+          <a:p>
+            <a:r>
+              <a:rPr lang="en-US" sz="4000" dirty="0"/>
+              <a:t>Find influential users of Twitter</a:t>
+            </a:r>
+          </a:p>
+          <a:p>
+            <a:r>
+              <a:rPr lang="en-US" sz="4000" dirty="0"/>
+              <a:t>Taking into account link structure (followers) and topic similarity</a:t>
+            </a:r>
+          </a:p>
+        </p:txBody>
+      </p:sp>
+      <p:sp>
+        <p:nvSpPr>
+          <p:cNvPr id="5" name="Slide Number Placeholder 4"/>
           <p:cNvSpPr>
             <a:spLocks noGrp="1"/>
           </p:cNvSpPr>
@@ -6853,93 +7028,10 @@
           </a:p>
         </p:txBody>
       </p:sp>
-      <p:sp>
-        <p:nvSpPr>
-          <p:cNvPr id="6" name="TextBox 5"/>
-          <p:cNvSpPr txBox="1"/>
-          <p:nvPr/>
-        </p:nvSpPr>
-        <p:spPr>
-          <a:xfrm>
-            <a:off x="263611" y="2356021"/>
-            <a:ext cx="2056717" cy="1200329"/>
-          </a:xfrm>
-          <a:prstGeom prst="rect">
-            <a:avLst/>
-          </a:prstGeom>
-          <a:noFill/>
-        </p:spPr>
-        <p:txBody>
-          <a:bodyPr wrap="none" rtlCol="0">
-            <a:spAutoFit/>
-          </a:bodyPr>
-          <a:lstStyle/>
-          <a:p>
-            <a:r>
-              <a:rPr lang="en-US" sz="2400" dirty="0" smtClean="0"/>
-              <a:t>Query = ‘Golf’</a:t>
-            </a:r>
-          </a:p>
-          <a:p>
-            <a:r>
-              <a:rPr lang="en-US" sz="2400" dirty="0" smtClean="0"/>
-              <a:t>Distribution of </a:t>
-            </a:r>
-          </a:p>
-          <a:p>
-            <a:r>
-              <a:rPr lang="en-US" sz="2400" dirty="0" smtClean="0"/>
-              <a:t>topic weights</a:t>
-            </a:r>
-            <a:endParaRPr lang="en-US" sz="2400" dirty="0"/>
-          </a:p>
-        </p:txBody>
-      </p:sp>
-      <p:sp>
-        <p:nvSpPr>
-          <p:cNvPr id="7" name="TextBox 6"/>
-          <p:cNvSpPr txBox="1"/>
-          <p:nvPr/>
-        </p:nvSpPr>
-        <p:spPr>
-          <a:xfrm>
-            <a:off x="263611" y="6075144"/>
-            <a:ext cx="6304226" cy="646331"/>
-          </a:xfrm>
-          <a:prstGeom prst="rect">
-            <a:avLst/>
-          </a:prstGeom>
-          <a:noFill/>
-        </p:spPr>
-        <p:txBody>
-          <a:bodyPr wrap="none" rtlCol="0">
-            <a:spAutoFit/>
-          </a:bodyPr>
-          <a:lstStyle/>
-          <a:p>
-            <a:r>
-              <a:rPr lang="en-US" dirty="0" smtClean="0"/>
-              <a:t>Topic-Sensitive Page Rank </a:t>
-            </a:r>
-            <a:r>
-              <a:rPr lang="en-US" dirty="0" err="1" smtClean="0"/>
-              <a:t>Haveliwala</a:t>
-            </a:r>
-            <a:endParaRPr lang="en-US" dirty="0" smtClean="0"/>
-          </a:p>
-          <a:p>
-            <a:r>
-              <a:rPr lang="en-US" dirty="0" smtClean="0"/>
-              <a:t>http://infolab.stanford.edu/~taherh/papers/slides/tspr-slides.pdf</a:t>
-            </a:r>
-            <a:endParaRPr lang="en-US" dirty="0"/>
-          </a:p>
-        </p:txBody>
-      </p:sp>
     </p:spTree>
     <p:extLst>
       <p:ext uri="{BB962C8B-B14F-4D97-AF65-F5344CB8AC3E}">
-        <p14:creationId xmlns:p14="http://schemas.microsoft.com/office/powerpoint/2010/main" val="2006216318"/>
+        <p14:creationId xmlns:p14="http://schemas.microsoft.com/office/powerpoint/2010/main" val="997622093"/>
       </p:ext>
     </p:extLst>
   </p:cSld>

--- a/assignments/Presentation2/TopicPageRankSlides.pptx
+++ b/assignments/Presentation2/TopicPageRankSlides.pptx
@@ -215,7 +215,7 @@
           <a:p>
             <a:fld id="{CBAF4B68-2AB5-4DB3-B406-5815D9B471D1}" type="datetimeFigureOut">
               <a:rPr lang="en-US" smtClean="0"/>
-              <a:t>10/11/2017</a:t>
+              <a:t>10/12/2017</a:t>
             </a:fld>
             <a:endParaRPr lang="en-US"/>
           </a:p>
@@ -779,7 +779,7 @@
           <a:p>
             <a:fld id="{E64EFC39-3989-4840-9ECD-D8FF6637E050}" type="datetime1">
               <a:rPr lang="en-US" smtClean="0"/>
-              <a:t>10/11/2017</a:t>
+              <a:t>10/12/2017</a:t>
             </a:fld>
             <a:endParaRPr lang="en-US"/>
           </a:p>
@@ -952,7 +952,7 @@
           <a:p>
             <a:fld id="{EA5A1E57-9455-4C0D-96EF-24C0A1C260E6}" type="datetime1">
               <a:rPr lang="en-US" smtClean="0"/>
-              <a:t>10/11/2017</a:t>
+              <a:t>10/12/2017</a:t>
             </a:fld>
             <a:endParaRPr lang="en-US"/>
           </a:p>
@@ -1130,7 +1130,7 @@
           <a:p>
             <a:fld id="{90835F71-AA52-49A6-A5FE-1B702EB16EC0}" type="datetime1">
               <a:rPr lang="en-US" smtClean="0"/>
-              <a:t>10/11/2017</a:t>
+              <a:t>10/12/2017</a:t>
             </a:fld>
             <a:endParaRPr lang="en-US"/>
           </a:p>
@@ -1303,7 +1303,7 @@
           <a:p>
             <a:fld id="{6BC22A70-A140-4AC4-9F39-913F40822C77}" type="datetime1">
               <a:rPr lang="en-US" smtClean="0"/>
-              <a:t>10/11/2017</a:t>
+              <a:t>10/12/2017</a:t>
             </a:fld>
             <a:endParaRPr lang="en-US"/>
           </a:p>
@@ -1548,7 +1548,7 @@
           <a:p>
             <a:fld id="{B4026B17-27CA-445B-88FA-5261929D3E83}" type="datetime1">
               <a:rPr lang="en-US" smtClean="0"/>
-              <a:t>10/11/2017</a:t>
+              <a:t>10/12/2017</a:t>
             </a:fld>
             <a:endParaRPr lang="en-US"/>
           </a:p>
@@ -1782,7 +1782,7 @@
           <a:p>
             <a:fld id="{823F9156-3AFF-467C-A849-14DFF19E598D}" type="datetime1">
               <a:rPr lang="en-US" smtClean="0"/>
-              <a:t>10/11/2017</a:t>
+              <a:t>10/12/2017</a:t>
             </a:fld>
             <a:endParaRPr lang="en-US"/>
           </a:p>
@@ -2146,7 +2146,7 @@
           <a:p>
             <a:fld id="{D998C776-2101-4C43-B07C-5683A2489846}" type="datetime1">
               <a:rPr lang="en-US" smtClean="0"/>
-              <a:t>10/11/2017</a:t>
+              <a:t>10/12/2017</a:t>
             </a:fld>
             <a:endParaRPr lang="en-US"/>
           </a:p>
@@ -2263,7 +2263,7 @@
           <a:p>
             <a:fld id="{075FF5B6-FD5A-4923-86F9-C980BA92111B}" type="datetime1">
               <a:rPr lang="en-US" smtClean="0"/>
-              <a:t>10/11/2017</a:t>
+              <a:t>10/12/2017</a:t>
             </a:fld>
             <a:endParaRPr lang="en-US"/>
           </a:p>
@@ -2358,7 +2358,7 @@
           <a:p>
             <a:fld id="{7F440B73-EAB2-4EFA-8D94-2C72EA55835F}" type="datetime1">
               <a:rPr lang="en-US" smtClean="0"/>
-              <a:t>10/11/2017</a:t>
+              <a:t>10/12/2017</a:t>
             </a:fld>
             <a:endParaRPr lang="en-US"/>
           </a:p>
@@ -2633,7 +2633,7 @@
           <a:p>
             <a:fld id="{E99D1DCA-56F4-4D0A-9560-C860DA1574D6}" type="datetime1">
               <a:rPr lang="en-US" smtClean="0"/>
-              <a:t>10/11/2017</a:t>
+              <a:t>10/12/2017</a:t>
             </a:fld>
             <a:endParaRPr lang="en-US"/>
           </a:p>
@@ -2885,7 +2885,7 @@
           <a:p>
             <a:fld id="{3A8C6F73-9748-48D5-8C71-BFF48E22FF35}" type="datetime1">
               <a:rPr lang="en-US" smtClean="0"/>
-              <a:t>10/11/2017</a:t>
+              <a:t>10/12/2017</a:t>
             </a:fld>
             <a:endParaRPr lang="en-US"/>
           </a:p>
@@ -3096,7 +3096,7 @@
           <a:p>
             <a:fld id="{FBA563D6-C040-4213-BBD4-8000B0E8D807}" type="datetime1">
               <a:rPr lang="en-US" smtClean="0"/>
-              <a:t>10/11/2017</a:t>
+              <a:t>10/12/2017</a:t>
             </a:fld>
             <a:endParaRPr lang="en-US"/>
           </a:p>
@@ -4156,7 +4156,7 @@
         <p:spPr/>
         <p:txBody>
           <a:bodyPr>
-            <a:normAutofit/>
+            <a:normAutofit lnSpcReduction="10000"/>
           </a:bodyPr>
           <a:lstStyle/>
           <a:p>
@@ -4175,14 +4175,14 @@
             <a:pPr lvl="1"/>
             <a:r>
               <a:rPr lang="en-US" sz="3200" dirty="0"/>
-              <a:t>Start at random page </a:t>
+              <a:t>Start at random page (user) </a:t>
             </a:r>
           </a:p>
           <a:p>
             <a:pPr lvl="1"/>
             <a:r>
               <a:rPr lang="en-US" sz="3200" dirty="0"/>
-              <a:t>Select link to follow</a:t>
+              <a:t>Select link to follow (following)</a:t>
             </a:r>
           </a:p>
           <a:p>
@@ -4196,7 +4196,15 @@
             <a:pPr lvl="1"/>
             <a:r>
               <a:rPr lang="en-US" sz="3200" dirty="0"/>
-              <a:t>PageRank= probability that surfer lands on page</a:t>
+              <a:t>PageRank</a:t>
+            </a:r>
+            <a:r>
+              <a:rPr lang="en-US" sz="3200"/>
+              <a:t>(influence) = </a:t>
+            </a:r>
+            <a:r>
+              <a:rPr lang="en-US" sz="3200" dirty="0"/>
+              <a:t>probability that surfer lands on page</a:t>
             </a:r>
             <a:endParaRPr lang="en-US" sz="3600" dirty="0"/>
           </a:p>
